--- a/Prokarma/Performance Appraisals.pptx
+++ b/Prokarma/Performance Appraisals.pptx
@@ -8,21 +8,21 @@
   <p:sldIdLst>
     <p:sldId id="256" r:id="rId6"/>
     <p:sldId id="325" r:id="rId7"/>
-    <p:sldId id="274" r:id="rId8"/>
-    <p:sldId id="339" r:id="rId9"/>
-    <p:sldId id="340" r:id="rId10"/>
-    <p:sldId id="342" r:id="rId11"/>
-    <p:sldId id="343" r:id="rId12"/>
-    <p:sldId id="355" r:id="rId13"/>
-    <p:sldId id="354" r:id="rId14"/>
-    <p:sldId id="344" r:id="rId15"/>
-    <p:sldId id="328" r:id="rId16"/>
-    <p:sldId id="356" r:id="rId17"/>
-    <p:sldId id="345" r:id="rId18"/>
-    <p:sldId id="357" r:id="rId19"/>
-    <p:sldId id="347" r:id="rId20"/>
-    <p:sldId id="329" r:id="rId21"/>
-    <p:sldId id="359" r:id="rId22"/>
+    <p:sldId id="358" r:id="rId8"/>
+    <p:sldId id="274" r:id="rId9"/>
+    <p:sldId id="339" r:id="rId10"/>
+    <p:sldId id="340" r:id="rId11"/>
+    <p:sldId id="342" r:id="rId12"/>
+    <p:sldId id="343" r:id="rId13"/>
+    <p:sldId id="355" r:id="rId14"/>
+    <p:sldId id="354" r:id="rId15"/>
+    <p:sldId id="344" r:id="rId16"/>
+    <p:sldId id="328" r:id="rId17"/>
+    <p:sldId id="356" r:id="rId18"/>
+    <p:sldId id="345" r:id="rId19"/>
+    <p:sldId id="357" r:id="rId20"/>
+    <p:sldId id="347" r:id="rId21"/>
+    <p:sldId id="329" r:id="rId22"/>
   </p:sldIdLst>
   <p:sldSz cx="9144000" cy="6858000" type="screen4x3"/>
   <p:notesSz cx="6858000" cy="9144000"/>
@@ -7731,7 +7731,7 @@
           <a:p>
             <a:r>
               <a:rPr lang="en-US" sz="2000" b="1" dirty="0" smtClean="0"/>
-              <a:t>The best are much better than the rest</a:t>
+              <a:t>Types of performers in work force</a:t>
             </a:r>
             <a:endParaRPr lang="en-US" sz="2000" b="1" dirty="0"/>
           </a:p>
@@ -7764,36 +7764,9 @@
               <a:buChar char="ü"/>
             </a:pPr>
             <a:r>
-              <a:rPr lang="en-US" sz="2000" b="1" dirty="0" smtClean="0">
-                <a:hlinkClick r:id="rId2"/>
-              </a:rPr>
-              <a:t>Hard Facts Dangerous Half-Truths , and Total Nonsense : Profiting from </a:t>
-            </a:r>
-            <a:r>
-              <a:rPr lang="en-US" sz="2000" b="1" dirty="0" err="1" smtClean="0">
-                <a:hlinkClick r:id="rId2"/>
-              </a:rPr>
-              <a:t>evidenmanagement</a:t>
-            </a:r>
-            <a:r>
-              <a:rPr lang="en-US" sz="2000" b="1" dirty="0" smtClean="0">
-                <a:hlinkClick r:id="rId2"/>
-              </a:rPr>
-              <a:t> - Jeffrey </a:t>
-            </a:r>
-            <a:r>
-              <a:rPr lang="en-US" sz="2000" b="1" dirty="0" err="1" smtClean="0">
-                <a:hlinkClick r:id="rId2"/>
-              </a:rPr>
-              <a:t>Pfefferce</a:t>
-            </a:r>
-            <a:r>
-              <a:rPr lang="en-US" sz="2000" b="1" dirty="0" smtClean="0">
-                <a:hlinkClick r:id="rId2"/>
-              </a:rPr>
-              <a:t> based</a:t>
-            </a:r>
-            <a:endParaRPr lang="en-US" sz="2000" dirty="0" smtClean="0"/>
+              <a:rPr lang="en-US" sz="2000" dirty="0" smtClean="0"/>
+              <a:t>Myth : Performance follows bell curve – EX , EE , ME , MME , DE </a:t>
+            </a:r>
           </a:p>
           <a:p>
             <a:pPr>
@@ -7801,8 +7774,8 @@
               <a:buChar char="ü"/>
             </a:pPr>
             <a:r>
-              <a:rPr lang="en-US" sz="1800" dirty="0" smtClean="0"/>
-              <a:t>Research : No matter where you look, the same story can be told, with only minor adjustments. Identify the 10 percent who have contributed the most to some endeavor, whether it be songs, poems, paintings, patents, articles, legislation, battles, films, designs, or anything else. Count all the accomplishments that they have to their credit. Now tally the achievements of the remaining 90 percent who struggled in the same area of achievement. The first tally will equal or surpass the second tally. </a:t>
+              <a:rPr lang="en-US" sz="2000" dirty="0" smtClean="0"/>
+              <a:t>Research : There are only three types of performers – Hyper performers , Good Performers and Poor performers . This is called power law curve . </a:t>
             </a:r>
           </a:p>
           <a:p>
@@ -7811,8 +7784,8 @@
               <a:buChar char="ü"/>
             </a:pPr>
             <a:r>
-              <a:rPr lang="en-US" sz="1800" dirty="0" smtClean="0"/>
-              <a:t>These 10% people are called as hyper performers . Remaining 90% cannot touch this 10% guys</a:t>
+              <a:rPr lang="en-US" sz="2000" dirty="0" smtClean="0"/>
+              <a:t>Let us do a deep dive on power law curve and then evaluate prokarma workforce against it. </a:t>
             </a:r>
           </a:p>
           <a:p>
@@ -7820,40 +7793,14 @@
               <a:buFont typeface="Wingdings" pitchFamily="2" charset="2"/>
               <a:buChar char="ü"/>
             </a:pPr>
-            <a:r>
-              <a:rPr lang="en-US" sz="1800" dirty="0" smtClean="0"/>
-              <a:t>Examples :</a:t>
-            </a:r>
-          </a:p>
-          <a:p>
-            <a:pPr lvl="1">
+            <a:endParaRPr lang="en-US" sz="1600" dirty="0" smtClean="0"/>
+          </a:p>
+          <a:p>
+            <a:pPr lvl="2">
               <a:buFont typeface="Wingdings" pitchFamily="2" charset="2"/>
               <a:buChar char="ü"/>
             </a:pPr>
-            <a:r>
-              <a:rPr lang="en-US" sz="1600" dirty="0" smtClean="0"/>
-              <a:t>Telugu film industry</a:t>
-            </a:r>
-          </a:p>
-          <a:p>
-            <a:pPr lvl="1">
-              <a:buFont typeface="Wingdings" pitchFamily="2" charset="2"/>
-              <a:buChar char="ü"/>
-            </a:pPr>
-            <a:r>
-              <a:rPr lang="en-US" sz="1600" dirty="0" smtClean="0"/>
-              <a:t>Books on core java or any subject</a:t>
-            </a:r>
-          </a:p>
-          <a:p>
-            <a:pPr lvl="1">
-              <a:buFont typeface="Wingdings" pitchFamily="2" charset="2"/>
-              <a:buChar char="ü"/>
-            </a:pPr>
-            <a:r>
-              <a:rPr lang="en-US" sz="1600" dirty="0" smtClean="0"/>
-              <a:t>Architects in prokarma</a:t>
-            </a:r>
+            <a:endParaRPr lang="en-US" sz="1600" dirty="0" smtClean="0"/>
           </a:p>
           <a:p>
             <a:pPr lvl="2">
@@ -8048,250 +7995,6 @@
                                           <p:spTgt spid="4">
                                             <p:txEl>
                                               <p:pRg st="2" end="2"/>
-                                            </p:txEl>
-                                          </p:spTgt>
-                                        </p:tgtEl>
-                                      </p:cBhvr>
-                                    </p:animEffect>
-                                  </p:childTnLst>
-                                </p:cTn>
-                              </p:par>
-                            </p:childTnLst>
-                          </p:cTn>
-                        </p:par>
-                      </p:childTnLst>
-                    </p:cTn>
-                  </p:par>
-                  <p:par>
-                    <p:cTn id="18" fill="hold">
-                      <p:stCondLst>
-                        <p:cond delay="indefinite"/>
-                      </p:stCondLst>
-                      <p:childTnLst>
-                        <p:par>
-                          <p:cTn id="19" fill="hold">
-                            <p:stCondLst>
-                              <p:cond delay="0"/>
-                            </p:stCondLst>
-                            <p:childTnLst>
-                              <p:par>
-                                <p:cTn id="20" presetID="3" presetClass="entr" presetSubtype="10" fill="hold" nodeType="clickEffect">
-                                  <p:stCondLst>
-                                    <p:cond delay="0"/>
-                                  </p:stCondLst>
-                                  <p:childTnLst>
-                                    <p:set>
-                                      <p:cBhvr>
-                                        <p:cTn id="21" dur="1" fill="hold">
-                                          <p:stCondLst>
-                                            <p:cond delay="0"/>
-                                          </p:stCondLst>
-                                        </p:cTn>
-                                        <p:tgtEl>
-                                          <p:spTgt spid="4">
-                                            <p:txEl>
-                                              <p:pRg st="3" end="3"/>
-                                            </p:txEl>
-                                          </p:spTgt>
-                                        </p:tgtEl>
-                                        <p:attrNameLst>
-                                          <p:attrName>style.visibility</p:attrName>
-                                        </p:attrNameLst>
-                                      </p:cBhvr>
-                                      <p:to>
-                                        <p:strVal val="visible"/>
-                                      </p:to>
-                                    </p:set>
-                                    <p:animEffect transition="in" filter="blinds(horizontal)">
-                                      <p:cBhvr>
-                                        <p:cTn id="22" dur="500"/>
-                                        <p:tgtEl>
-                                          <p:spTgt spid="4">
-                                            <p:txEl>
-                                              <p:pRg st="3" end="3"/>
-                                            </p:txEl>
-                                          </p:spTgt>
-                                        </p:tgtEl>
-                                      </p:cBhvr>
-                                    </p:animEffect>
-                                  </p:childTnLst>
-                                </p:cTn>
-                              </p:par>
-                            </p:childTnLst>
-                          </p:cTn>
-                        </p:par>
-                      </p:childTnLst>
-                    </p:cTn>
-                  </p:par>
-                  <p:par>
-                    <p:cTn id="23" fill="hold">
-                      <p:stCondLst>
-                        <p:cond delay="indefinite"/>
-                      </p:stCondLst>
-                      <p:childTnLst>
-                        <p:par>
-                          <p:cTn id="24" fill="hold">
-                            <p:stCondLst>
-                              <p:cond delay="0"/>
-                            </p:stCondLst>
-                            <p:childTnLst>
-                              <p:par>
-                                <p:cTn id="25" presetID="3" presetClass="entr" presetSubtype="10" fill="hold" nodeType="clickEffect">
-                                  <p:stCondLst>
-                                    <p:cond delay="0"/>
-                                  </p:stCondLst>
-                                  <p:childTnLst>
-                                    <p:set>
-                                      <p:cBhvr>
-                                        <p:cTn id="26" dur="1" fill="hold">
-                                          <p:stCondLst>
-                                            <p:cond delay="0"/>
-                                          </p:stCondLst>
-                                        </p:cTn>
-                                        <p:tgtEl>
-                                          <p:spTgt spid="4">
-                                            <p:txEl>
-                                              <p:pRg st="4" end="4"/>
-                                            </p:txEl>
-                                          </p:spTgt>
-                                        </p:tgtEl>
-                                        <p:attrNameLst>
-                                          <p:attrName>style.visibility</p:attrName>
-                                        </p:attrNameLst>
-                                      </p:cBhvr>
-                                      <p:to>
-                                        <p:strVal val="visible"/>
-                                      </p:to>
-                                    </p:set>
-                                    <p:animEffect transition="in" filter="blinds(horizontal)">
-                                      <p:cBhvr>
-                                        <p:cTn id="27" dur="500"/>
-                                        <p:tgtEl>
-                                          <p:spTgt spid="4">
-                                            <p:txEl>
-                                              <p:pRg st="4" end="4"/>
-                                            </p:txEl>
-                                          </p:spTgt>
-                                        </p:tgtEl>
-                                      </p:cBhvr>
-                                    </p:animEffect>
-                                  </p:childTnLst>
-                                </p:cTn>
-                              </p:par>
-                            </p:childTnLst>
-                          </p:cTn>
-                        </p:par>
-                      </p:childTnLst>
-                    </p:cTn>
-                  </p:par>
-                  <p:par>
-                    <p:cTn id="28" fill="hold">
-                      <p:stCondLst>
-                        <p:cond delay="indefinite"/>
-                      </p:stCondLst>
-                      <p:childTnLst>
-                        <p:par>
-                          <p:cTn id="29" fill="hold">
-                            <p:stCondLst>
-                              <p:cond delay="0"/>
-                            </p:stCondLst>
-                            <p:childTnLst>
-                              <p:par>
-                                <p:cTn id="30" presetID="3" presetClass="entr" presetSubtype="10" fill="hold" nodeType="clickEffect">
-                                  <p:stCondLst>
-                                    <p:cond delay="0"/>
-                                  </p:stCondLst>
-                                  <p:childTnLst>
-                                    <p:set>
-                                      <p:cBhvr>
-                                        <p:cTn id="31" dur="1" fill="hold">
-                                          <p:stCondLst>
-                                            <p:cond delay="0"/>
-                                          </p:stCondLst>
-                                        </p:cTn>
-                                        <p:tgtEl>
-                                          <p:spTgt spid="4">
-                                            <p:txEl>
-                                              <p:pRg st="5" end="5"/>
-                                            </p:txEl>
-                                          </p:spTgt>
-                                        </p:tgtEl>
-                                        <p:attrNameLst>
-                                          <p:attrName>style.visibility</p:attrName>
-                                        </p:attrNameLst>
-                                      </p:cBhvr>
-                                      <p:to>
-                                        <p:strVal val="visible"/>
-                                      </p:to>
-                                    </p:set>
-                                    <p:animEffect transition="in" filter="blinds(horizontal)">
-                                      <p:cBhvr>
-                                        <p:cTn id="32" dur="500"/>
-                                        <p:tgtEl>
-                                          <p:spTgt spid="4">
-                                            <p:txEl>
-                                              <p:pRg st="5" end="5"/>
-                                            </p:txEl>
-                                          </p:spTgt>
-                                        </p:tgtEl>
-                                      </p:cBhvr>
-                                    </p:animEffect>
-                                  </p:childTnLst>
-                                </p:cTn>
-                              </p:par>
-                            </p:childTnLst>
-                          </p:cTn>
-                        </p:par>
-                      </p:childTnLst>
-                    </p:cTn>
-                  </p:par>
-                  <p:par>
-                    <p:cTn id="33" fill="hold">
-                      <p:stCondLst>
-                        <p:cond delay="indefinite"/>
-                      </p:stCondLst>
-                      <p:childTnLst>
-                        <p:par>
-                          <p:cTn id="34" fill="hold">
-                            <p:stCondLst>
-                              <p:cond delay="0"/>
-                            </p:stCondLst>
-                            <p:childTnLst>
-                              <p:par>
-                                <p:cTn id="35" presetID="3" presetClass="entr" presetSubtype="10" fill="hold" nodeType="clickEffect">
-                                  <p:stCondLst>
-                                    <p:cond delay="0"/>
-                                  </p:stCondLst>
-                                  <p:childTnLst>
-                                    <p:set>
-                                      <p:cBhvr>
-                                        <p:cTn id="36" dur="1" fill="hold">
-                                          <p:stCondLst>
-                                            <p:cond delay="0"/>
-                                          </p:stCondLst>
-                                        </p:cTn>
-                                        <p:tgtEl>
-                                          <p:spTgt spid="4">
-                                            <p:txEl>
-                                              <p:pRg st="6" end="6"/>
-                                            </p:txEl>
-                                          </p:spTgt>
-                                        </p:tgtEl>
-                                        <p:attrNameLst>
-                                          <p:attrName>style.visibility</p:attrName>
-                                        </p:attrNameLst>
-                                      </p:cBhvr>
-                                      <p:to>
-                                        <p:strVal val="visible"/>
-                                      </p:to>
-                                    </p:set>
-                                    <p:animEffect transition="in" filter="blinds(horizontal)">
-                                      <p:cBhvr>
-                                        <p:cTn id="37" dur="500"/>
-                                        <p:tgtEl>
-                                          <p:spTgt spid="4">
-                                            <p:txEl>
-                                              <p:pRg st="6" end="6"/>
                                             </p:txEl>
                                           </p:spTgt>
                                         </p:tgtEl>
@@ -8367,7 +8070,7 @@
           <a:p>
             <a:r>
               <a:rPr lang="en-US" sz="2000" b="1" dirty="0" smtClean="0"/>
-              <a:t>What hyper performers can do</a:t>
+              <a:t>The best are much better than the rest</a:t>
             </a:r>
             <a:endParaRPr lang="en-US" sz="2000" b="1" dirty="0"/>
           </a:p>
@@ -8385,8 +8088,8 @@
         </p:nvSpPr>
         <p:spPr>
           <a:xfrm>
-            <a:off x="612648" y="1905000"/>
-            <a:ext cx="7693152" cy="4495800"/>
+            <a:off x="612648" y="1600200"/>
+            <a:ext cx="7693152" cy="5029200"/>
           </a:xfrm>
         </p:spPr>
         <p:txBody>
@@ -8400,9 +8103,36 @@
               <a:buChar char="ü"/>
             </a:pPr>
             <a:r>
-              <a:rPr lang="en-US" sz="2000" dirty="0" smtClean="0"/>
-              <a:t>10 times more effective than rest of others and cannot be replaced easily</a:t>
-            </a:r>
+              <a:rPr lang="en-US" sz="2000" b="1" dirty="0" smtClean="0">
+                <a:hlinkClick r:id="rId2"/>
+              </a:rPr>
+              <a:t>Hard Facts Dangerous Half-Truths , and Total Nonsense : Profiting from </a:t>
+            </a:r>
+            <a:r>
+              <a:rPr lang="en-US" sz="2000" b="1" dirty="0" err="1" smtClean="0">
+                <a:hlinkClick r:id="rId2"/>
+              </a:rPr>
+              <a:t>evidenmanagement</a:t>
+            </a:r>
+            <a:r>
+              <a:rPr lang="en-US" sz="2000" b="1" dirty="0" smtClean="0">
+                <a:hlinkClick r:id="rId2"/>
+              </a:rPr>
+              <a:t> - Jeffrey </a:t>
+            </a:r>
+            <a:r>
+              <a:rPr lang="en-US" sz="2000" b="1" dirty="0" err="1" smtClean="0">
+                <a:hlinkClick r:id="rId2"/>
+              </a:rPr>
+              <a:t>Pfefferce</a:t>
+            </a:r>
+            <a:r>
+              <a:rPr lang="en-US" sz="2000" b="1" dirty="0" smtClean="0">
+                <a:hlinkClick r:id="rId2"/>
+              </a:rPr>
+              <a:t> based</a:t>
+            </a:r>
+            <a:endParaRPr lang="en-US" sz="2000" dirty="0" smtClean="0"/>
           </a:p>
           <a:p>
             <a:pPr>
@@ -8410,8 +8140,8 @@
               <a:buChar char="ü"/>
             </a:pPr>
             <a:r>
-              <a:rPr lang="en-US" sz="2000" dirty="0" smtClean="0"/>
-              <a:t>Behind every successful organization these guys are king makers</a:t>
+              <a:rPr lang="en-US" sz="1800" dirty="0" smtClean="0"/>
+              <a:t>Research : No matter where you look, the same story can be told, with only minor adjustments. Identify the 10 percent who have contributed the most to some endeavor, whether it be songs, poems, paintings, patents, articles, legislation, battles, films, designs, or anything else. Count all the accomplishments that they have to their credit. Now tally the achievements of the remaining 90 percent who struggled in the same area of achievement. The first tally will equal or surpass the second tally. </a:t>
             </a:r>
           </a:p>
           <a:p>
@@ -8420,8 +8150,8 @@
               <a:buChar char="ü"/>
             </a:pPr>
             <a:r>
-              <a:rPr lang="en-US" sz="2000" dirty="0" smtClean="0"/>
-              <a:t>Fuel for high performance and high results</a:t>
+              <a:rPr lang="en-US" sz="1800" dirty="0" smtClean="0"/>
+              <a:t>These 10% people are called as hyper performers . Remaining 90% cannot touch this 10% guys</a:t>
             </a:r>
           </a:p>
           <a:p>
@@ -8430,18 +8160,8 @@
               <a:buChar char="ü"/>
             </a:pPr>
             <a:r>
-              <a:rPr lang="en-US" sz="2000" dirty="0" smtClean="0"/>
-              <a:t>Organization can spot them easily</a:t>
-            </a:r>
-          </a:p>
-          <a:p>
-            <a:pPr>
-              <a:buFont typeface="Wingdings" pitchFamily="2" charset="2"/>
-              <a:buChar char="ü"/>
-            </a:pPr>
-            <a:r>
-              <a:rPr lang="en-US" sz="2000" dirty="0" smtClean="0"/>
-              <a:t>Stars attract more Stars </a:t>
+              <a:rPr lang="en-US" sz="1800" dirty="0" smtClean="0"/>
+              <a:t>Examples :</a:t>
             </a:r>
           </a:p>
           <a:p>
@@ -8450,66 +8170,33 @@
               <a:buChar char="ü"/>
             </a:pPr>
             <a:r>
-              <a:rPr lang="en-US" sz="1800" i="1" dirty="0" smtClean="0"/>
-              <a:t>The War for Talent</a:t>
-            </a:r>
-            <a:r>
-              <a:rPr lang="en-US" sz="1800" dirty="0" smtClean="0"/>
-              <a:t> makes the same point. “We call it the Rule of Crappy People: Bad managers hire very, very bad employees and tend to promote poor performers because they are threatened by anyone who is anywhere near as good as they are.”</a:t>
-            </a:r>
-          </a:p>
-          <a:p>
-            <a:pPr>
+              <a:rPr lang="en-US" sz="1600" dirty="0" smtClean="0"/>
+              <a:t>Telugu film industry</a:t>
+            </a:r>
+          </a:p>
+          <a:p>
+            <a:pPr lvl="1">
               <a:buFont typeface="Wingdings" pitchFamily="2" charset="2"/>
               <a:buChar char="ü"/>
             </a:pPr>
             <a:r>
-              <a:rPr lang="en-IN" sz="2000" dirty="0" smtClean="0"/>
-              <a:t>90% or more of the value on your teams comes from the top 10%, so pay them accordingly. </a:t>
-            </a:r>
-            <a:r>
-              <a:rPr lang="en-US" sz="2000" dirty="0" smtClean="0"/>
-              <a:t>– “</a:t>
-            </a:r>
-            <a:r>
-              <a:rPr lang="en-US" sz="2000" dirty="0" smtClean="0">
-                <a:hlinkClick r:id="rId2"/>
-              </a:rPr>
-              <a:t>Google work rules</a:t>
-            </a:r>
-            <a:r>
-              <a:rPr lang="en-US" sz="2000" dirty="0" smtClean="0"/>
-              <a:t>”</a:t>
-            </a:r>
-          </a:p>
-          <a:p>
-            <a:pPr>
+              <a:rPr lang="en-US" sz="1600" dirty="0" smtClean="0"/>
+              <a:t>Books on core java or any subject</a:t>
+            </a:r>
+          </a:p>
+          <a:p>
+            <a:pPr lvl="1">
               <a:buFont typeface="Wingdings" pitchFamily="2" charset="2"/>
               <a:buChar char="ü"/>
             </a:pPr>
             <a:r>
-              <a:rPr lang="en-US" sz="2000" dirty="0" smtClean="0"/>
-              <a:t> Hyper performers will tell you what need to be done and how it has to be done </a:t>
-            </a:r>
-            <a:endParaRPr lang="en-US" sz="1800" dirty="0" smtClean="0"/>
-          </a:p>
-          <a:p>
-            <a:pPr lvl="1">
+              <a:rPr lang="en-US" sz="1600" dirty="0" smtClean="0"/>
+              <a:t>Architects in prokarma</a:t>
+            </a:r>
+          </a:p>
+          <a:p>
+            <a:pPr lvl="2">
               <a:buNone/>
-            </a:pPr>
-            <a:endParaRPr lang="en-US" sz="1700" dirty="0" smtClean="0"/>
-          </a:p>
-          <a:p>
-            <a:pPr>
-              <a:buFont typeface="Wingdings" pitchFamily="2" charset="2"/>
-              <a:buChar char="ü"/>
-            </a:pPr>
-            <a:endParaRPr lang="en-US" sz="2000" dirty="0"/>
-          </a:p>
-          <a:p>
-            <a:pPr>
-              <a:buFont typeface="Wingdings" pitchFamily="2" charset="2"/>
-              <a:buChar char="ü"/>
             </a:pPr>
             <a:endParaRPr lang="en-US" sz="2000" dirty="0"/>
           </a:p>
@@ -8803,7 +8490,7 @@
                                         <p:tgtEl>
                                           <p:spTgt spid="4">
                                             <p:txEl>
-                                              <p:pRg st="6" end="6"/>
+                                              <p:pRg st="4" end="4"/>
                                             </p:txEl>
                                           </p:spTgt>
                                         </p:tgtEl>
@@ -8821,7 +8508,7 @@
                                         <p:tgtEl>
                                           <p:spTgt spid="4">
                                             <p:txEl>
-                                              <p:pRg st="6" end="6"/>
+                                              <p:pRg st="4" end="4"/>
                                             </p:txEl>
                                           </p:spTgt>
                                         </p:tgtEl>
@@ -8864,7 +8551,7 @@
                                         <p:tgtEl>
                                           <p:spTgt spid="4">
                                             <p:txEl>
-                                              <p:pRg st="7" end="7"/>
+                                              <p:pRg st="5" end="5"/>
                                             </p:txEl>
                                           </p:spTgt>
                                         </p:tgtEl>
@@ -8882,7 +8569,7 @@
                                         <p:tgtEl>
                                           <p:spTgt spid="4">
                                             <p:txEl>
-                                              <p:pRg st="7" end="7"/>
+                                              <p:pRg st="5" end="5"/>
                                             </p:txEl>
                                           </p:spTgt>
                                         </p:tgtEl>
@@ -8925,7 +8612,7 @@
                                         <p:tgtEl>
                                           <p:spTgt spid="4">
                                             <p:txEl>
-                                              <p:pRg st="4" end="4"/>
+                                              <p:pRg st="6" end="6"/>
                                             </p:txEl>
                                           </p:spTgt>
                                         </p:tgtEl>
@@ -8943,68 +8630,7 @@
                                         <p:tgtEl>
                                           <p:spTgt spid="4">
                                             <p:txEl>
-                                              <p:pRg st="4" end="4"/>
-                                            </p:txEl>
-                                          </p:spTgt>
-                                        </p:tgtEl>
-                                      </p:cBhvr>
-                                    </p:animEffect>
-                                  </p:childTnLst>
-                                </p:cTn>
-                              </p:par>
-                            </p:childTnLst>
-                          </p:cTn>
-                        </p:par>
-                      </p:childTnLst>
-                    </p:cTn>
-                  </p:par>
-                  <p:par>
-                    <p:cTn id="38" fill="hold">
-                      <p:stCondLst>
-                        <p:cond delay="indefinite"/>
-                      </p:stCondLst>
-                      <p:childTnLst>
-                        <p:par>
-                          <p:cTn id="39" fill="hold">
-                            <p:stCondLst>
-                              <p:cond delay="0"/>
-                            </p:stCondLst>
-                            <p:childTnLst>
-                              <p:par>
-                                <p:cTn id="40" presetID="3" presetClass="entr" presetSubtype="10" fill="hold" nodeType="clickEffect">
-                                  <p:stCondLst>
-                                    <p:cond delay="0"/>
-                                  </p:stCondLst>
-                                  <p:childTnLst>
-                                    <p:set>
-                                      <p:cBhvr>
-                                        <p:cTn id="41" dur="1" fill="hold">
-                                          <p:stCondLst>
-                                            <p:cond delay="0"/>
-                                          </p:stCondLst>
-                                        </p:cTn>
-                                        <p:tgtEl>
-                                          <p:spTgt spid="4">
-                                            <p:txEl>
-                                              <p:pRg st="5" end="5"/>
-                                            </p:txEl>
-                                          </p:spTgt>
-                                        </p:tgtEl>
-                                        <p:attrNameLst>
-                                          <p:attrName>style.visibility</p:attrName>
-                                        </p:attrNameLst>
-                                      </p:cBhvr>
-                                      <p:to>
-                                        <p:strVal val="visible"/>
-                                      </p:to>
-                                    </p:set>
-                                    <p:animEffect transition="in" filter="blinds(horizontal)">
-                                      <p:cBhvr>
-                                        <p:cTn id="42" dur="500"/>
-                                        <p:tgtEl>
-                                          <p:spTgt spid="4">
-                                            <p:txEl>
-                                              <p:pRg st="5" end="5"/>
+                                              <p:pRg st="6" end="6"/>
                                             </p:txEl>
                                           </p:spTgt>
                                         </p:tgtEl>
@@ -9080,7 +8706,7 @@
           <a:p>
             <a:r>
               <a:rPr lang="en-US" sz="2000" b="1" dirty="0" smtClean="0"/>
-              <a:t>Who are good performers and poor performers</a:t>
+              <a:t>What hyper performers can do</a:t>
             </a:r>
             <a:endParaRPr lang="en-US" sz="2000" b="1" dirty="0"/>
           </a:p>
@@ -9114,7 +8740,7 @@
             </a:pPr>
             <a:r>
               <a:rPr lang="en-US" sz="2000" dirty="0" smtClean="0"/>
-              <a:t>Meeting the bar setup in the project and team leads to good performer</a:t>
+              <a:t>10 times more effective than rest of others and cannot be replaced easily</a:t>
             </a:r>
           </a:p>
           <a:p>
@@ -9124,7 +8750,7 @@
             </a:pPr>
             <a:r>
               <a:rPr lang="en-US" sz="2000" dirty="0" smtClean="0"/>
-              <a:t>Project bar – Quality , Productivity ….so on</a:t>
+              <a:t>Behind every successful organization these guys are king makers</a:t>
             </a:r>
           </a:p>
           <a:p>
@@ -9134,7 +8760,7 @@
             </a:pPr>
             <a:r>
               <a:rPr lang="en-US" sz="2000" dirty="0" smtClean="0"/>
-              <a:t>Team bar  - Team will have manager , lead , SSE , SE . They must be in a position  to take interviews , onboard and  share knowledge (presentations / helping others) </a:t>
+              <a:t>Fuel for high performance and high results</a:t>
             </a:r>
           </a:p>
           <a:p>
@@ -9144,7 +8770,7 @@
             </a:pPr>
             <a:r>
               <a:rPr lang="en-US" sz="2000" dirty="0" smtClean="0"/>
-              <a:t>People who don’t meet this project bar and team bar are poor performers</a:t>
+              <a:t>Organization can spot them easily</a:t>
             </a:r>
           </a:p>
           <a:p>
@@ -9154,8 +8780,62 @@
             </a:pPr>
             <a:r>
               <a:rPr lang="en-US" sz="2000" dirty="0" smtClean="0"/>
-              <a:t>Feedback cycles and empowering employees should be used to increase the bar </a:t>
-            </a:r>
+              <a:t>Stars attract more Stars </a:t>
+            </a:r>
+          </a:p>
+          <a:p>
+            <a:pPr lvl="1">
+              <a:buFont typeface="Wingdings" pitchFamily="2" charset="2"/>
+              <a:buChar char="ü"/>
+            </a:pPr>
+            <a:r>
+              <a:rPr lang="en-US" sz="1800" i="1" dirty="0" smtClean="0"/>
+              <a:t>The War for Talent</a:t>
+            </a:r>
+            <a:r>
+              <a:rPr lang="en-US" sz="1800" dirty="0" smtClean="0"/>
+              <a:t> makes the same point. “We call it the Rule of Crappy People: Bad managers hire very, very bad employees and tend to promote poor performers because they are threatened by anyone who is anywhere near as good as they are.”</a:t>
+            </a:r>
+          </a:p>
+          <a:p>
+            <a:pPr>
+              <a:buFont typeface="Wingdings" pitchFamily="2" charset="2"/>
+              <a:buChar char="ü"/>
+            </a:pPr>
+            <a:r>
+              <a:rPr lang="en-IN" sz="2000" dirty="0" smtClean="0"/>
+              <a:t>90% or more of the value on your teams comes from the top 10%, so pay them accordingly. </a:t>
+            </a:r>
+            <a:r>
+              <a:rPr lang="en-US" sz="2000" dirty="0" smtClean="0"/>
+              <a:t>– “</a:t>
+            </a:r>
+            <a:r>
+              <a:rPr lang="en-US" sz="2000" dirty="0" smtClean="0">
+                <a:hlinkClick r:id="rId2"/>
+              </a:rPr>
+              <a:t>Google work rules</a:t>
+            </a:r>
+            <a:r>
+              <a:rPr lang="en-US" sz="2000" dirty="0" smtClean="0"/>
+              <a:t>”</a:t>
+            </a:r>
+          </a:p>
+          <a:p>
+            <a:pPr>
+              <a:buFont typeface="Wingdings" pitchFamily="2" charset="2"/>
+              <a:buChar char="ü"/>
+            </a:pPr>
+            <a:r>
+              <a:rPr lang="en-US" sz="2000" dirty="0" smtClean="0"/>
+              <a:t> Hyper performers will tell you what need to be done and how it has to be done </a:t>
+            </a:r>
+            <a:endParaRPr lang="en-US" sz="1800" dirty="0" smtClean="0"/>
+          </a:p>
+          <a:p>
+            <a:pPr lvl="1">
+              <a:buNone/>
+            </a:pPr>
             <a:endParaRPr lang="en-US" sz="1700" dirty="0" smtClean="0"/>
           </a:p>
           <a:p>
@@ -9462,7 +9142,7 @@
                                         <p:tgtEl>
                                           <p:spTgt spid="4">
                                             <p:txEl>
-                                              <p:pRg st="4" end="4"/>
+                                              <p:pRg st="6" end="6"/>
                                             </p:txEl>
                                           </p:spTgt>
                                         </p:tgtEl>
@@ -9480,7 +9160,190 @@
                                         <p:tgtEl>
                                           <p:spTgt spid="4">
                                             <p:txEl>
+                                              <p:pRg st="6" end="6"/>
+                                            </p:txEl>
+                                          </p:spTgt>
+                                        </p:tgtEl>
+                                      </p:cBhvr>
+                                    </p:animEffect>
+                                  </p:childTnLst>
+                                </p:cTn>
+                              </p:par>
+                            </p:childTnLst>
+                          </p:cTn>
+                        </p:par>
+                      </p:childTnLst>
+                    </p:cTn>
+                  </p:par>
+                  <p:par>
+                    <p:cTn id="28" fill="hold">
+                      <p:stCondLst>
+                        <p:cond delay="indefinite"/>
+                      </p:stCondLst>
+                      <p:childTnLst>
+                        <p:par>
+                          <p:cTn id="29" fill="hold">
+                            <p:stCondLst>
+                              <p:cond delay="0"/>
+                            </p:stCondLst>
+                            <p:childTnLst>
+                              <p:par>
+                                <p:cTn id="30" presetID="3" presetClass="entr" presetSubtype="10" fill="hold" nodeType="clickEffect">
+                                  <p:stCondLst>
+                                    <p:cond delay="0"/>
+                                  </p:stCondLst>
+                                  <p:childTnLst>
+                                    <p:set>
+                                      <p:cBhvr>
+                                        <p:cTn id="31" dur="1" fill="hold">
+                                          <p:stCondLst>
+                                            <p:cond delay="0"/>
+                                          </p:stCondLst>
+                                        </p:cTn>
+                                        <p:tgtEl>
+                                          <p:spTgt spid="4">
+                                            <p:txEl>
+                                              <p:pRg st="7" end="7"/>
+                                            </p:txEl>
+                                          </p:spTgt>
+                                        </p:tgtEl>
+                                        <p:attrNameLst>
+                                          <p:attrName>style.visibility</p:attrName>
+                                        </p:attrNameLst>
+                                      </p:cBhvr>
+                                      <p:to>
+                                        <p:strVal val="visible"/>
+                                      </p:to>
+                                    </p:set>
+                                    <p:animEffect transition="in" filter="blinds(horizontal)">
+                                      <p:cBhvr>
+                                        <p:cTn id="32" dur="500"/>
+                                        <p:tgtEl>
+                                          <p:spTgt spid="4">
+                                            <p:txEl>
+                                              <p:pRg st="7" end="7"/>
+                                            </p:txEl>
+                                          </p:spTgt>
+                                        </p:tgtEl>
+                                      </p:cBhvr>
+                                    </p:animEffect>
+                                  </p:childTnLst>
+                                </p:cTn>
+                              </p:par>
+                            </p:childTnLst>
+                          </p:cTn>
+                        </p:par>
+                      </p:childTnLst>
+                    </p:cTn>
+                  </p:par>
+                  <p:par>
+                    <p:cTn id="33" fill="hold">
+                      <p:stCondLst>
+                        <p:cond delay="indefinite"/>
+                      </p:stCondLst>
+                      <p:childTnLst>
+                        <p:par>
+                          <p:cTn id="34" fill="hold">
+                            <p:stCondLst>
+                              <p:cond delay="0"/>
+                            </p:stCondLst>
+                            <p:childTnLst>
+                              <p:par>
+                                <p:cTn id="35" presetID="3" presetClass="entr" presetSubtype="10" fill="hold" nodeType="clickEffect">
+                                  <p:stCondLst>
+                                    <p:cond delay="0"/>
+                                  </p:stCondLst>
+                                  <p:childTnLst>
+                                    <p:set>
+                                      <p:cBhvr>
+                                        <p:cTn id="36" dur="1" fill="hold">
+                                          <p:stCondLst>
+                                            <p:cond delay="0"/>
+                                          </p:stCondLst>
+                                        </p:cTn>
+                                        <p:tgtEl>
+                                          <p:spTgt spid="4">
+                                            <p:txEl>
                                               <p:pRg st="4" end="4"/>
+                                            </p:txEl>
+                                          </p:spTgt>
+                                        </p:tgtEl>
+                                        <p:attrNameLst>
+                                          <p:attrName>style.visibility</p:attrName>
+                                        </p:attrNameLst>
+                                      </p:cBhvr>
+                                      <p:to>
+                                        <p:strVal val="visible"/>
+                                      </p:to>
+                                    </p:set>
+                                    <p:animEffect transition="in" filter="blinds(horizontal)">
+                                      <p:cBhvr>
+                                        <p:cTn id="37" dur="500"/>
+                                        <p:tgtEl>
+                                          <p:spTgt spid="4">
+                                            <p:txEl>
+                                              <p:pRg st="4" end="4"/>
+                                            </p:txEl>
+                                          </p:spTgt>
+                                        </p:tgtEl>
+                                      </p:cBhvr>
+                                    </p:animEffect>
+                                  </p:childTnLst>
+                                </p:cTn>
+                              </p:par>
+                            </p:childTnLst>
+                          </p:cTn>
+                        </p:par>
+                      </p:childTnLst>
+                    </p:cTn>
+                  </p:par>
+                  <p:par>
+                    <p:cTn id="38" fill="hold">
+                      <p:stCondLst>
+                        <p:cond delay="indefinite"/>
+                      </p:stCondLst>
+                      <p:childTnLst>
+                        <p:par>
+                          <p:cTn id="39" fill="hold">
+                            <p:stCondLst>
+                              <p:cond delay="0"/>
+                            </p:stCondLst>
+                            <p:childTnLst>
+                              <p:par>
+                                <p:cTn id="40" presetID="3" presetClass="entr" presetSubtype="10" fill="hold" nodeType="clickEffect">
+                                  <p:stCondLst>
+                                    <p:cond delay="0"/>
+                                  </p:stCondLst>
+                                  <p:childTnLst>
+                                    <p:set>
+                                      <p:cBhvr>
+                                        <p:cTn id="41" dur="1" fill="hold">
+                                          <p:stCondLst>
+                                            <p:cond delay="0"/>
+                                          </p:stCondLst>
+                                        </p:cTn>
+                                        <p:tgtEl>
+                                          <p:spTgt spid="4">
+                                            <p:txEl>
+                                              <p:pRg st="5" end="5"/>
+                                            </p:txEl>
+                                          </p:spTgt>
+                                        </p:tgtEl>
+                                        <p:attrNameLst>
+                                          <p:attrName>style.visibility</p:attrName>
+                                        </p:attrNameLst>
+                                      </p:cBhvr>
+                                      <p:to>
+                                        <p:strVal val="visible"/>
+                                      </p:to>
+                                    </p:set>
+                                    <p:animEffect transition="in" filter="blinds(horizontal)">
+                                      <p:cBhvr>
+                                        <p:cTn id="42" dur="500"/>
+                                        <p:tgtEl>
+                                          <p:spTgt spid="4">
+                                            <p:txEl>
+                                              <p:pRg st="5" end="5"/>
                                             </p:txEl>
                                           </p:spTgt>
                                         </p:tgtEl>
@@ -9556,7 +9419,7 @@
           <a:p>
             <a:r>
               <a:rPr lang="en-US" sz="2000" b="1" dirty="0" smtClean="0"/>
-              <a:t>Let us answer these questions</a:t>
+              <a:t>Who are good performers and poor performers</a:t>
             </a:r>
             <a:endParaRPr lang="en-US" sz="2000" b="1" dirty="0"/>
           </a:p>
@@ -9574,8 +9437,8 @@
         </p:nvSpPr>
         <p:spPr>
           <a:xfrm>
-            <a:off x="609600" y="1676400"/>
-            <a:ext cx="8302752" cy="4495800"/>
+            <a:off x="612648" y="1905000"/>
+            <a:ext cx="7693152" cy="4495800"/>
           </a:xfrm>
         </p:spPr>
         <p:txBody>
@@ -9584,45 +9447,69 @@
           </a:bodyPr>
           <a:lstStyle/>
           <a:p>
-            <a:pPr marL="457200" indent="-457200">
+            <a:pPr>
               <a:buFont typeface="Wingdings" pitchFamily="2" charset="2"/>
               <a:buChar char="ü"/>
             </a:pPr>
             <a:r>
-              <a:rPr lang="en-IN" sz="1800" dirty="0" smtClean="0"/>
-              <a:t>Is taking interviews EE ?</a:t>
-            </a:r>
-          </a:p>
-          <a:p>
-            <a:pPr marL="457200" indent="-457200">
+              <a:rPr lang="en-US" sz="2000" dirty="0" smtClean="0"/>
+              <a:t>Meeting the bar setup in the project and team leads to good performer</a:t>
+            </a:r>
+          </a:p>
+          <a:p>
+            <a:pPr>
               <a:buFont typeface="Wingdings" pitchFamily="2" charset="2"/>
               <a:buChar char="ü"/>
             </a:pPr>
             <a:r>
-              <a:rPr lang="en-IN" sz="1800" dirty="0" smtClean="0"/>
-              <a:t>Is taking session  EE ?</a:t>
-            </a:r>
-          </a:p>
-          <a:p>
-            <a:pPr marL="457200" indent="-457200">
+              <a:rPr lang="en-US" sz="2000" dirty="0" smtClean="0"/>
+              <a:t>Project bar – Quality , Productivity ….so on</a:t>
+            </a:r>
+          </a:p>
+          <a:p>
+            <a:pPr>
               <a:buFont typeface="Wingdings" pitchFamily="2" charset="2"/>
               <a:buChar char="ü"/>
             </a:pPr>
             <a:r>
-              <a:rPr lang="en-IN" sz="1800" dirty="0" smtClean="0"/>
-              <a:t>Is contributing towards COE EE ?</a:t>
-            </a:r>
-          </a:p>
-          <a:p>
-            <a:pPr marL="457200" indent="-457200">
+              <a:rPr lang="en-US" sz="2000" dirty="0" smtClean="0"/>
+              <a:t>Team bar  - Team will have manager , lead , SSE , SE . They must be in a position  to take interviews , onboard and  share knowledge (presentations / helping others) </a:t>
+            </a:r>
+          </a:p>
+          <a:p>
+            <a:pPr>
               <a:buFont typeface="Wingdings" pitchFamily="2" charset="2"/>
               <a:buChar char="ü"/>
             </a:pPr>
             <a:r>
-              <a:rPr lang="en-IN" sz="1800" dirty="0" smtClean="0"/>
-              <a:t>Who is EE in fresher ?</a:t>
-            </a:r>
-            <a:endParaRPr lang="en-US" sz="1800" dirty="0"/>
+              <a:rPr lang="en-US" sz="2000" dirty="0" smtClean="0"/>
+              <a:t>People who don’t meet this project bar and team bar are poor performers</a:t>
+            </a:r>
+          </a:p>
+          <a:p>
+            <a:pPr>
+              <a:buFont typeface="Wingdings" pitchFamily="2" charset="2"/>
+              <a:buChar char="ü"/>
+            </a:pPr>
+            <a:r>
+              <a:rPr lang="en-US" sz="2000" dirty="0" smtClean="0"/>
+              <a:t>Feedback cycles and empowering employees should be used to increase the bar </a:t>
+            </a:r>
+            <a:endParaRPr lang="en-US" sz="1700" dirty="0" smtClean="0"/>
+          </a:p>
+          <a:p>
+            <a:pPr>
+              <a:buFont typeface="Wingdings" pitchFamily="2" charset="2"/>
+              <a:buChar char="ü"/>
+            </a:pPr>
+            <a:endParaRPr lang="en-US" sz="2000" dirty="0"/>
+          </a:p>
+          <a:p>
+            <a:pPr>
+              <a:buFont typeface="Wingdings" pitchFamily="2" charset="2"/>
+              <a:buChar char="ü"/>
+            </a:pPr>
+            <a:endParaRPr lang="en-US" sz="2000" dirty="0"/>
           </a:p>
         </p:txBody>
       </p:sp>
@@ -9872,6 +9759,67 @@
                                           <p:spTgt spid="4">
                                             <p:txEl>
                                               <p:pRg st="3" end="3"/>
+                                            </p:txEl>
+                                          </p:spTgt>
+                                        </p:tgtEl>
+                                      </p:cBhvr>
+                                    </p:animEffect>
+                                  </p:childTnLst>
+                                </p:cTn>
+                              </p:par>
+                            </p:childTnLst>
+                          </p:cTn>
+                        </p:par>
+                      </p:childTnLst>
+                    </p:cTn>
+                  </p:par>
+                  <p:par>
+                    <p:cTn id="23" fill="hold">
+                      <p:stCondLst>
+                        <p:cond delay="indefinite"/>
+                      </p:stCondLst>
+                      <p:childTnLst>
+                        <p:par>
+                          <p:cTn id="24" fill="hold">
+                            <p:stCondLst>
+                              <p:cond delay="0"/>
+                            </p:stCondLst>
+                            <p:childTnLst>
+                              <p:par>
+                                <p:cTn id="25" presetID="3" presetClass="entr" presetSubtype="10" fill="hold" nodeType="clickEffect">
+                                  <p:stCondLst>
+                                    <p:cond delay="0"/>
+                                  </p:stCondLst>
+                                  <p:childTnLst>
+                                    <p:set>
+                                      <p:cBhvr>
+                                        <p:cTn id="26" dur="1" fill="hold">
+                                          <p:stCondLst>
+                                            <p:cond delay="0"/>
+                                          </p:stCondLst>
+                                        </p:cTn>
+                                        <p:tgtEl>
+                                          <p:spTgt spid="4">
+                                            <p:txEl>
+                                              <p:pRg st="4" end="4"/>
+                                            </p:txEl>
+                                          </p:spTgt>
+                                        </p:tgtEl>
+                                        <p:attrNameLst>
+                                          <p:attrName>style.visibility</p:attrName>
+                                        </p:attrNameLst>
+                                      </p:cBhvr>
+                                      <p:to>
+                                        <p:strVal val="visible"/>
+                                      </p:to>
+                                    </p:set>
+                                    <p:animEffect transition="in" filter="blinds(horizontal)">
+                                      <p:cBhvr>
+                                        <p:cTn id="27" dur="500"/>
+                                        <p:tgtEl>
+                                          <p:spTgt spid="4">
+                                            <p:txEl>
+                                              <p:pRg st="4" end="4"/>
                                             </p:txEl>
                                           </p:spTgt>
                                         </p:tgtEl>
@@ -9947,7 +9895,7 @@
           <a:p>
             <a:r>
               <a:rPr lang="en-US" sz="2000" b="1" dirty="0" smtClean="0"/>
-              <a:t>How we give EE today</a:t>
+              <a:t>Let us answer these questions</a:t>
             </a:r>
             <a:endParaRPr lang="en-US" sz="2000" b="1" dirty="0"/>
           </a:p>
@@ -9981,7 +9929,7 @@
             </a:pPr>
             <a:r>
               <a:rPr lang="en-IN" sz="1800" dirty="0" smtClean="0"/>
-              <a:t>Project dynamics dictate rating </a:t>
+              <a:t>Is taking interviews EE ?</a:t>
             </a:r>
           </a:p>
           <a:p>
@@ -9991,7 +9939,7 @@
             </a:pPr>
             <a:r>
               <a:rPr lang="en-IN" sz="1800" dirty="0" smtClean="0"/>
-              <a:t>Need of the hour</a:t>
+              <a:t>Is taking session  EE ?</a:t>
             </a:r>
           </a:p>
           <a:p>
@@ -10001,7 +9949,7 @@
             </a:pPr>
             <a:r>
               <a:rPr lang="en-IN" sz="1800" dirty="0" smtClean="0"/>
-              <a:t>Will he resign or not with my rating</a:t>
+              <a:t>Is contributing towards COE EE ?</a:t>
             </a:r>
           </a:p>
           <a:p>
@@ -10009,54 +9957,11 @@
               <a:buFont typeface="Wingdings" pitchFamily="2" charset="2"/>
               <a:buChar char="ü"/>
             </a:pPr>
-            <a:endParaRPr lang="en-IN" sz="1800" dirty="0" smtClean="0"/>
-          </a:p>
-          <a:p>
-            <a:pPr marL="457200" indent="-457200">
-              <a:buFont typeface="Wingdings" pitchFamily="2" charset="2"/>
-              <a:buChar char="ü"/>
-            </a:pPr>
-            <a:endParaRPr lang="en-IN" sz="1800" dirty="0" smtClean="0"/>
-          </a:p>
-          <a:p>
-            <a:pPr marL="457200" indent="-457200">
-              <a:buFont typeface="Wingdings" pitchFamily="2" charset="2"/>
-              <a:buChar char="ü"/>
-            </a:pPr>
             <a:r>
               <a:rPr lang="en-IN" sz="1800" dirty="0" smtClean="0"/>
-              <a:t>Conclusion :</a:t>
-            </a:r>
-          </a:p>
-          <a:p>
-            <a:pPr marL="777240" lvl="1" indent="-457200">
-              <a:buFont typeface="Wingdings" pitchFamily="2" charset="2"/>
-              <a:buChar char="ü"/>
-            </a:pPr>
-            <a:r>
-              <a:rPr lang="en-IN" sz="1500" dirty="0" smtClean="0"/>
-              <a:t>As per the research on work force performance there are only three types – hyper performers , Good performers , poor performers </a:t>
-            </a:r>
-          </a:p>
-          <a:p>
-            <a:pPr marL="777240" lvl="1" indent="-457200">
-              <a:buFont typeface="Wingdings" pitchFamily="2" charset="2"/>
-              <a:buChar char="ü"/>
-            </a:pPr>
-            <a:r>
-              <a:rPr lang="en-IN" sz="1500" dirty="0" smtClean="0"/>
-              <a:t>Better to go with 4 point scale and not 5 point scale – hyper performer , good performer , Needs improvement , Poor performer </a:t>
-            </a:r>
-          </a:p>
-          <a:p>
-            <a:pPr marL="777240" lvl="1" indent="-457200">
-              <a:buFont typeface="Wingdings" pitchFamily="2" charset="2"/>
-              <a:buChar char="ü"/>
-            </a:pPr>
-            <a:r>
-              <a:rPr lang="en-IN" sz="1500" dirty="0" smtClean="0"/>
-              <a:t>Advantages of 4 point scale – Represents power law (Represents exact work force performance) , Easy to do it ,  No emotional pain </a:t>
-            </a:r>
+              <a:t>Who is EE in fresher ?</a:t>
+            </a:r>
+            <a:endParaRPr lang="en-US" sz="1800" dirty="0"/>
           </a:p>
         </p:txBody>
       </p:sp>
@@ -10287,7 +10192,7 @@
                                         <p:tgtEl>
                                           <p:spTgt spid="4">
                                             <p:txEl>
-                                              <p:pRg st="5" end="5"/>
+                                              <p:pRg st="3" end="3"/>
                                             </p:txEl>
                                           </p:spTgt>
                                         </p:tgtEl>
@@ -10305,190 +10210,7 @@
                                         <p:tgtEl>
                                           <p:spTgt spid="4">
                                             <p:txEl>
-                                              <p:pRg st="5" end="5"/>
-                                            </p:txEl>
-                                          </p:spTgt>
-                                        </p:tgtEl>
-                                      </p:cBhvr>
-                                    </p:animEffect>
-                                  </p:childTnLst>
-                                </p:cTn>
-                              </p:par>
-                            </p:childTnLst>
-                          </p:cTn>
-                        </p:par>
-                      </p:childTnLst>
-                    </p:cTn>
-                  </p:par>
-                  <p:par>
-                    <p:cTn id="23" fill="hold">
-                      <p:stCondLst>
-                        <p:cond delay="indefinite"/>
-                      </p:stCondLst>
-                      <p:childTnLst>
-                        <p:par>
-                          <p:cTn id="24" fill="hold">
-                            <p:stCondLst>
-                              <p:cond delay="0"/>
-                            </p:stCondLst>
-                            <p:childTnLst>
-                              <p:par>
-                                <p:cTn id="25" presetID="3" presetClass="entr" presetSubtype="10" fill="hold" nodeType="clickEffect">
-                                  <p:stCondLst>
-                                    <p:cond delay="0"/>
-                                  </p:stCondLst>
-                                  <p:childTnLst>
-                                    <p:set>
-                                      <p:cBhvr>
-                                        <p:cTn id="26" dur="1" fill="hold">
-                                          <p:stCondLst>
-                                            <p:cond delay="0"/>
-                                          </p:stCondLst>
-                                        </p:cTn>
-                                        <p:tgtEl>
-                                          <p:spTgt spid="4">
-                                            <p:txEl>
-                                              <p:pRg st="6" end="6"/>
-                                            </p:txEl>
-                                          </p:spTgt>
-                                        </p:tgtEl>
-                                        <p:attrNameLst>
-                                          <p:attrName>style.visibility</p:attrName>
-                                        </p:attrNameLst>
-                                      </p:cBhvr>
-                                      <p:to>
-                                        <p:strVal val="visible"/>
-                                      </p:to>
-                                    </p:set>
-                                    <p:animEffect transition="in" filter="blinds(horizontal)">
-                                      <p:cBhvr>
-                                        <p:cTn id="27" dur="500"/>
-                                        <p:tgtEl>
-                                          <p:spTgt spid="4">
-                                            <p:txEl>
-                                              <p:pRg st="6" end="6"/>
-                                            </p:txEl>
-                                          </p:spTgt>
-                                        </p:tgtEl>
-                                      </p:cBhvr>
-                                    </p:animEffect>
-                                  </p:childTnLst>
-                                </p:cTn>
-                              </p:par>
-                            </p:childTnLst>
-                          </p:cTn>
-                        </p:par>
-                      </p:childTnLst>
-                    </p:cTn>
-                  </p:par>
-                  <p:par>
-                    <p:cTn id="28" fill="hold">
-                      <p:stCondLst>
-                        <p:cond delay="indefinite"/>
-                      </p:stCondLst>
-                      <p:childTnLst>
-                        <p:par>
-                          <p:cTn id="29" fill="hold">
-                            <p:stCondLst>
-                              <p:cond delay="0"/>
-                            </p:stCondLst>
-                            <p:childTnLst>
-                              <p:par>
-                                <p:cTn id="30" presetID="3" presetClass="entr" presetSubtype="10" fill="hold" nodeType="clickEffect">
-                                  <p:stCondLst>
-                                    <p:cond delay="0"/>
-                                  </p:stCondLst>
-                                  <p:childTnLst>
-                                    <p:set>
-                                      <p:cBhvr>
-                                        <p:cTn id="31" dur="1" fill="hold">
-                                          <p:stCondLst>
-                                            <p:cond delay="0"/>
-                                          </p:stCondLst>
-                                        </p:cTn>
-                                        <p:tgtEl>
-                                          <p:spTgt spid="4">
-                                            <p:txEl>
-                                              <p:pRg st="7" end="7"/>
-                                            </p:txEl>
-                                          </p:spTgt>
-                                        </p:tgtEl>
-                                        <p:attrNameLst>
-                                          <p:attrName>style.visibility</p:attrName>
-                                        </p:attrNameLst>
-                                      </p:cBhvr>
-                                      <p:to>
-                                        <p:strVal val="visible"/>
-                                      </p:to>
-                                    </p:set>
-                                    <p:animEffect transition="in" filter="blinds(horizontal)">
-                                      <p:cBhvr>
-                                        <p:cTn id="32" dur="500"/>
-                                        <p:tgtEl>
-                                          <p:spTgt spid="4">
-                                            <p:txEl>
-                                              <p:pRg st="7" end="7"/>
-                                            </p:txEl>
-                                          </p:spTgt>
-                                        </p:tgtEl>
-                                      </p:cBhvr>
-                                    </p:animEffect>
-                                  </p:childTnLst>
-                                </p:cTn>
-                              </p:par>
-                            </p:childTnLst>
-                          </p:cTn>
-                        </p:par>
-                      </p:childTnLst>
-                    </p:cTn>
-                  </p:par>
-                  <p:par>
-                    <p:cTn id="33" fill="hold">
-                      <p:stCondLst>
-                        <p:cond delay="indefinite"/>
-                      </p:stCondLst>
-                      <p:childTnLst>
-                        <p:par>
-                          <p:cTn id="34" fill="hold">
-                            <p:stCondLst>
-                              <p:cond delay="0"/>
-                            </p:stCondLst>
-                            <p:childTnLst>
-                              <p:par>
-                                <p:cTn id="35" presetID="3" presetClass="entr" presetSubtype="10" fill="hold" nodeType="clickEffect">
-                                  <p:stCondLst>
-                                    <p:cond delay="0"/>
-                                  </p:stCondLst>
-                                  <p:childTnLst>
-                                    <p:set>
-                                      <p:cBhvr>
-                                        <p:cTn id="36" dur="1" fill="hold">
-                                          <p:stCondLst>
-                                            <p:cond delay="0"/>
-                                          </p:stCondLst>
-                                        </p:cTn>
-                                        <p:tgtEl>
-                                          <p:spTgt spid="4">
-                                            <p:txEl>
-                                              <p:pRg st="8" end="8"/>
-                                            </p:txEl>
-                                          </p:spTgt>
-                                        </p:tgtEl>
-                                        <p:attrNameLst>
-                                          <p:attrName>style.visibility</p:attrName>
-                                        </p:attrNameLst>
-                                      </p:cBhvr>
-                                      <p:to>
-                                        <p:strVal val="visible"/>
-                                      </p:to>
-                                    </p:set>
-                                    <p:animEffect transition="in" filter="blinds(horizontal)">
-                                      <p:cBhvr>
-                                        <p:cTn id="37" dur="500"/>
-                                        <p:tgtEl>
-                                          <p:spTgt spid="4">
-                                            <p:txEl>
-                                              <p:pRg st="8" end="8"/>
+                                              <p:pRg st="3" end="3"/>
                                             </p:txEl>
                                           </p:spTgt>
                                         </p:tgtEl>
@@ -10564,7 +10286,7 @@
           <a:p>
             <a:r>
               <a:rPr lang="en-US" sz="2000" b="1" dirty="0" smtClean="0"/>
-              <a:t>Pay practices</a:t>
+              <a:t>How we give EE today</a:t>
             </a:r>
             <a:endParaRPr lang="en-US" sz="2000" b="1" dirty="0"/>
           </a:p>
@@ -10582,8 +10304,8 @@
         </p:nvSpPr>
         <p:spPr>
           <a:xfrm>
-            <a:off x="609600" y="1371600"/>
-            <a:ext cx="8226552" cy="4800600"/>
+            <a:off x="609600" y="1676400"/>
+            <a:ext cx="8302752" cy="4495800"/>
           </a:xfrm>
         </p:spPr>
         <p:txBody>
@@ -10592,122 +10314,88 @@
           </a:bodyPr>
           <a:lstStyle/>
           <a:p>
-            <a:pPr>
+            <a:pPr marL="457200" indent="-457200">
               <a:buFont typeface="Wingdings" pitchFamily="2" charset="2"/>
               <a:buChar char="ü"/>
             </a:pPr>
-            <a:endParaRPr lang="en-IN" sz="1700" dirty="0" smtClean="0"/>
-          </a:p>
-          <a:p>
-            <a:pPr>
+            <a:r>
+              <a:rPr lang="en-IN" sz="1800" dirty="0" smtClean="0"/>
+              <a:t>Project dynamics dictate rating </a:t>
+            </a:r>
+          </a:p>
+          <a:p>
+            <a:pPr marL="457200" indent="-457200">
               <a:buFont typeface="Wingdings" pitchFamily="2" charset="2"/>
               <a:buChar char="ü"/>
             </a:pPr>
             <a:r>
-              <a:rPr lang="en-IN" sz="1700" dirty="0" smtClean="0"/>
-              <a:t>There is only single rule - </a:t>
-            </a:r>
-            <a:r>
               <a:rPr lang="en-IN" sz="1800" dirty="0" smtClean="0"/>
-              <a:t>90% or more of the value on your teams comes from the top 10%, so pay them accordingly. </a:t>
-            </a:r>
-            <a:r>
-              <a:rPr lang="en-US" sz="1800" dirty="0" smtClean="0"/>
-              <a:t>– “</a:t>
-            </a:r>
-            <a:r>
-              <a:rPr lang="en-US" sz="1800" dirty="0" smtClean="0">
-                <a:hlinkClick r:id="rId2"/>
-              </a:rPr>
-              <a:t>Google work rules</a:t>
-            </a:r>
-            <a:r>
-              <a:rPr lang="en-US" sz="1800" dirty="0" smtClean="0"/>
-              <a:t>”</a:t>
-            </a:r>
-            <a:endParaRPr lang="en-IN" sz="1700" dirty="0" smtClean="0"/>
-          </a:p>
-          <a:p>
-            <a:pPr>
+              <a:t>Need of the hour</a:t>
+            </a:r>
+          </a:p>
+          <a:p>
+            <a:pPr marL="457200" indent="-457200">
               <a:buFont typeface="Wingdings" pitchFamily="2" charset="2"/>
               <a:buChar char="ü"/>
             </a:pPr>
             <a:r>
-              <a:rPr lang="en-IN" sz="1700" dirty="0" smtClean="0"/>
-              <a:t>Don’t get lost in the war of talent by treating everyone equal while paying salary</a:t>
-            </a:r>
-          </a:p>
-          <a:p>
-            <a:pPr>
+              <a:rPr lang="en-IN" sz="1800" dirty="0" smtClean="0"/>
+              <a:t>Will he resign or not with my rating</a:t>
+            </a:r>
+          </a:p>
+          <a:p>
+            <a:pPr marL="457200" indent="-457200">
               <a:buFont typeface="Wingdings" pitchFamily="2" charset="2"/>
               <a:buChar char="ü"/>
             </a:pPr>
-            <a:r>
-              <a:rPr lang="en-IN" sz="1700" dirty="0" smtClean="0"/>
-              <a:t>Pay for performance by maintaining huge salary gaps between hyper , good and poor performers.</a:t>
-            </a:r>
-          </a:p>
-          <a:p>
-            <a:pPr>
+            <a:endParaRPr lang="en-IN" sz="1800" dirty="0" smtClean="0"/>
+          </a:p>
+          <a:p>
+            <a:pPr marL="457200" indent="-457200">
               <a:buFont typeface="Wingdings" pitchFamily="2" charset="2"/>
               <a:buChar char="ü"/>
             </a:pPr>
-            <a:r>
-              <a:rPr lang="en-IN" sz="1700" dirty="0" smtClean="0"/>
-              <a:t>Three simple rules</a:t>
-            </a:r>
-          </a:p>
-          <a:p>
-            <a:pPr lvl="1">
+            <a:endParaRPr lang="en-IN" sz="1800" dirty="0" smtClean="0"/>
+          </a:p>
+          <a:p>
+            <a:pPr marL="457200" indent="-457200">
               <a:buFont typeface="Wingdings" pitchFamily="2" charset="2"/>
               <a:buChar char="ü"/>
             </a:pPr>
             <a:r>
-              <a:rPr lang="en-IN" sz="1400" dirty="0" smtClean="0"/>
-              <a:t>Hyper performers – Never loos them (They dictate mood of floor and 90 % value that company is having today is because of that 10%) . Just don’t pay them also learn how to capitalize on them.</a:t>
-            </a:r>
-          </a:p>
-          <a:p>
-            <a:pPr lvl="1">
+              <a:rPr lang="en-IN" sz="1800" dirty="0" smtClean="0"/>
+              <a:t>Conclusion :</a:t>
+            </a:r>
+          </a:p>
+          <a:p>
+            <a:pPr marL="777240" lvl="1" indent="-457200">
               <a:buFont typeface="Wingdings" pitchFamily="2" charset="2"/>
               <a:buChar char="ü"/>
             </a:pPr>
             <a:r>
-              <a:rPr lang="en-IN" sz="1400" dirty="0" smtClean="0"/>
-              <a:t>Good performers – Pay them but don’t overpay a single person in that group</a:t>
-            </a:r>
-          </a:p>
-          <a:p>
-            <a:pPr lvl="1">
+              <a:rPr lang="en-IN" sz="1500" dirty="0" smtClean="0"/>
+              <a:t>As per the research on work force performance there are only three types – hyper performers , Good performers , poor performers </a:t>
+            </a:r>
+          </a:p>
+          <a:p>
+            <a:pPr marL="777240" lvl="1" indent="-457200">
               <a:buFont typeface="Wingdings" pitchFamily="2" charset="2"/>
               <a:buChar char="ü"/>
             </a:pPr>
-            <a:endParaRPr lang="en-US" sz="1400" dirty="0" smtClean="0"/>
-          </a:p>
-          <a:p>
-            <a:pPr lvl="1">
-              <a:buNone/>
-            </a:pPr>
-            <a:endParaRPr lang="en-US" sz="1700" dirty="0" smtClean="0"/>
-          </a:p>
-          <a:p>
-            <a:pPr lvl="1">
-              <a:buNone/>
-            </a:pPr>
-            <a:endParaRPr lang="en-US" sz="1700" dirty="0" smtClean="0"/>
-          </a:p>
-          <a:p>
-            <a:pPr lvl="1">
-              <a:buNone/>
-            </a:pPr>
-            <a:endParaRPr lang="en-US" sz="1700" dirty="0" smtClean="0"/>
-          </a:p>
-          <a:p>
-            <a:pPr>
+            <a:r>
+              <a:rPr lang="en-IN" sz="1500" dirty="0" smtClean="0"/>
+              <a:t>Better to go with 4 point scale and not 5 point scale – hyper performer , good performer , Needs improvement , Poor performer </a:t>
+            </a:r>
+          </a:p>
+          <a:p>
+            <a:pPr marL="777240" lvl="1" indent="-457200">
               <a:buFont typeface="Wingdings" pitchFamily="2" charset="2"/>
               <a:buChar char="ü"/>
             </a:pPr>
-            <a:endParaRPr lang="en-US" sz="1700" dirty="0"/>
+            <a:r>
+              <a:rPr lang="en-IN" sz="1500" dirty="0" smtClean="0"/>
+              <a:t>Advantages of 4 point scale – Represents power law (Represents exact work force performance) , Easy to do it ,  No emotional pain </a:t>
+            </a:r>
           </a:p>
         </p:txBody>
       </p:sp>
@@ -10755,7 +10443,7 @@
                                         <p:tgtEl>
                                           <p:spTgt spid="4">
                                             <p:txEl>
-                                              <p:pRg st="1" end="1"/>
+                                              <p:pRg st="0" end="0"/>
                                             </p:txEl>
                                           </p:spTgt>
                                         </p:tgtEl>
@@ -10773,7 +10461,7 @@
                                         <p:tgtEl>
                                           <p:spTgt spid="4">
                                             <p:txEl>
-                                              <p:pRg st="1" end="1"/>
+                                              <p:pRg st="0" end="0"/>
                                             </p:txEl>
                                           </p:spTgt>
                                         </p:tgtEl>
@@ -10816,7 +10504,7 @@
                                         <p:tgtEl>
                                           <p:spTgt spid="4">
                                             <p:txEl>
-                                              <p:pRg st="2" end="2"/>
+                                              <p:pRg st="1" end="1"/>
                                             </p:txEl>
                                           </p:spTgt>
                                         </p:tgtEl>
@@ -10834,7 +10522,7 @@
                                         <p:tgtEl>
                                           <p:spTgt spid="4">
                                             <p:txEl>
-                                              <p:pRg st="2" end="2"/>
+                                              <p:pRg st="1" end="1"/>
                                             </p:txEl>
                                           </p:spTgt>
                                         </p:tgtEl>
@@ -10877,7 +10565,7 @@
                                         <p:tgtEl>
                                           <p:spTgt spid="4">
                                             <p:txEl>
-                                              <p:pRg st="3" end="3"/>
+                                              <p:pRg st="2" end="2"/>
                                             </p:txEl>
                                           </p:spTgt>
                                         </p:tgtEl>
@@ -10895,7 +10583,7 @@
                                         <p:tgtEl>
                                           <p:spTgt spid="4">
                                             <p:txEl>
-                                              <p:pRg st="3" end="3"/>
+                                              <p:pRg st="2" end="2"/>
                                             </p:txEl>
                                           </p:spTgt>
                                         </p:tgtEl>
@@ -10938,7 +10626,7 @@
                                         <p:tgtEl>
                                           <p:spTgt spid="4">
                                             <p:txEl>
-                                              <p:pRg st="4" end="4"/>
+                                              <p:pRg st="5" end="5"/>
                                             </p:txEl>
                                           </p:spTgt>
                                         </p:tgtEl>
@@ -10956,7 +10644,7 @@
                                         <p:tgtEl>
                                           <p:spTgt spid="4">
                                             <p:txEl>
-                                              <p:pRg st="4" end="4"/>
+                                              <p:pRg st="5" end="5"/>
                                             </p:txEl>
                                           </p:spTgt>
                                         </p:tgtEl>
@@ -10999,7 +10687,7 @@
                                         <p:tgtEl>
                                           <p:spTgt spid="4">
                                             <p:txEl>
-                                              <p:pRg st="5" end="5"/>
+                                              <p:pRg st="6" end="6"/>
                                             </p:txEl>
                                           </p:spTgt>
                                         </p:tgtEl>
@@ -11017,7 +10705,7 @@
                                         <p:tgtEl>
                                           <p:spTgt spid="4">
                                             <p:txEl>
-                                              <p:pRg st="5" end="5"/>
+                                              <p:pRg st="6" end="6"/>
                                             </p:txEl>
                                           </p:spTgt>
                                         </p:tgtEl>
@@ -11060,7 +10748,7 @@
                                         <p:tgtEl>
                                           <p:spTgt spid="4">
                                             <p:txEl>
-                                              <p:pRg st="6" end="6"/>
+                                              <p:pRg st="7" end="7"/>
                                             </p:txEl>
                                           </p:spTgt>
                                         </p:tgtEl>
@@ -11078,7 +10766,68 @@
                                         <p:tgtEl>
                                           <p:spTgt spid="4">
                                             <p:txEl>
-                                              <p:pRg st="6" end="6"/>
+                                              <p:pRg st="7" end="7"/>
+                                            </p:txEl>
+                                          </p:spTgt>
+                                        </p:tgtEl>
+                                      </p:cBhvr>
+                                    </p:animEffect>
+                                  </p:childTnLst>
+                                </p:cTn>
+                              </p:par>
+                            </p:childTnLst>
+                          </p:cTn>
+                        </p:par>
+                      </p:childTnLst>
+                    </p:cTn>
+                  </p:par>
+                  <p:par>
+                    <p:cTn id="33" fill="hold">
+                      <p:stCondLst>
+                        <p:cond delay="indefinite"/>
+                      </p:stCondLst>
+                      <p:childTnLst>
+                        <p:par>
+                          <p:cTn id="34" fill="hold">
+                            <p:stCondLst>
+                              <p:cond delay="0"/>
+                            </p:stCondLst>
+                            <p:childTnLst>
+                              <p:par>
+                                <p:cTn id="35" presetID="3" presetClass="entr" presetSubtype="10" fill="hold" nodeType="clickEffect">
+                                  <p:stCondLst>
+                                    <p:cond delay="0"/>
+                                  </p:stCondLst>
+                                  <p:childTnLst>
+                                    <p:set>
+                                      <p:cBhvr>
+                                        <p:cTn id="36" dur="1" fill="hold">
+                                          <p:stCondLst>
+                                            <p:cond delay="0"/>
+                                          </p:stCondLst>
+                                        </p:cTn>
+                                        <p:tgtEl>
+                                          <p:spTgt spid="4">
+                                            <p:txEl>
+                                              <p:pRg st="8" end="8"/>
+                                            </p:txEl>
+                                          </p:spTgt>
+                                        </p:tgtEl>
+                                        <p:attrNameLst>
+                                          <p:attrName>style.visibility</p:attrName>
+                                        </p:attrNameLst>
+                                      </p:cBhvr>
+                                      <p:to>
+                                        <p:strVal val="visible"/>
+                                      </p:to>
+                                    </p:set>
+                                    <p:animEffect transition="in" filter="blinds(horizontal)">
+                                      <p:cBhvr>
+                                        <p:cTn id="37" dur="500"/>
+                                        <p:tgtEl>
+                                          <p:spTgt spid="4">
+                                            <p:txEl>
+                                              <p:pRg st="8" end="8"/>
                                             </p:txEl>
                                           </p:spTgt>
                                         </p:tgtEl>
@@ -11154,7 +10903,7 @@
           <a:p>
             <a:r>
               <a:rPr lang="en-US" sz="2000" b="1" dirty="0" smtClean="0"/>
-              <a:t>Conclusion</a:t>
+              <a:t>Pay practices</a:t>
             </a:r>
             <a:endParaRPr lang="en-US" sz="2000" b="1" dirty="0"/>
           </a:p>
@@ -11172,8 +10921,8 @@
         </p:nvSpPr>
         <p:spPr>
           <a:xfrm>
-            <a:off x="612648" y="1905000"/>
-            <a:ext cx="7693152" cy="4495800"/>
+            <a:off x="609600" y="1371600"/>
+            <a:ext cx="8226552" cy="4800600"/>
           </a:xfrm>
         </p:spPr>
         <p:txBody>
@@ -11186,10 +10935,7 @@
               <a:buFont typeface="Wingdings" pitchFamily="2" charset="2"/>
               <a:buChar char="ü"/>
             </a:pPr>
-            <a:r>
-              <a:rPr lang="en-US" sz="2000" dirty="0" smtClean="0"/>
-              <a:t>Performance reviews will not increase performance . Increasing performance of an employee is ongoing process and feedback cycles are helpful</a:t>
-            </a:r>
+            <a:endParaRPr lang="en-IN" sz="1700" dirty="0" smtClean="0"/>
           </a:p>
           <a:p>
             <a:pPr>
@@ -11197,76 +10943,125 @@
               <a:buChar char="ü"/>
             </a:pPr>
             <a:r>
-              <a:rPr lang="en-US" sz="2000" dirty="0" smtClean="0"/>
-              <a:t>Use 4 point scale that represents power law (workforce performance patterns ) and reduces emotional pain during performance review</a:t>
-            </a:r>
-          </a:p>
-          <a:p>
-            <a:pPr marL="320040" lvl="1" indent="-320040">
-              <a:spcBef>
-                <a:spcPts val="700"/>
-              </a:spcBef>
-              <a:buClr>
-                <a:schemeClr val="accent2"/>
-              </a:buClr>
-              <a:buSzPct val="60000"/>
+              <a:rPr lang="en-IN" sz="1700" dirty="0" smtClean="0"/>
+              <a:t>There is only single rule - </a:t>
+            </a:r>
+            <a:r>
+              <a:rPr lang="en-IN" sz="1800" dirty="0" smtClean="0"/>
+              <a:t>90% or more of the value on your teams comes from the top 10%, so pay them accordingly. </a:t>
+            </a:r>
+            <a:r>
+              <a:rPr lang="en-US" sz="1800" dirty="0" smtClean="0"/>
+              <a:t>– “</a:t>
+            </a:r>
+            <a:r>
+              <a:rPr lang="en-US" sz="1800" dirty="0" smtClean="0">
+                <a:hlinkClick r:id="rId2"/>
+              </a:rPr>
+              <a:t>Google work rules</a:t>
+            </a:r>
+            <a:r>
+              <a:rPr lang="en-US" sz="1800" dirty="0" smtClean="0"/>
+              <a:t>”</a:t>
+            </a:r>
+            <a:endParaRPr lang="en-IN" sz="1700" dirty="0" smtClean="0"/>
+          </a:p>
+          <a:p>
+            <a:pPr>
               <a:buFont typeface="Wingdings" pitchFamily="2" charset="2"/>
               <a:buChar char="ü"/>
             </a:pPr>
             <a:r>
-              <a:rPr lang="en-US" sz="2000" dirty="0" smtClean="0"/>
-              <a:t>4 point scale will enable pay for performance in a grand </a:t>
-            </a:r>
-            <a:r>
-              <a:rPr lang="en-US" sz="2000" dirty="0" smtClean="0"/>
-              <a:t>way</a:t>
-            </a:r>
-          </a:p>
-          <a:p>
-            <a:pPr marL="320040" lvl="1" indent="-320040">
-              <a:spcBef>
-                <a:spcPts val="700"/>
-              </a:spcBef>
-              <a:buClr>
-                <a:schemeClr val="accent2"/>
-              </a:buClr>
-              <a:buSzPct val="60000"/>
+              <a:rPr lang="en-IN" sz="1700" dirty="0" smtClean="0"/>
+              <a:t>Don’t get lost in the war of talent by treating everyone equal while paying salary</a:t>
+            </a:r>
+          </a:p>
+          <a:p>
+            <a:pPr>
               <a:buFont typeface="Wingdings" pitchFamily="2" charset="2"/>
               <a:buChar char="ü"/>
             </a:pPr>
             <a:r>
-              <a:rPr lang="en-IN" sz="2000" dirty="0" smtClean="0"/>
-              <a:t>90% or more of the value on your teams comes from the top 10%, so pay them accordingly</a:t>
-            </a:r>
-            <a:endParaRPr lang="en-US" sz="2000" dirty="0" smtClean="0"/>
+              <a:rPr lang="en-IN" sz="1700" dirty="0" smtClean="0"/>
+              <a:t>Pay for performance by maintaining huge salary gaps between hyper , good and poor performers.</a:t>
+            </a:r>
+          </a:p>
+          <a:p>
+            <a:pPr>
+              <a:buFont typeface="Wingdings" pitchFamily="2" charset="2"/>
+              <a:buChar char="ü"/>
+            </a:pPr>
+            <a:r>
+              <a:rPr lang="en-IN" sz="1700" dirty="0" smtClean="0"/>
+              <a:t>Three simple rules</a:t>
+            </a:r>
           </a:p>
           <a:p>
             <a:pPr lvl="1">
               <a:buFont typeface="Wingdings" pitchFamily="2" charset="2"/>
               <a:buChar char="ü"/>
             </a:pPr>
-            <a:endParaRPr lang="en-US" sz="1700" dirty="0" smtClean="0"/>
+            <a:r>
+              <a:rPr lang="en-IN" sz="1400" dirty="0" smtClean="0"/>
+              <a:t>Hyper performers – Never loos them (They dictate mood of floor and 90 % value that company is having today is because of that 10%) . Just don’t pay them also learn how to capitalize on them.</a:t>
+            </a:r>
           </a:p>
           <a:p>
             <a:pPr lvl="1">
               <a:buFont typeface="Wingdings" pitchFamily="2" charset="2"/>
               <a:buChar char="ü"/>
             </a:pPr>
-            <a:endParaRPr lang="en-US" sz="2000" dirty="0" smtClean="0"/>
+            <a:r>
+              <a:rPr lang="en-IN" sz="1400" dirty="0" smtClean="0"/>
+              <a:t>Good performers – Pay them but don’t overpay a single person in that </a:t>
+            </a:r>
+            <a:r>
+              <a:rPr lang="en-IN" sz="1400" dirty="0" smtClean="0"/>
+              <a:t>group</a:t>
+            </a:r>
+          </a:p>
+          <a:p>
+            <a:pPr lvl="1">
+              <a:buFont typeface="Wingdings" pitchFamily="2" charset="2"/>
+              <a:buChar char="ü"/>
+            </a:pPr>
+            <a:r>
+              <a:rPr lang="en-IN" sz="1400" dirty="0" smtClean="0"/>
+              <a:t>Poor performers - </a:t>
+            </a:r>
+            <a:endParaRPr lang="en-IN" sz="1400" dirty="0" smtClean="0"/>
+          </a:p>
+          <a:p>
+            <a:pPr lvl="1">
+              <a:buFont typeface="Wingdings" pitchFamily="2" charset="2"/>
+              <a:buChar char="ü"/>
+            </a:pPr>
+            <a:endParaRPr lang="en-US" sz="1400" dirty="0" smtClean="0"/>
+          </a:p>
+          <a:p>
+            <a:pPr lvl="1">
+              <a:buNone/>
+            </a:pPr>
+            <a:endParaRPr lang="en-US" sz="1700" dirty="0" smtClean="0"/>
+          </a:p>
+          <a:p>
+            <a:pPr lvl="1">
+              <a:buNone/>
+            </a:pPr>
+            <a:endParaRPr lang="en-US" sz="1700" dirty="0" smtClean="0"/>
+          </a:p>
+          <a:p>
+            <a:pPr lvl="1">
+              <a:buNone/>
+            </a:pPr>
+            <a:endParaRPr lang="en-US" sz="1700" dirty="0" smtClean="0"/>
           </a:p>
           <a:p>
             <a:pPr>
               <a:buFont typeface="Wingdings" pitchFamily="2" charset="2"/>
               <a:buChar char="ü"/>
             </a:pPr>
-            <a:endParaRPr lang="en-US" sz="2000" dirty="0"/>
-          </a:p>
-          <a:p>
-            <a:pPr>
-              <a:buFont typeface="Wingdings" pitchFamily="2" charset="2"/>
-              <a:buChar char="ü"/>
-            </a:pPr>
-            <a:endParaRPr lang="en-US" sz="2000" dirty="0"/>
+            <a:endParaRPr lang="en-US" sz="1700" dirty="0"/>
           </a:p>
         </p:txBody>
       </p:sp>
@@ -11314,7 +11109,7 @@
                                         <p:tgtEl>
                                           <p:spTgt spid="4">
                                             <p:txEl>
-                                              <p:pRg st="0" end="0"/>
+                                              <p:pRg st="1" end="1"/>
                                             </p:txEl>
                                           </p:spTgt>
                                         </p:tgtEl>
@@ -11332,7 +11127,7 @@
                                         <p:tgtEl>
                                           <p:spTgt spid="4">
                                             <p:txEl>
-                                              <p:pRg st="0" end="0"/>
+                                              <p:pRg st="1" end="1"/>
                                             </p:txEl>
                                           </p:spTgt>
                                         </p:tgtEl>
@@ -11375,7 +11170,7 @@
                                         <p:tgtEl>
                                           <p:spTgt spid="4">
                                             <p:txEl>
-                                              <p:pRg st="1" end="1"/>
+                                              <p:pRg st="2" end="2"/>
                                             </p:txEl>
                                           </p:spTgt>
                                         </p:tgtEl>
@@ -11393,7 +11188,7 @@
                                         <p:tgtEl>
                                           <p:spTgt spid="4">
                                             <p:txEl>
-                                              <p:pRg st="1" end="1"/>
+                                              <p:pRg st="2" end="2"/>
                                             </p:txEl>
                                           </p:spTgt>
                                         </p:tgtEl>
@@ -11436,7 +11231,7 @@
                                         <p:tgtEl>
                                           <p:spTgt spid="4">
                                             <p:txEl>
-                                              <p:pRg st="2" end="2"/>
+                                              <p:pRg st="3" end="3"/>
                                             </p:txEl>
                                           </p:spTgt>
                                         </p:tgtEl>
@@ -11454,7 +11249,7 @@
                                         <p:tgtEl>
                                           <p:spTgt spid="4">
                                             <p:txEl>
-                                              <p:pRg st="2" end="2"/>
+                                              <p:pRg st="3" end="3"/>
                                             </p:txEl>
                                           </p:spTgt>
                                         </p:tgtEl>
@@ -11497,7 +11292,7 @@
                                         <p:tgtEl>
                                           <p:spTgt spid="4">
                                             <p:txEl>
-                                              <p:pRg st="3" end="3"/>
+                                              <p:pRg st="4" end="4"/>
                                             </p:txEl>
                                           </p:spTgt>
                                         </p:tgtEl>
@@ -11515,7 +11310,190 @@
                                         <p:tgtEl>
                                           <p:spTgt spid="4">
                                             <p:txEl>
-                                              <p:pRg st="3" end="3"/>
+                                              <p:pRg st="4" end="4"/>
+                                            </p:txEl>
+                                          </p:spTgt>
+                                        </p:tgtEl>
+                                      </p:cBhvr>
+                                    </p:animEffect>
+                                  </p:childTnLst>
+                                </p:cTn>
+                              </p:par>
+                            </p:childTnLst>
+                          </p:cTn>
+                        </p:par>
+                      </p:childTnLst>
+                    </p:cTn>
+                  </p:par>
+                  <p:par>
+                    <p:cTn id="23" fill="hold">
+                      <p:stCondLst>
+                        <p:cond delay="indefinite"/>
+                      </p:stCondLst>
+                      <p:childTnLst>
+                        <p:par>
+                          <p:cTn id="24" fill="hold">
+                            <p:stCondLst>
+                              <p:cond delay="0"/>
+                            </p:stCondLst>
+                            <p:childTnLst>
+                              <p:par>
+                                <p:cTn id="25" presetID="3" presetClass="entr" presetSubtype="10" fill="hold" nodeType="clickEffect">
+                                  <p:stCondLst>
+                                    <p:cond delay="0"/>
+                                  </p:stCondLst>
+                                  <p:childTnLst>
+                                    <p:set>
+                                      <p:cBhvr>
+                                        <p:cTn id="26" dur="1" fill="hold">
+                                          <p:stCondLst>
+                                            <p:cond delay="0"/>
+                                          </p:stCondLst>
+                                        </p:cTn>
+                                        <p:tgtEl>
+                                          <p:spTgt spid="4">
+                                            <p:txEl>
+                                              <p:pRg st="5" end="5"/>
+                                            </p:txEl>
+                                          </p:spTgt>
+                                        </p:tgtEl>
+                                        <p:attrNameLst>
+                                          <p:attrName>style.visibility</p:attrName>
+                                        </p:attrNameLst>
+                                      </p:cBhvr>
+                                      <p:to>
+                                        <p:strVal val="visible"/>
+                                      </p:to>
+                                    </p:set>
+                                    <p:animEffect transition="in" filter="blinds(horizontal)">
+                                      <p:cBhvr>
+                                        <p:cTn id="27" dur="500"/>
+                                        <p:tgtEl>
+                                          <p:spTgt spid="4">
+                                            <p:txEl>
+                                              <p:pRg st="5" end="5"/>
+                                            </p:txEl>
+                                          </p:spTgt>
+                                        </p:tgtEl>
+                                      </p:cBhvr>
+                                    </p:animEffect>
+                                  </p:childTnLst>
+                                </p:cTn>
+                              </p:par>
+                            </p:childTnLst>
+                          </p:cTn>
+                        </p:par>
+                      </p:childTnLst>
+                    </p:cTn>
+                  </p:par>
+                  <p:par>
+                    <p:cTn id="28" fill="hold">
+                      <p:stCondLst>
+                        <p:cond delay="indefinite"/>
+                      </p:stCondLst>
+                      <p:childTnLst>
+                        <p:par>
+                          <p:cTn id="29" fill="hold">
+                            <p:stCondLst>
+                              <p:cond delay="0"/>
+                            </p:stCondLst>
+                            <p:childTnLst>
+                              <p:par>
+                                <p:cTn id="30" presetID="3" presetClass="entr" presetSubtype="10" fill="hold" nodeType="clickEffect">
+                                  <p:stCondLst>
+                                    <p:cond delay="0"/>
+                                  </p:stCondLst>
+                                  <p:childTnLst>
+                                    <p:set>
+                                      <p:cBhvr>
+                                        <p:cTn id="31" dur="1" fill="hold">
+                                          <p:stCondLst>
+                                            <p:cond delay="0"/>
+                                          </p:stCondLst>
+                                        </p:cTn>
+                                        <p:tgtEl>
+                                          <p:spTgt spid="4">
+                                            <p:txEl>
+                                              <p:pRg st="6" end="6"/>
+                                            </p:txEl>
+                                          </p:spTgt>
+                                        </p:tgtEl>
+                                        <p:attrNameLst>
+                                          <p:attrName>style.visibility</p:attrName>
+                                        </p:attrNameLst>
+                                      </p:cBhvr>
+                                      <p:to>
+                                        <p:strVal val="visible"/>
+                                      </p:to>
+                                    </p:set>
+                                    <p:animEffect transition="in" filter="blinds(horizontal)">
+                                      <p:cBhvr>
+                                        <p:cTn id="32" dur="500"/>
+                                        <p:tgtEl>
+                                          <p:spTgt spid="4">
+                                            <p:txEl>
+                                              <p:pRg st="6" end="6"/>
+                                            </p:txEl>
+                                          </p:spTgt>
+                                        </p:tgtEl>
+                                      </p:cBhvr>
+                                    </p:animEffect>
+                                  </p:childTnLst>
+                                </p:cTn>
+                              </p:par>
+                            </p:childTnLst>
+                          </p:cTn>
+                        </p:par>
+                      </p:childTnLst>
+                    </p:cTn>
+                  </p:par>
+                  <p:par>
+                    <p:cTn id="33" fill="hold">
+                      <p:stCondLst>
+                        <p:cond delay="indefinite"/>
+                      </p:stCondLst>
+                      <p:childTnLst>
+                        <p:par>
+                          <p:cTn id="34" fill="hold">
+                            <p:stCondLst>
+                              <p:cond delay="0"/>
+                            </p:stCondLst>
+                            <p:childTnLst>
+                              <p:par>
+                                <p:cTn id="35" presetID="3" presetClass="entr" presetSubtype="10" fill="hold" nodeType="clickEffect">
+                                  <p:stCondLst>
+                                    <p:cond delay="0"/>
+                                  </p:stCondLst>
+                                  <p:childTnLst>
+                                    <p:set>
+                                      <p:cBhvr>
+                                        <p:cTn id="36" dur="1" fill="hold">
+                                          <p:stCondLst>
+                                            <p:cond delay="0"/>
+                                          </p:stCondLst>
+                                        </p:cTn>
+                                        <p:tgtEl>
+                                          <p:spTgt spid="4">
+                                            <p:txEl>
+                                              <p:pRg st="7" end="7"/>
+                                            </p:txEl>
+                                          </p:spTgt>
+                                        </p:tgtEl>
+                                        <p:attrNameLst>
+                                          <p:attrName>style.visibility</p:attrName>
+                                        </p:attrNameLst>
+                                      </p:cBhvr>
+                                      <p:to>
+                                        <p:strVal val="visible"/>
+                                      </p:to>
+                                    </p:set>
+                                    <p:animEffect transition="in" filter="blinds(horizontal)">
+                                      <p:cBhvr>
+                                        <p:cTn id="37" dur="500"/>
+                                        <p:tgtEl>
+                                          <p:spTgt spid="4">
+                                            <p:txEl>
+                                              <p:pRg st="7" end="7"/>
                                             </p:txEl>
                                           </p:spTgt>
                                         </p:tgtEl>
@@ -11591,7 +11569,7 @@
           <a:p>
             <a:r>
               <a:rPr lang="en-US" sz="2000" b="1" dirty="0" smtClean="0"/>
-              <a:t>References</a:t>
+              <a:t>Conclusion</a:t>
             </a:r>
             <a:endParaRPr lang="en-US" sz="2000" b="1" dirty="0"/>
           </a:p>
@@ -11609,8 +11587,8 @@
         </p:nvSpPr>
         <p:spPr>
           <a:xfrm>
-            <a:off x="609600" y="1600200"/>
-            <a:ext cx="8534400" cy="5029200"/>
+            <a:off x="612648" y="1905000"/>
+            <a:ext cx="7693152" cy="4495800"/>
           </a:xfrm>
         </p:spPr>
         <p:txBody>
@@ -11619,146 +11597,74 @@
           </a:bodyPr>
           <a:lstStyle/>
           <a:p>
-            <a:r>
-              <a:rPr lang="en-IN" sz="1050" b="1" dirty="0" smtClean="0">
-                <a:hlinkClick r:id="rId2"/>
-              </a:rPr>
-              <a:t>Work Rules!: Insights from Inside Google That Will Transform How You Live and Lead</a:t>
-            </a:r>
-            <a:r>
-              <a:rPr lang="en-IN" sz="1050" b="1" dirty="0" smtClean="0"/>
-              <a:t> </a:t>
-            </a:r>
-          </a:p>
-          <a:p>
-            <a:r>
-              <a:rPr lang="en-IN" sz="1050" b="1" dirty="0" smtClean="0">
-                <a:hlinkClick r:id="rId3"/>
-              </a:rPr>
-              <a:t>OOPS! 13 Management Practices That Waste Time &amp; Money (and what to do instead)</a:t>
-            </a:r>
-            <a:endParaRPr lang="en-IN" sz="1050" b="1" dirty="0" smtClean="0"/>
-          </a:p>
-          <a:p>
-            <a:r>
-              <a:rPr lang="en-IN" sz="1050" b="1" dirty="0" smtClean="0">
-                <a:hlinkClick r:id="rId4"/>
-              </a:rPr>
-              <a:t>The New One Minute Manager</a:t>
-            </a:r>
-            <a:endParaRPr lang="en-IN" sz="1050" b="1" dirty="0" smtClean="0"/>
-          </a:p>
-          <a:p>
-            <a:r>
-              <a:rPr lang="en-IN" sz="1050" b="1" dirty="0" smtClean="0">
-                <a:hlinkClick r:id="rId5"/>
-              </a:rPr>
-              <a:t>The Best Place to Work: The Art and Science of Creating an </a:t>
-            </a:r>
-            <a:r>
-              <a:rPr lang="en-IN" sz="1050" b="1" dirty="0" err="1" smtClean="0">
-                <a:hlinkClick r:id="rId5"/>
-              </a:rPr>
-              <a:t>ExtraordinaWorkplacery</a:t>
-            </a:r>
-            <a:endParaRPr lang="en-IN" sz="1050" b="1" dirty="0" smtClean="0"/>
-          </a:p>
-          <a:p>
-            <a:r>
-              <a:rPr lang="en-US" sz="1050" b="1" dirty="0" smtClean="0">
-                <a:hlinkClick r:id="rId6"/>
-              </a:rPr>
-              <a:t>Hard Facts Dangerous Half-Truths , and Total Nonsense : Profiting from </a:t>
-            </a:r>
-            <a:r>
-              <a:rPr lang="en-US" sz="1050" b="1" dirty="0" err="1" smtClean="0">
-                <a:hlinkClick r:id="rId6"/>
-              </a:rPr>
-              <a:t>evidenmanagement</a:t>
-            </a:r>
-            <a:r>
-              <a:rPr lang="en-US" sz="1050" b="1" dirty="0" smtClean="0">
-                <a:hlinkClick r:id="rId6"/>
-              </a:rPr>
-              <a:t> - Jeffrey </a:t>
-            </a:r>
-            <a:r>
-              <a:rPr lang="en-US" sz="1050" b="1" dirty="0" err="1" smtClean="0">
-                <a:hlinkClick r:id="rId6"/>
-              </a:rPr>
-              <a:t>Pfefferce</a:t>
-            </a:r>
-            <a:r>
-              <a:rPr lang="en-US" sz="1050" b="1" dirty="0" smtClean="0">
-                <a:hlinkClick r:id="rId6"/>
-              </a:rPr>
-              <a:t> based</a:t>
-            </a:r>
-            <a:endParaRPr lang="en-US" sz="1050" b="1" dirty="0" smtClean="0"/>
-          </a:p>
-          <a:p>
-            <a:r>
-              <a:rPr lang="en-IN" sz="1050" b="1" dirty="0" smtClean="0">
-                <a:hlinkClick r:id="rId7"/>
-              </a:rPr>
-              <a:t>How to Be Good at Performance Appraisals: Simple, Effective, Done Right</a:t>
-            </a:r>
-            <a:endParaRPr lang="en-IN" sz="1050" b="1" dirty="0" smtClean="0"/>
-          </a:p>
-          <a:p>
-            <a:r>
-              <a:rPr lang="en-IN" sz="1050" b="1" dirty="0" smtClean="0">
-                <a:hlinkClick r:id="rId8"/>
-              </a:rPr>
-              <a:t>https://www.washingtonpost.com/news/on-leadership/wp/2015/07/21/in-big-move-accenture-will-get-rid-of-annual-performance-reviews-and-rankings/</a:t>
-            </a:r>
-            <a:r>
-              <a:rPr lang="en-IN" sz="1050" b="1" dirty="0" smtClean="0"/>
-              <a:t> </a:t>
-            </a:r>
-          </a:p>
-          <a:p>
-            <a:r>
-              <a:rPr lang="en-IN" sz="1050" b="1" dirty="0" smtClean="0">
-                <a:hlinkClick r:id="rId9"/>
-              </a:rPr>
-              <a:t>http://economictimes.indiatimes.com/tech/ites/need-to-reinvent-and-transform-in-todays-age-virginia-rometty-ibm/articleshow/50830431.cms</a:t>
-            </a:r>
-            <a:r>
-              <a:rPr lang="en-IN" sz="1050" b="1" dirty="0" smtClean="0"/>
-              <a:t> </a:t>
-            </a:r>
-          </a:p>
-          <a:p>
-            <a:r>
-              <a:rPr lang="en-IN" sz="1050" b="1" dirty="0" smtClean="0">
-                <a:hlinkClick r:id="rId10"/>
-              </a:rPr>
-              <a:t>http://www.forbes.com/sites/joshbersin/2014/02/19/the-myth-of-the-bell-curve-look-for-the-hyper-performers/#681dbe8513fc </a:t>
-            </a:r>
-            <a:endParaRPr lang="en-IN" sz="1050" b="1" dirty="0" smtClean="0"/>
-          </a:p>
-          <a:p>
-            <a:r>
-              <a:rPr lang="en-IN" sz="1050" b="1" dirty="0" smtClean="0">
-                <a:hlinkClick r:id="rId10"/>
-              </a:rPr>
-              <a:t>http://business.financialpost.com/executive/careers/why-performance-appraisals-need-to-be-scrapped </a:t>
-            </a:r>
-            <a:endParaRPr lang="en-IN" sz="1050" b="1" dirty="0" smtClean="0"/>
-          </a:p>
-          <a:p>
-            <a:r>
-              <a:rPr lang="en-IN" sz="1050" b="1" dirty="0" smtClean="0">
-                <a:hlinkClick r:id="rId11"/>
-              </a:rPr>
-              <a:t>http://www.forbes.com/sites/danpontefract/2015/04/27/work-rules-rules-at-google/#6451bdee19bc</a:t>
-            </a:r>
-            <a:r>
-              <a:rPr lang="en-IN" sz="1050" b="1" dirty="0" smtClean="0"/>
-              <a:t> </a:t>
-            </a:r>
-            <a:endParaRPr lang="en-US" sz="1050" b="1" dirty="0"/>
+            <a:pPr>
+              <a:buFont typeface="Wingdings" pitchFamily="2" charset="2"/>
+              <a:buChar char="ü"/>
+            </a:pPr>
+            <a:r>
+              <a:rPr lang="en-US" sz="2000" dirty="0" smtClean="0"/>
+              <a:t>Performance reviews </a:t>
+            </a:r>
+            <a:endParaRPr lang="en-US" sz="2000" dirty="0" smtClean="0"/>
+          </a:p>
+          <a:p>
+            <a:pPr lvl="1">
+              <a:buFont typeface="Wingdings" pitchFamily="2" charset="2"/>
+              <a:buChar char="ü"/>
+            </a:pPr>
+            <a:r>
+              <a:rPr lang="en-US" sz="1700" dirty="0" smtClean="0"/>
+              <a:t>Performance review will not increase performance review . Instead focus on feedback cycles</a:t>
+            </a:r>
+          </a:p>
+          <a:p>
+            <a:pPr lvl="1">
+              <a:buFont typeface="Wingdings" pitchFamily="2" charset="2"/>
+              <a:buChar char="ü"/>
+            </a:pPr>
+            <a:r>
+              <a:rPr lang="en-US" sz="1700" dirty="0" smtClean="0"/>
+              <a:t>Reduce emotional pain with performance reviews using 4 point scale (Power law : Workforce performance distribution)</a:t>
+            </a:r>
+          </a:p>
+          <a:p>
+            <a:pPr lvl="1">
+              <a:buFont typeface="Wingdings" pitchFamily="2" charset="2"/>
+              <a:buChar char="ü"/>
+            </a:pPr>
+            <a:r>
+              <a:rPr lang="en-US" sz="1700" dirty="0" smtClean="0"/>
+              <a:t>Pay for performance : 90 % or more of the value on your teams comes from the top 10% so pay them accordingly</a:t>
+            </a:r>
+            <a:endParaRPr lang="en-US" sz="2000" dirty="0" smtClean="0"/>
+          </a:p>
+          <a:p>
+            <a:pPr lvl="1">
+              <a:buFont typeface="Wingdings" pitchFamily="2" charset="2"/>
+              <a:buChar char="ü"/>
+            </a:pPr>
+            <a:endParaRPr lang="en-US" sz="1700" dirty="0" smtClean="0"/>
+          </a:p>
+          <a:p>
+            <a:pPr lvl="1">
+              <a:buFont typeface="Wingdings" pitchFamily="2" charset="2"/>
+              <a:buChar char="ü"/>
+            </a:pPr>
+            <a:endParaRPr lang="en-US" sz="2000" dirty="0" smtClean="0"/>
+          </a:p>
+          <a:p>
+            <a:pPr>
+              <a:buFont typeface="Wingdings" pitchFamily="2" charset="2"/>
+              <a:buChar char="ü"/>
+            </a:pPr>
+            <a:endParaRPr lang="en-US" sz="2000" dirty="0"/>
+          </a:p>
+          <a:p>
+            <a:pPr>
+              <a:buFont typeface="Wingdings" pitchFamily="2" charset="2"/>
+              <a:buChar char="ü"/>
+            </a:pPr>
+            <a:endParaRPr lang="en-US" sz="2000" dirty="0"/>
           </a:p>
         </p:txBody>
       </p:sp>
@@ -11867,7 +11773,7 @@
                                         <p:tgtEl>
                                           <p:spTgt spid="4">
                                             <p:txEl>
-                                              <p:pRg st="2" end="2"/>
+                                              <p:pRg st="1" end="1"/>
                                             </p:txEl>
                                           </p:spTgt>
                                         </p:tgtEl>
@@ -11885,7 +11791,7 @@
                                         <p:tgtEl>
                                           <p:spTgt spid="4">
                                             <p:txEl>
-                                              <p:pRg st="2" end="2"/>
+                                              <p:pRg st="1" end="1"/>
                                             </p:txEl>
                                           </p:spTgt>
                                         </p:tgtEl>
@@ -11928,7 +11834,7 @@
                                         <p:tgtEl>
                                           <p:spTgt spid="4">
                                             <p:txEl>
-                                              <p:pRg st="6" end="6"/>
+                                              <p:pRg st="2" end="2"/>
                                             </p:txEl>
                                           </p:spTgt>
                                         </p:tgtEl>
@@ -11946,7 +11852,7 @@
                                         <p:tgtEl>
                                           <p:spTgt spid="4">
                                             <p:txEl>
-                                              <p:pRg st="6" end="6"/>
+                                              <p:pRg st="2" end="2"/>
                                             </p:txEl>
                                           </p:spTgt>
                                         </p:tgtEl>
@@ -11989,7 +11895,7 @@
                                         <p:tgtEl>
                                           <p:spTgt spid="4">
                                             <p:txEl>
-                                              <p:pRg st="7" end="7"/>
+                                              <p:pRg st="3" end="3"/>
                                             </p:txEl>
                                           </p:spTgt>
                                         </p:tgtEl>
@@ -12007,434 +11913,7 @@
                                         <p:tgtEl>
                                           <p:spTgt spid="4">
                                             <p:txEl>
-                                              <p:pRg st="7" end="7"/>
-                                            </p:txEl>
-                                          </p:spTgt>
-                                        </p:tgtEl>
-                                      </p:cBhvr>
-                                    </p:animEffect>
-                                  </p:childTnLst>
-                                </p:cTn>
-                              </p:par>
-                            </p:childTnLst>
-                          </p:cTn>
-                        </p:par>
-                      </p:childTnLst>
-                    </p:cTn>
-                  </p:par>
-                  <p:par>
-                    <p:cTn id="23" fill="hold">
-                      <p:stCondLst>
-                        <p:cond delay="indefinite"/>
-                      </p:stCondLst>
-                      <p:childTnLst>
-                        <p:par>
-                          <p:cTn id="24" fill="hold">
-                            <p:stCondLst>
-                              <p:cond delay="0"/>
-                            </p:stCondLst>
-                            <p:childTnLst>
-                              <p:par>
-                                <p:cTn id="25" presetID="3" presetClass="entr" presetSubtype="10" fill="hold" nodeType="clickEffect">
-                                  <p:stCondLst>
-                                    <p:cond delay="0"/>
-                                  </p:stCondLst>
-                                  <p:childTnLst>
-                                    <p:set>
-                                      <p:cBhvr>
-                                        <p:cTn id="26" dur="1" fill="hold">
-                                          <p:stCondLst>
-                                            <p:cond delay="0"/>
-                                          </p:stCondLst>
-                                        </p:cTn>
-                                        <p:tgtEl>
-                                          <p:spTgt spid="4">
-                                            <p:txEl>
-                                              <p:pRg st="8" end="8"/>
-                                            </p:txEl>
-                                          </p:spTgt>
-                                        </p:tgtEl>
-                                        <p:attrNameLst>
-                                          <p:attrName>style.visibility</p:attrName>
-                                        </p:attrNameLst>
-                                      </p:cBhvr>
-                                      <p:to>
-                                        <p:strVal val="visible"/>
-                                      </p:to>
-                                    </p:set>
-                                    <p:animEffect transition="in" filter="blinds(horizontal)">
-                                      <p:cBhvr>
-                                        <p:cTn id="27" dur="500"/>
-                                        <p:tgtEl>
-                                          <p:spTgt spid="4">
-                                            <p:txEl>
-                                              <p:pRg st="8" end="8"/>
-                                            </p:txEl>
-                                          </p:spTgt>
-                                        </p:tgtEl>
-                                      </p:cBhvr>
-                                    </p:animEffect>
-                                  </p:childTnLst>
-                                </p:cTn>
-                              </p:par>
-                            </p:childTnLst>
-                          </p:cTn>
-                        </p:par>
-                      </p:childTnLst>
-                    </p:cTn>
-                  </p:par>
-                  <p:par>
-                    <p:cTn id="28" fill="hold">
-                      <p:stCondLst>
-                        <p:cond delay="indefinite"/>
-                      </p:stCondLst>
-                      <p:childTnLst>
-                        <p:par>
-                          <p:cTn id="29" fill="hold">
-                            <p:stCondLst>
-                              <p:cond delay="0"/>
-                            </p:stCondLst>
-                            <p:childTnLst>
-                              <p:par>
-                                <p:cTn id="30" presetID="3" presetClass="entr" presetSubtype="10" fill="hold" nodeType="clickEffect">
-                                  <p:stCondLst>
-                                    <p:cond delay="0"/>
-                                  </p:stCondLst>
-                                  <p:childTnLst>
-                                    <p:set>
-                                      <p:cBhvr>
-                                        <p:cTn id="31" dur="1" fill="hold">
-                                          <p:stCondLst>
-                                            <p:cond delay="0"/>
-                                          </p:stCondLst>
-                                        </p:cTn>
-                                        <p:tgtEl>
-                                          <p:spTgt spid="4">
-                                            <p:txEl>
-                                              <p:pRg st="9" end="9"/>
-                                            </p:txEl>
-                                          </p:spTgt>
-                                        </p:tgtEl>
-                                        <p:attrNameLst>
-                                          <p:attrName>style.visibility</p:attrName>
-                                        </p:attrNameLst>
-                                      </p:cBhvr>
-                                      <p:to>
-                                        <p:strVal val="visible"/>
-                                      </p:to>
-                                    </p:set>
-                                    <p:animEffect transition="in" filter="blinds(horizontal)">
-                                      <p:cBhvr>
-                                        <p:cTn id="32" dur="500"/>
-                                        <p:tgtEl>
-                                          <p:spTgt spid="4">
-                                            <p:txEl>
-                                              <p:pRg st="9" end="9"/>
-                                            </p:txEl>
-                                          </p:spTgt>
-                                        </p:tgtEl>
-                                      </p:cBhvr>
-                                    </p:animEffect>
-                                  </p:childTnLst>
-                                </p:cTn>
-                              </p:par>
-                            </p:childTnLst>
-                          </p:cTn>
-                        </p:par>
-                      </p:childTnLst>
-                    </p:cTn>
-                  </p:par>
-                  <p:par>
-                    <p:cTn id="33" fill="hold">
-                      <p:stCondLst>
-                        <p:cond delay="indefinite"/>
-                      </p:stCondLst>
-                      <p:childTnLst>
-                        <p:par>
-                          <p:cTn id="34" fill="hold">
-                            <p:stCondLst>
-                              <p:cond delay="0"/>
-                            </p:stCondLst>
-                            <p:childTnLst>
-                              <p:par>
-                                <p:cTn id="35" presetID="3" presetClass="entr" presetSubtype="10" fill="hold" nodeType="clickEffect">
-                                  <p:stCondLst>
-                                    <p:cond delay="0"/>
-                                  </p:stCondLst>
-                                  <p:childTnLst>
-                                    <p:set>
-                                      <p:cBhvr>
-                                        <p:cTn id="36" dur="1" fill="hold">
-                                          <p:stCondLst>
-                                            <p:cond delay="0"/>
-                                          </p:stCondLst>
-                                        </p:cTn>
-                                        <p:tgtEl>
-                                          <p:spTgt spid="4">
-                                            <p:txEl>
-                                              <p:pRg st="10" end="10"/>
-                                            </p:txEl>
-                                          </p:spTgt>
-                                        </p:tgtEl>
-                                        <p:attrNameLst>
-                                          <p:attrName>style.visibility</p:attrName>
-                                        </p:attrNameLst>
-                                      </p:cBhvr>
-                                      <p:to>
-                                        <p:strVal val="visible"/>
-                                      </p:to>
-                                    </p:set>
-                                    <p:animEffect transition="in" filter="blinds(horizontal)">
-                                      <p:cBhvr>
-                                        <p:cTn id="37" dur="500"/>
-                                        <p:tgtEl>
-                                          <p:spTgt spid="4">
-                                            <p:txEl>
-                                              <p:pRg st="10" end="10"/>
-                                            </p:txEl>
-                                          </p:spTgt>
-                                        </p:tgtEl>
-                                      </p:cBhvr>
-                                    </p:animEffect>
-                                  </p:childTnLst>
-                                </p:cTn>
-                              </p:par>
-                            </p:childTnLst>
-                          </p:cTn>
-                        </p:par>
-                      </p:childTnLst>
-                    </p:cTn>
-                  </p:par>
-                  <p:par>
-                    <p:cTn id="38" fill="hold">
-                      <p:stCondLst>
-                        <p:cond delay="indefinite"/>
-                      </p:stCondLst>
-                      <p:childTnLst>
-                        <p:par>
-                          <p:cTn id="39" fill="hold">
-                            <p:stCondLst>
-                              <p:cond delay="0"/>
-                            </p:stCondLst>
-                            <p:childTnLst>
-                              <p:par>
-                                <p:cTn id="40" presetID="3" presetClass="entr" presetSubtype="10" fill="hold" nodeType="clickEffect">
-                                  <p:stCondLst>
-                                    <p:cond delay="0"/>
-                                  </p:stCondLst>
-                                  <p:childTnLst>
-                                    <p:set>
-                                      <p:cBhvr>
-                                        <p:cTn id="41" dur="1" fill="hold">
-                                          <p:stCondLst>
-                                            <p:cond delay="0"/>
-                                          </p:stCondLst>
-                                        </p:cTn>
-                                        <p:tgtEl>
-                                          <p:spTgt spid="4">
-                                            <p:txEl>
                                               <p:pRg st="3" end="3"/>
-                                            </p:txEl>
-                                          </p:spTgt>
-                                        </p:tgtEl>
-                                        <p:attrNameLst>
-                                          <p:attrName>style.visibility</p:attrName>
-                                        </p:attrNameLst>
-                                      </p:cBhvr>
-                                      <p:to>
-                                        <p:strVal val="visible"/>
-                                      </p:to>
-                                    </p:set>
-                                    <p:animEffect transition="in" filter="blinds(horizontal)">
-                                      <p:cBhvr>
-                                        <p:cTn id="42" dur="500"/>
-                                        <p:tgtEl>
-                                          <p:spTgt spid="4">
-                                            <p:txEl>
-                                              <p:pRg st="3" end="3"/>
-                                            </p:txEl>
-                                          </p:spTgt>
-                                        </p:tgtEl>
-                                      </p:cBhvr>
-                                    </p:animEffect>
-                                  </p:childTnLst>
-                                </p:cTn>
-                              </p:par>
-                            </p:childTnLst>
-                          </p:cTn>
-                        </p:par>
-                      </p:childTnLst>
-                    </p:cTn>
-                  </p:par>
-                  <p:par>
-                    <p:cTn id="43" fill="hold">
-                      <p:stCondLst>
-                        <p:cond delay="indefinite"/>
-                      </p:stCondLst>
-                      <p:childTnLst>
-                        <p:par>
-                          <p:cTn id="44" fill="hold">
-                            <p:stCondLst>
-                              <p:cond delay="0"/>
-                            </p:stCondLst>
-                            <p:childTnLst>
-                              <p:par>
-                                <p:cTn id="45" presetID="3" presetClass="entr" presetSubtype="10" fill="hold" nodeType="clickEffect">
-                                  <p:stCondLst>
-                                    <p:cond delay="0"/>
-                                  </p:stCondLst>
-                                  <p:childTnLst>
-                                    <p:set>
-                                      <p:cBhvr>
-                                        <p:cTn id="46" dur="1" fill="hold">
-                                          <p:stCondLst>
-                                            <p:cond delay="0"/>
-                                          </p:stCondLst>
-                                        </p:cTn>
-                                        <p:tgtEl>
-                                          <p:spTgt spid="4">
-                                            <p:txEl>
-                                              <p:pRg st="4" end="4"/>
-                                            </p:txEl>
-                                          </p:spTgt>
-                                        </p:tgtEl>
-                                        <p:attrNameLst>
-                                          <p:attrName>style.visibility</p:attrName>
-                                        </p:attrNameLst>
-                                      </p:cBhvr>
-                                      <p:to>
-                                        <p:strVal val="visible"/>
-                                      </p:to>
-                                    </p:set>
-                                    <p:animEffect transition="in" filter="blinds(horizontal)">
-                                      <p:cBhvr>
-                                        <p:cTn id="47" dur="500"/>
-                                        <p:tgtEl>
-                                          <p:spTgt spid="4">
-                                            <p:txEl>
-                                              <p:pRg st="4" end="4"/>
-                                            </p:txEl>
-                                          </p:spTgt>
-                                        </p:tgtEl>
-                                      </p:cBhvr>
-                                    </p:animEffect>
-                                  </p:childTnLst>
-                                </p:cTn>
-                              </p:par>
-                            </p:childTnLst>
-                          </p:cTn>
-                        </p:par>
-                      </p:childTnLst>
-                    </p:cTn>
-                  </p:par>
-                  <p:par>
-                    <p:cTn id="48" fill="hold">
-                      <p:stCondLst>
-                        <p:cond delay="indefinite"/>
-                      </p:stCondLst>
-                      <p:childTnLst>
-                        <p:par>
-                          <p:cTn id="49" fill="hold">
-                            <p:stCondLst>
-                              <p:cond delay="0"/>
-                            </p:stCondLst>
-                            <p:childTnLst>
-                              <p:par>
-                                <p:cTn id="50" presetID="3" presetClass="entr" presetSubtype="10" fill="hold" nodeType="clickEffect">
-                                  <p:stCondLst>
-                                    <p:cond delay="0"/>
-                                  </p:stCondLst>
-                                  <p:childTnLst>
-                                    <p:set>
-                                      <p:cBhvr>
-                                        <p:cTn id="51" dur="1" fill="hold">
-                                          <p:stCondLst>
-                                            <p:cond delay="0"/>
-                                          </p:stCondLst>
-                                        </p:cTn>
-                                        <p:tgtEl>
-                                          <p:spTgt spid="4">
-                                            <p:txEl>
-                                              <p:pRg st="5" end="5"/>
-                                            </p:txEl>
-                                          </p:spTgt>
-                                        </p:tgtEl>
-                                        <p:attrNameLst>
-                                          <p:attrName>style.visibility</p:attrName>
-                                        </p:attrNameLst>
-                                      </p:cBhvr>
-                                      <p:to>
-                                        <p:strVal val="visible"/>
-                                      </p:to>
-                                    </p:set>
-                                    <p:animEffect transition="in" filter="blinds(horizontal)">
-                                      <p:cBhvr>
-                                        <p:cTn id="52" dur="500"/>
-                                        <p:tgtEl>
-                                          <p:spTgt spid="4">
-                                            <p:txEl>
-                                              <p:pRg st="5" end="5"/>
-                                            </p:txEl>
-                                          </p:spTgt>
-                                        </p:tgtEl>
-                                      </p:cBhvr>
-                                    </p:animEffect>
-                                  </p:childTnLst>
-                                </p:cTn>
-                              </p:par>
-                            </p:childTnLst>
-                          </p:cTn>
-                        </p:par>
-                      </p:childTnLst>
-                    </p:cTn>
-                  </p:par>
-                  <p:par>
-                    <p:cTn id="53" fill="hold">
-                      <p:stCondLst>
-                        <p:cond delay="indefinite"/>
-                      </p:stCondLst>
-                      <p:childTnLst>
-                        <p:par>
-                          <p:cTn id="54" fill="hold">
-                            <p:stCondLst>
-                              <p:cond delay="0"/>
-                            </p:stCondLst>
-                            <p:childTnLst>
-                              <p:par>
-                                <p:cTn id="55" presetID="3" presetClass="entr" presetSubtype="10" fill="hold" nodeType="clickEffect">
-                                  <p:stCondLst>
-                                    <p:cond delay="0"/>
-                                  </p:stCondLst>
-                                  <p:childTnLst>
-                                    <p:set>
-                                      <p:cBhvr>
-                                        <p:cTn id="56" dur="1" fill="hold">
-                                          <p:stCondLst>
-                                            <p:cond delay="0"/>
-                                          </p:stCondLst>
-                                        </p:cTn>
-                                        <p:tgtEl>
-                                          <p:spTgt spid="4">
-                                            <p:txEl>
-                                              <p:pRg st="1" end="1"/>
-                                            </p:txEl>
-                                          </p:spTgt>
-                                        </p:tgtEl>
-                                        <p:attrNameLst>
-                                          <p:attrName>style.visibility</p:attrName>
-                                        </p:attrNameLst>
-                                      </p:cBhvr>
-                                      <p:to>
-                                        <p:strVal val="visible"/>
-                                      </p:to>
-                                    </p:set>
-                                    <p:animEffect transition="in" filter="blinds(horizontal)">
-                                      <p:cBhvr>
-                                        <p:cTn id="57" dur="500"/>
-                                        <p:tgtEl>
-                                          <p:spTgt spid="4">
-                                            <p:txEl>
-                                              <p:pRg st="1" end="1"/>
                                             </p:txEl>
                                           </p:spTgt>
                                         </p:tgtEl>
@@ -12544,8 +12023,23 @@
             </a:pPr>
             <a:r>
               <a:rPr lang="en-US" sz="2000" dirty="0" smtClean="0"/>
-              <a:t>Performance review – Issues and Solutions</a:t>
-            </a:r>
+              <a:t>Performance review – Issues and </a:t>
+            </a:r>
+            <a:r>
+              <a:rPr lang="en-US" sz="2000" dirty="0" smtClean="0"/>
+              <a:t>what can be done</a:t>
+            </a:r>
+          </a:p>
+          <a:p>
+            <a:pPr>
+              <a:buFont typeface="Wingdings" pitchFamily="2" charset="2"/>
+              <a:buChar char="ü"/>
+            </a:pPr>
+            <a:r>
+              <a:rPr lang="en-US" sz="2000" dirty="0" smtClean="0"/>
+              <a:t>I am going to share expert voice on performance reviews and decision will be made by you</a:t>
+            </a:r>
+            <a:endParaRPr lang="en-US" sz="2000" dirty="0" smtClean="0"/>
           </a:p>
           <a:p>
             <a:pPr>
@@ -12626,6 +12120,67 @@
                                           <p:spTgt spid="25603">
                                             <p:txEl>
                                               <p:pRg st="0" end="0"/>
+                                            </p:txEl>
+                                          </p:spTgt>
+                                        </p:tgtEl>
+                                      </p:cBhvr>
+                                    </p:animEffect>
+                                  </p:childTnLst>
+                                </p:cTn>
+                              </p:par>
+                            </p:childTnLst>
+                          </p:cTn>
+                        </p:par>
+                      </p:childTnLst>
+                    </p:cTn>
+                  </p:par>
+                  <p:par>
+                    <p:cTn id="8" fill="hold">
+                      <p:stCondLst>
+                        <p:cond delay="indefinite"/>
+                      </p:stCondLst>
+                      <p:childTnLst>
+                        <p:par>
+                          <p:cTn id="9" fill="hold">
+                            <p:stCondLst>
+                              <p:cond delay="0"/>
+                            </p:stCondLst>
+                            <p:childTnLst>
+                              <p:par>
+                                <p:cTn id="10" presetID="3" presetClass="entr" presetSubtype="10" fill="hold" nodeType="clickEffect">
+                                  <p:stCondLst>
+                                    <p:cond delay="0"/>
+                                  </p:stCondLst>
+                                  <p:childTnLst>
+                                    <p:set>
+                                      <p:cBhvr>
+                                        <p:cTn id="11" dur="1" fill="hold">
+                                          <p:stCondLst>
+                                            <p:cond delay="0"/>
+                                          </p:stCondLst>
+                                        </p:cTn>
+                                        <p:tgtEl>
+                                          <p:spTgt spid="25603">
+                                            <p:txEl>
+                                              <p:pRg st="1" end="1"/>
+                                            </p:txEl>
+                                          </p:spTgt>
+                                        </p:tgtEl>
+                                        <p:attrNameLst>
+                                          <p:attrName>style.visibility</p:attrName>
+                                        </p:attrNameLst>
+                                      </p:cBhvr>
+                                      <p:to>
+                                        <p:strVal val="visible"/>
+                                      </p:to>
+                                    </p:set>
+                                    <p:animEffect transition="in" filter="blinds(horizontal)">
+                                      <p:cBhvr>
+                                        <p:cTn id="12" dur="500"/>
+                                        <p:tgtEl>
+                                          <p:spTgt spid="25603">
+                                            <p:txEl>
+                                              <p:pRg st="1" end="1"/>
                                             </p:txEl>
                                           </p:spTgt>
                                         </p:tgtEl>
@@ -12701,7 +12256,7 @@
           <a:p>
             <a:r>
               <a:rPr lang="en-US" sz="2000" b="1" dirty="0" smtClean="0"/>
-              <a:t>What happens during performance review</a:t>
+              <a:t>References</a:t>
             </a:r>
             <a:endParaRPr lang="en-US" sz="2000" b="1" dirty="0"/>
           </a:p>
@@ -12719,8 +12274,8 @@
         </p:nvSpPr>
         <p:spPr>
           <a:xfrm>
-            <a:off x="612648" y="1905000"/>
-            <a:ext cx="7693152" cy="4495800"/>
+            <a:off x="609600" y="1600200"/>
+            <a:ext cx="8534400" cy="5029200"/>
           </a:xfrm>
         </p:spPr>
         <p:txBody>
@@ -12729,54 +12284,183 @@
           </a:bodyPr>
           <a:lstStyle/>
           <a:p>
-            <a:pPr lvl="0">
-              <a:buFont typeface="Wingdings" pitchFamily="2" charset="2"/>
-              <a:buChar char="ü"/>
-            </a:pPr>
-            <a:r>
-              <a:rPr lang="en-IN" sz="2000" dirty="0" smtClean="0"/>
-              <a:t>Performance review improves employee performance (Myth)</a:t>
-            </a:r>
-          </a:p>
-          <a:p>
-            <a:pPr>
-              <a:buFont typeface="Wingdings" pitchFamily="2" charset="2"/>
-              <a:buChar char="ü"/>
-            </a:pPr>
-            <a:r>
-              <a:rPr lang="en-IN" sz="2000" dirty="0" smtClean="0"/>
-              <a:t>Performance reviews causes deep emotional pain leading to employee disengagement (Conventional way of thinking we didn’t put our expectations clearly will not work . Fight is always between ME &amp; EE)</a:t>
-            </a:r>
-          </a:p>
-          <a:p>
-            <a:pPr lvl="0">
-              <a:buFont typeface="Wingdings" pitchFamily="2" charset="2"/>
-              <a:buChar char="ü"/>
-            </a:pPr>
-            <a:r>
-              <a:rPr lang="en-IN" sz="2000" dirty="0" smtClean="0"/>
-              <a:t>Company will loose talented people if they don’t understand war for talent rules - Pay for performance rules</a:t>
-            </a:r>
-          </a:p>
-          <a:p>
-            <a:pPr lvl="2">
-              <a:buNone/>
-            </a:pPr>
-            <a:endParaRPr lang="en-US" sz="1700" dirty="0" smtClean="0"/>
-          </a:p>
-          <a:p>
-            <a:pPr>
-              <a:buFont typeface="Wingdings" pitchFamily="2" charset="2"/>
-              <a:buChar char="ü"/>
-            </a:pPr>
-            <a:endParaRPr lang="en-US" sz="2000" dirty="0"/>
-          </a:p>
-          <a:p>
-            <a:pPr>
-              <a:buFont typeface="Wingdings" pitchFamily="2" charset="2"/>
-              <a:buChar char="ü"/>
-            </a:pPr>
-            <a:endParaRPr lang="en-US" sz="2000" dirty="0"/>
+            <a:r>
+              <a:rPr lang="en-IN" sz="1050" b="1" dirty="0" smtClean="0">
+                <a:hlinkClick r:id="rId2"/>
+              </a:rPr>
+              <a:t>Work Rules!: Insights from Inside Google That Will Transform How You Live and Lead</a:t>
+            </a:r>
+            <a:r>
+              <a:rPr lang="en-IN" sz="1050" b="1" dirty="0" smtClean="0"/>
+              <a:t> </a:t>
+            </a:r>
+            <a:r>
+              <a:rPr lang="en-IN" sz="1050" b="1" dirty="0" smtClean="0"/>
+              <a:t> (</a:t>
+            </a:r>
+            <a:r>
+              <a:rPr lang="en-US" sz="1050" dirty="0" smtClean="0"/>
+              <a:t>Laszlo Bock is the Senior Vice President of People Operations at Google, Inc, where he has worked since </a:t>
+            </a:r>
+            <a:r>
+              <a:rPr lang="en-US" sz="1050" dirty="0" smtClean="0"/>
+              <a:t>2006 </a:t>
+            </a:r>
+            <a:r>
+              <a:rPr lang="en-IN" sz="1050" b="1" dirty="0" smtClean="0"/>
+              <a:t>)</a:t>
+            </a:r>
+            <a:endParaRPr lang="en-IN" sz="1050" b="1" dirty="0" smtClean="0"/>
+          </a:p>
+          <a:p>
+            <a:r>
+              <a:rPr lang="en-IN" sz="1050" b="1" dirty="0" smtClean="0">
+                <a:hlinkClick r:id="rId3"/>
+              </a:rPr>
+              <a:t>OOPS! 13 Management Practices That Waste Time &amp; Money (and what to do instead</a:t>
+            </a:r>
+            <a:r>
+              <a:rPr lang="en-IN" sz="1050" b="1" dirty="0" smtClean="0">
+                <a:hlinkClick r:id="rId3"/>
+              </a:rPr>
+              <a:t>)</a:t>
+            </a:r>
+            <a:endParaRPr lang="en-IN" sz="1050" dirty="0" smtClean="0"/>
+          </a:p>
+          <a:p>
+            <a:r>
+              <a:rPr lang="en-IN" sz="1050" b="1" dirty="0" smtClean="0">
+                <a:hlinkClick r:id="rId4"/>
+              </a:rPr>
+              <a:t>The New One Minute </a:t>
+            </a:r>
+            <a:r>
+              <a:rPr lang="en-IN" sz="1050" b="1" dirty="0" smtClean="0">
+                <a:hlinkClick r:id="rId4"/>
+              </a:rPr>
+              <a:t>Manager</a:t>
+            </a:r>
+            <a:r>
+              <a:rPr lang="en-IN" sz="1050" b="1" dirty="0" smtClean="0"/>
+              <a:t> </a:t>
+            </a:r>
+            <a:endParaRPr lang="en-IN" sz="1050" dirty="0" smtClean="0"/>
+          </a:p>
+          <a:p>
+            <a:r>
+              <a:rPr lang="en-IN" sz="1050" b="1" dirty="0" smtClean="0">
+                <a:hlinkClick r:id="rId5"/>
+              </a:rPr>
+              <a:t>The Best Place to Work: The Art and Science of Creating an </a:t>
+            </a:r>
+            <a:r>
+              <a:rPr lang="en-IN" sz="1050" b="1" dirty="0" err="1" smtClean="0">
+                <a:hlinkClick r:id="rId5"/>
+              </a:rPr>
+              <a:t>ExtraordinaWorkplacery</a:t>
+            </a:r>
+            <a:r>
+              <a:rPr lang="en-IN" sz="1050" b="1" dirty="0" smtClean="0"/>
+              <a:t> </a:t>
+            </a:r>
+            <a:endParaRPr lang="en-IN" sz="1050" dirty="0" smtClean="0"/>
+          </a:p>
+          <a:p>
+            <a:r>
+              <a:rPr lang="en-US" sz="1050" b="1" dirty="0" smtClean="0">
+                <a:hlinkClick r:id="rId6"/>
+              </a:rPr>
+              <a:t>Hard Facts Dangerous Half-Truths , and Total Nonsense : Profiting from </a:t>
+            </a:r>
+            <a:r>
+              <a:rPr lang="en-US" sz="1050" b="1" dirty="0" err="1" smtClean="0">
+                <a:hlinkClick r:id="rId6"/>
+              </a:rPr>
+              <a:t>evidenmanagement</a:t>
+            </a:r>
+            <a:r>
+              <a:rPr lang="en-US" sz="1050" b="1" dirty="0" smtClean="0">
+                <a:hlinkClick r:id="rId6"/>
+              </a:rPr>
+              <a:t> - Jeffrey </a:t>
+            </a:r>
+            <a:r>
+              <a:rPr lang="en-US" sz="1050" b="1" dirty="0" err="1" smtClean="0">
+                <a:hlinkClick r:id="rId6"/>
+              </a:rPr>
+              <a:t>Pfefferce</a:t>
+            </a:r>
+            <a:r>
+              <a:rPr lang="en-US" sz="1050" b="1" dirty="0" smtClean="0">
+                <a:hlinkClick r:id="rId6"/>
+              </a:rPr>
+              <a:t> based</a:t>
+            </a:r>
+            <a:endParaRPr lang="en-US" sz="1050" b="1" dirty="0" smtClean="0"/>
+          </a:p>
+          <a:p>
+            <a:r>
+              <a:rPr lang="en-IN" sz="1050" b="1" dirty="0" smtClean="0">
+                <a:hlinkClick r:id="rId7"/>
+              </a:rPr>
+              <a:t>How to Be Good at Performance Appraisals: Simple, Effective, Done Right</a:t>
+            </a:r>
+            <a:endParaRPr lang="en-IN" sz="1050" b="1" dirty="0" smtClean="0"/>
+          </a:p>
+          <a:p>
+            <a:r>
+              <a:rPr lang="en-IN" sz="1050" b="1" dirty="0" smtClean="0">
+                <a:hlinkClick r:id="rId8"/>
+              </a:rPr>
+              <a:t>https://www.washingtonpost.com/news/on-leadership/wp/2015/07/21/in-big-move-accenture-will-get-rid-of-annual-performance-reviews-and-rankings/</a:t>
+            </a:r>
+            <a:r>
+              <a:rPr lang="en-IN" sz="1050" b="1" dirty="0" smtClean="0"/>
+              <a:t> </a:t>
+            </a:r>
+          </a:p>
+          <a:p>
+            <a:r>
+              <a:rPr lang="en-IN" sz="1050" b="1" dirty="0" smtClean="0">
+                <a:hlinkClick r:id="rId9"/>
+              </a:rPr>
+              <a:t>http://economictimes.indiatimes.com/tech/ites/need-to-reinvent-and-transform-in-todays-age-virginia-rometty-ibm/articleshow/50830431.cms</a:t>
+            </a:r>
+            <a:r>
+              <a:rPr lang="en-IN" sz="1050" b="1" dirty="0" smtClean="0"/>
+              <a:t> </a:t>
+            </a:r>
+          </a:p>
+          <a:p>
+            <a:r>
+              <a:rPr lang="en-IN" sz="1050" b="1" dirty="0" smtClean="0">
+                <a:hlinkClick r:id="rId10"/>
+              </a:rPr>
+              <a:t>http://www.forbes.com/sites/joshbersin/2014/02/19/the-myth-of-the-bell-curve-look-for-the-hyper-performers/#681dbe8513fc </a:t>
+            </a:r>
+            <a:endParaRPr lang="en-IN" sz="1050" b="1" dirty="0" smtClean="0"/>
+          </a:p>
+          <a:p>
+            <a:r>
+              <a:rPr lang="en-IN" sz="1050" b="1" dirty="0" smtClean="0">
+                <a:hlinkClick r:id="rId10"/>
+              </a:rPr>
+              <a:t>http://business.financialpost.com/executive/careers/why-performance-appraisals-need-to-be-scrapped </a:t>
+            </a:r>
+            <a:endParaRPr lang="en-IN" sz="1050" b="1" dirty="0" smtClean="0"/>
+          </a:p>
+          <a:p>
+            <a:r>
+              <a:rPr lang="en-IN" sz="1050" b="1" dirty="0" smtClean="0">
+                <a:hlinkClick r:id="rId11"/>
+              </a:rPr>
+              <a:t>http://www.forbes.com/sites/danpontefract/2015/04/27/work-rules-rules-at-google/#6451bdee19bc</a:t>
+            </a:r>
+            <a:r>
+              <a:rPr lang="en-IN" sz="1050" b="1" dirty="0" smtClean="0"/>
+              <a:t> </a:t>
+            </a:r>
+            <a:endParaRPr lang="en-US" sz="1050" b="1" dirty="0"/>
           </a:p>
         </p:txBody>
       </p:sp>
@@ -12885,7 +12569,7 @@
                                         <p:tgtEl>
                                           <p:spTgt spid="4">
                                             <p:txEl>
-                                              <p:pRg st="1" end="1"/>
+                                              <p:pRg st="2" end="2"/>
                                             </p:txEl>
                                           </p:spTgt>
                                         </p:tgtEl>
@@ -12903,7 +12587,7 @@
                                         <p:tgtEl>
                                           <p:spTgt spid="4">
                                             <p:txEl>
-                                              <p:pRg st="1" end="1"/>
+                                              <p:pRg st="2" end="2"/>
                                             </p:txEl>
                                           </p:spTgt>
                                         </p:tgtEl>
@@ -12946,7 +12630,7 @@
                                         <p:tgtEl>
                                           <p:spTgt spid="4">
                                             <p:txEl>
-                                              <p:pRg st="2" end="2"/>
+                                              <p:pRg st="6" end="6"/>
                                             </p:txEl>
                                           </p:spTgt>
                                         </p:tgtEl>
@@ -12964,7 +12648,495 @@
                                         <p:tgtEl>
                                           <p:spTgt spid="4">
                                             <p:txEl>
-                                              <p:pRg st="2" end="2"/>
+                                              <p:pRg st="6" end="6"/>
+                                            </p:txEl>
+                                          </p:spTgt>
+                                        </p:tgtEl>
+                                      </p:cBhvr>
+                                    </p:animEffect>
+                                  </p:childTnLst>
+                                </p:cTn>
+                              </p:par>
+                            </p:childTnLst>
+                          </p:cTn>
+                        </p:par>
+                      </p:childTnLst>
+                    </p:cTn>
+                  </p:par>
+                  <p:par>
+                    <p:cTn id="18" fill="hold">
+                      <p:stCondLst>
+                        <p:cond delay="indefinite"/>
+                      </p:stCondLst>
+                      <p:childTnLst>
+                        <p:par>
+                          <p:cTn id="19" fill="hold">
+                            <p:stCondLst>
+                              <p:cond delay="0"/>
+                            </p:stCondLst>
+                            <p:childTnLst>
+                              <p:par>
+                                <p:cTn id="20" presetID="3" presetClass="entr" presetSubtype="10" fill="hold" nodeType="clickEffect">
+                                  <p:stCondLst>
+                                    <p:cond delay="0"/>
+                                  </p:stCondLst>
+                                  <p:childTnLst>
+                                    <p:set>
+                                      <p:cBhvr>
+                                        <p:cTn id="21" dur="1" fill="hold">
+                                          <p:stCondLst>
+                                            <p:cond delay="0"/>
+                                          </p:stCondLst>
+                                        </p:cTn>
+                                        <p:tgtEl>
+                                          <p:spTgt spid="4">
+                                            <p:txEl>
+                                              <p:pRg st="7" end="7"/>
+                                            </p:txEl>
+                                          </p:spTgt>
+                                        </p:tgtEl>
+                                        <p:attrNameLst>
+                                          <p:attrName>style.visibility</p:attrName>
+                                        </p:attrNameLst>
+                                      </p:cBhvr>
+                                      <p:to>
+                                        <p:strVal val="visible"/>
+                                      </p:to>
+                                    </p:set>
+                                    <p:animEffect transition="in" filter="blinds(horizontal)">
+                                      <p:cBhvr>
+                                        <p:cTn id="22" dur="500"/>
+                                        <p:tgtEl>
+                                          <p:spTgt spid="4">
+                                            <p:txEl>
+                                              <p:pRg st="7" end="7"/>
+                                            </p:txEl>
+                                          </p:spTgt>
+                                        </p:tgtEl>
+                                      </p:cBhvr>
+                                    </p:animEffect>
+                                  </p:childTnLst>
+                                </p:cTn>
+                              </p:par>
+                            </p:childTnLst>
+                          </p:cTn>
+                        </p:par>
+                      </p:childTnLst>
+                    </p:cTn>
+                  </p:par>
+                  <p:par>
+                    <p:cTn id="23" fill="hold">
+                      <p:stCondLst>
+                        <p:cond delay="indefinite"/>
+                      </p:stCondLst>
+                      <p:childTnLst>
+                        <p:par>
+                          <p:cTn id="24" fill="hold">
+                            <p:stCondLst>
+                              <p:cond delay="0"/>
+                            </p:stCondLst>
+                            <p:childTnLst>
+                              <p:par>
+                                <p:cTn id="25" presetID="3" presetClass="entr" presetSubtype="10" fill="hold" nodeType="clickEffect">
+                                  <p:stCondLst>
+                                    <p:cond delay="0"/>
+                                  </p:stCondLst>
+                                  <p:childTnLst>
+                                    <p:set>
+                                      <p:cBhvr>
+                                        <p:cTn id="26" dur="1" fill="hold">
+                                          <p:stCondLst>
+                                            <p:cond delay="0"/>
+                                          </p:stCondLst>
+                                        </p:cTn>
+                                        <p:tgtEl>
+                                          <p:spTgt spid="4">
+                                            <p:txEl>
+                                              <p:pRg st="8" end="8"/>
+                                            </p:txEl>
+                                          </p:spTgt>
+                                        </p:tgtEl>
+                                        <p:attrNameLst>
+                                          <p:attrName>style.visibility</p:attrName>
+                                        </p:attrNameLst>
+                                      </p:cBhvr>
+                                      <p:to>
+                                        <p:strVal val="visible"/>
+                                      </p:to>
+                                    </p:set>
+                                    <p:animEffect transition="in" filter="blinds(horizontal)">
+                                      <p:cBhvr>
+                                        <p:cTn id="27" dur="500"/>
+                                        <p:tgtEl>
+                                          <p:spTgt spid="4">
+                                            <p:txEl>
+                                              <p:pRg st="8" end="8"/>
+                                            </p:txEl>
+                                          </p:spTgt>
+                                        </p:tgtEl>
+                                      </p:cBhvr>
+                                    </p:animEffect>
+                                  </p:childTnLst>
+                                </p:cTn>
+                              </p:par>
+                            </p:childTnLst>
+                          </p:cTn>
+                        </p:par>
+                      </p:childTnLst>
+                    </p:cTn>
+                  </p:par>
+                  <p:par>
+                    <p:cTn id="28" fill="hold">
+                      <p:stCondLst>
+                        <p:cond delay="indefinite"/>
+                      </p:stCondLst>
+                      <p:childTnLst>
+                        <p:par>
+                          <p:cTn id="29" fill="hold">
+                            <p:stCondLst>
+                              <p:cond delay="0"/>
+                            </p:stCondLst>
+                            <p:childTnLst>
+                              <p:par>
+                                <p:cTn id="30" presetID="3" presetClass="entr" presetSubtype="10" fill="hold" nodeType="clickEffect">
+                                  <p:stCondLst>
+                                    <p:cond delay="0"/>
+                                  </p:stCondLst>
+                                  <p:childTnLst>
+                                    <p:set>
+                                      <p:cBhvr>
+                                        <p:cTn id="31" dur="1" fill="hold">
+                                          <p:stCondLst>
+                                            <p:cond delay="0"/>
+                                          </p:stCondLst>
+                                        </p:cTn>
+                                        <p:tgtEl>
+                                          <p:spTgt spid="4">
+                                            <p:txEl>
+                                              <p:pRg st="9" end="9"/>
+                                            </p:txEl>
+                                          </p:spTgt>
+                                        </p:tgtEl>
+                                        <p:attrNameLst>
+                                          <p:attrName>style.visibility</p:attrName>
+                                        </p:attrNameLst>
+                                      </p:cBhvr>
+                                      <p:to>
+                                        <p:strVal val="visible"/>
+                                      </p:to>
+                                    </p:set>
+                                    <p:animEffect transition="in" filter="blinds(horizontal)">
+                                      <p:cBhvr>
+                                        <p:cTn id="32" dur="500"/>
+                                        <p:tgtEl>
+                                          <p:spTgt spid="4">
+                                            <p:txEl>
+                                              <p:pRg st="9" end="9"/>
+                                            </p:txEl>
+                                          </p:spTgt>
+                                        </p:tgtEl>
+                                      </p:cBhvr>
+                                    </p:animEffect>
+                                  </p:childTnLst>
+                                </p:cTn>
+                              </p:par>
+                            </p:childTnLst>
+                          </p:cTn>
+                        </p:par>
+                      </p:childTnLst>
+                    </p:cTn>
+                  </p:par>
+                  <p:par>
+                    <p:cTn id="33" fill="hold">
+                      <p:stCondLst>
+                        <p:cond delay="indefinite"/>
+                      </p:stCondLst>
+                      <p:childTnLst>
+                        <p:par>
+                          <p:cTn id="34" fill="hold">
+                            <p:stCondLst>
+                              <p:cond delay="0"/>
+                            </p:stCondLst>
+                            <p:childTnLst>
+                              <p:par>
+                                <p:cTn id="35" presetID="3" presetClass="entr" presetSubtype="10" fill="hold" nodeType="clickEffect">
+                                  <p:stCondLst>
+                                    <p:cond delay="0"/>
+                                  </p:stCondLst>
+                                  <p:childTnLst>
+                                    <p:set>
+                                      <p:cBhvr>
+                                        <p:cTn id="36" dur="1" fill="hold">
+                                          <p:stCondLst>
+                                            <p:cond delay="0"/>
+                                          </p:stCondLst>
+                                        </p:cTn>
+                                        <p:tgtEl>
+                                          <p:spTgt spid="4">
+                                            <p:txEl>
+                                              <p:pRg st="10" end="10"/>
+                                            </p:txEl>
+                                          </p:spTgt>
+                                        </p:tgtEl>
+                                        <p:attrNameLst>
+                                          <p:attrName>style.visibility</p:attrName>
+                                        </p:attrNameLst>
+                                      </p:cBhvr>
+                                      <p:to>
+                                        <p:strVal val="visible"/>
+                                      </p:to>
+                                    </p:set>
+                                    <p:animEffect transition="in" filter="blinds(horizontal)">
+                                      <p:cBhvr>
+                                        <p:cTn id="37" dur="500"/>
+                                        <p:tgtEl>
+                                          <p:spTgt spid="4">
+                                            <p:txEl>
+                                              <p:pRg st="10" end="10"/>
+                                            </p:txEl>
+                                          </p:spTgt>
+                                        </p:tgtEl>
+                                      </p:cBhvr>
+                                    </p:animEffect>
+                                  </p:childTnLst>
+                                </p:cTn>
+                              </p:par>
+                            </p:childTnLst>
+                          </p:cTn>
+                        </p:par>
+                      </p:childTnLst>
+                    </p:cTn>
+                  </p:par>
+                  <p:par>
+                    <p:cTn id="38" fill="hold">
+                      <p:stCondLst>
+                        <p:cond delay="indefinite"/>
+                      </p:stCondLst>
+                      <p:childTnLst>
+                        <p:par>
+                          <p:cTn id="39" fill="hold">
+                            <p:stCondLst>
+                              <p:cond delay="0"/>
+                            </p:stCondLst>
+                            <p:childTnLst>
+                              <p:par>
+                                <p:cTn id="40" presetID="3" presetClass="entr" presetSubtype="10" fill="hold" nodeType="clickEffect">
+                                  <p:stCondLst>
+                                    <p:cond delay="0"/>
+                                  </p:stCondLst>
+                                  <p:childTnLst>
+                                    <p:set>
+                                      <p:cBhvr>
+                                        <p:cTn id="41" dur="1" fill="hold">
+                                          <p:stCondLst>
+                                            <p:cond delay="0"/>
+                                          </p:stCondLst>
+                                        </p:cTn>
+                                        <p:tgtEl>
+                                          <p:spTgt spid="4">
+                                            <p:txEl>
+                                              <p:pRg st="3" end="3"/>
+                                            </p:txEl>
+                                          </p:spTgt>
+                                        </p:tgtEl>
+                                        <p:attrNameLst>
+                                          <p:attrName>style.visibility</p:attrName>
+                                        </p:attrNameLst>
+                                      </p:cBhvr>
+                                      <p:to>
+                                        <p:strVal val="visible"/>
+                                      </p:to>
+                                    </p:set>
+                                    <p:animEffect transition="in" filter="blinds(horizontal)">
+                                      <p:cBhvr>
+                                        <p:cTn id="42" dur="500"/>
+                                        <p:tgtEl>
+                                          <p:spTgt spid="4">
+                                            <p:txEl>
+                                              <p:pRg st="3" end="3"/>
+                                            </p:txEl>
+                                          </p:spTgt>
+                                        </p:tgtEl>
+                                      </p:cBhvr>
+                                    </p:animEffect>
+                                  </p:childTnLst>
+                                </p:cTn>
+                              </p:par>
+                            </p:childTnLst>
+                          </p:cTn>
+                        </p:par>
+                      </p:childTnLst>
+                    </p:cTn>
+                  </p:par>
+                  <p:par>
+                    <p:cTn id="43" fill="hold">
+                      <p:stCondLst>
+                        <p:cond delay="indefinite"/>
+                      </p:stCondLst>
+                      <p:childTnLst>
+                        <p:par>
+                          <p:cTn id="44" fill="hold">
+                            <p:stCondLst>
+                              <p:cond delay="0"/>
+                            </p:stCondLst>
+                            <p:childTnLst>
+                              <p:par>
+                                <p:cTn id="45" presetID="3" presetClass="entr" presetSubtype="10" fill="hold" nodeType="clickEffect">
+                                  <p:stCondLst>
+                                    <p:cond delay="0"/>
+                                  </p:stCondLst>
+                                  <p:childTnLst>
+                                    <p:set>
+                                      <p:cBhvr>
+                                        <p:cTn id="46" dur="1" fill="hold">
+                                          <p:stCondLst>
+                                            <p:cond delay="0"/>
+                                          </p:stCondLst>
+                                        </p:cTn>
+                                        <p:tgtEl>
+                                          <p:spTgt spid="4">
+                                            <p:txEl>
+                                              <p:pRg st="4" end="4"/>
+                                            </p:txEl>
+                                          </p:spTgt>
+                                        </p:tgtEl>
+                                        <p:attrNameLst>
+                                          <p:attrName>style.visibility</p:attrName>
+                                        </p:attrNameLst>
+                                      </p:cBhvr>
+                                      <p:to>
+                                        <p:strVal val="visible"/>
+                                      </p:to>
+                                    </p:set>
+                                    <p:animEffect transition="in" filter="blinds(horizontal)">
+                                      <p:cBhvr>
+                                        <p:cTn id="47" dur="500"/>
+                                        <p:tgtEl>
+                                          <p:spTgt spid="4">
+                                            <p:txEl>
+                                              <p:pRg st="4" end="4"/>
+                                            </p:txEl>
+                                          </p:spTgt>
+                                        </p:tgtEl>
+                                      </p:cBhvr>
+                                    </p:animEffect>
+                                  </p:childTnLst>
+                                </p:cTn>
+                              </p:par>
+                            </p:childTnLst>
+                          </p:cTn>
+                        </p:par>
+                      </p:childTnLst>
+                    </p:cTn>
+                  </p:par>
+                  <p:par>
+                    <p:cTn id="48" fill="hold">
+                      <p:stCondLst>
+                        <p:cond delay="indefinite"/>
+                      </p:stCondLst>
+                      <p:childTnLst>
+                        <p:par>
+                          <p:cTn id="49" fill="hold">
+                            <p:stCondLst>
+                              <p:cond delay="0"/>
+                            </p:stCondLst>
+                            <p:childTnLst>
+                              <p:par>
+                                <p:cTn id="50" presetID="3" presetClass="entr" presetSubtype="10" fill="hold" nodeType="clickEffect">
+                                  <p:stCondLst>
+                                    <p:cond delay="0"/>
+                                  </p:stCondLst>
+                                  <p:childTnLst>
+                                    <p:set>
+                                      <p:cBhvr>
+                                        <p:cTn id="51" dur="1" fill="hold">
+                                          <p:stCondLst>
+                                            <p:cond delay="0"/>
+                                          </p:stCondLst>
+                                        </p:cTn>
+                                        <p:tgtEl>
+                                          <p:spTgt spid="4">
+                                            <p:txEl>
+                                              <p:pRg st="5" end="5"/>
+                                            </p:txEl>
+                                          </p:spTgt>
+                                        </p:tgtEl>
+                                        <p:attrNameLst>
+                                          <p:attrName>style.visibility</p:attrName>
+                                        </p:attrNameLst>
+                                      </p:cBhvr>
+                                      <p:to>
+                                        <p:strVal val="visible"/>
+                                      </p:to>
+                                    </p:set>
+                                    <p:animEffect transition="in" filter="blinds(horizontal)">
+                                      <p:cBhvr>
+                                        <p:cTn id="52" dur="500"/>
+                                        <p:tgtEl>
+                                          <p:spTgt spid="4">
+                                            <p:txEl>
+                                              <p:pRg st="5" end="5"/>
+                                            </p:txEl>
+                                          </p:spTgt>
+                                        </p:tgtEl>
+                                      </p:cBhvr>
+                                    </p:animEffect>
+                                  </p:childTnLst>
+                                </p:cTn>
+                              </p:par>
+                            </p:childTnLst>
+                          </p:cTn>
+                        </p:par>
+                      </p:childTnLst>
+                    </p:cTn>
+                  </p:par>
+                  <p:par>
+                    <p:cTn id="53" fill="hold">
+                      <p:stCondLst>
+                        <p:cond delay="indefinite"/>
+                      </p:stCondLst>
+                      <p:childTnLst>
+                        <p:par>
+                          <p:cTn id="54" fill="hold">
+                            <p:stCondLst>
+                              <p:cond delay="0"/>
+                            </p:stCondLst>
+                            <p:childTnLst>
+                              <p:par>
+                                <p:cTn id="55" presetID="3" presetClass="entr" presetSubtype="10" fill="hold" nodeType="clickEffect">
+                                  <p:stCondLst>
+                                    <p:cond delay="0"/>
+                                  </p:stCondLst>
+                                  <p:childTnLst>
+                                    <p:set>
+                                      <p:cBhvr>
+                                        <p:cTn id="56" dur="1" fill="hold">
+                                          <p:stCondLst>
+                                            <p:cond delay="0"/>
+                                          </p:stCondLst>
+                                        </p:cTn>
+                                        <p:tgtEl>
+                                          <p:spTgt spid="4">
+                                            <p:txEl>
+                                              <p:pRg st="1" end="1"/>
+                                            </p:txEl>
+                                          </p:spTgt>
+                                        </p:tgtEl>
+                                        <p:attrNameLst>
+                                          <p:attrName>style.visibility</p:attrName>
+                                        </p:attrNameLst>
+                                      </p:cBhvr>
+                                      <p:to>
+                                        <p:strVal val="visible"/>
+                                      </p:to>
+                                    </p:set>
+                                    <p:animEffect transition="in" filter="blinds(horizontal)">
+                                      <p:cBhvr>
+                                        <p:cTn id="57" dur="500"/>
+                                        <p:tgtEl>
+                                          <p:spTgt spid="4">
+                                            <p:txEl>
+                                              <p:pRg st="1" end="1"/>
                                             </p:txEl>
                                           </p:spTgt>
                                         </p:tgtEl>
@@ -13040,6 +13212,345 @@
           <a:p>
             <a:r>
               <a:rPr lang="en-US" sz="2000" b="1" dirty="0" smtClean="0"/>
+              <a:t>What happens during performance review</a:t>
+            </a:r>
+            <a:endParaRPr lang="en-US" sz="2000" b="1" dirty="0"/>
+          </a:p>
+        </p:txBody>
+      </p:sp>
+      <p:sp>
+        <p:nvSpPr>
+          <p:cNvPr id="4" name="Rectangle 3"/>
+          <p:cNvSpPr>
+            <a:spLocks noGrp="1" noChangeArrowheads="1"/>
+          </p:cNvSpPr>
+          <p:nvPr>
+            <p:ph sz="quarter" idx="1"/>
+          </p:nvPr>
+        </p:nvSpPr>
+        <p:spPr>
+          <a:xfrm>
+            <a:off x="612648" y="1905000"/>
+            <a:ext cx="7693152" cy="4495800"/>
+          </a:xfrm>
+        </p:spPr>
+        <p:txBody>
+          <a:bodyPr>
+            <a:noAutofit/>
+          </a:bodyPr>
+          <a:lstStyle/>
+          <a:p>
+            <a:pPr lvl="0">
+              <a:buFont typeface="Wingdings" pitchFamily="2" charset="2"/>
+              <a:buChar char="ü"/>
+            </a:pPr>
+            <a:r>
+              <a:rPr lang="en-IN" sz="2000" dirty="0" smtClean="0"/>
+              <a:t>Performance review improves employee performance (Myth)</a:t>
+            </a:r>
+          </a:p>
+          <a:p>
+            <a:pPr>
+              <a:buFont typeface="Wingdings" pitchFamily="2" charset="2"/>
+              <a:buChar char="ü"/>
+            </a:pPr>
+            <a:r>
+              <a:rPr lang="en-IN" sz="2000" dirty="0" smtClean="0"/>
+              <a:t>Performance reviews causes deep emotional pain leading to employee disengagement (Conventional way of thinking we didn’t put our expectations clearly will not work . Fight is always between ME &amp; EE)</a:t>
+            </a:r>
+          </a:p>
+          <a:p>
+            <a:pPr lvl="0">
+              <a:buFont typeface="Wingdings" pitchFamily="2" charset="2"/>
+              <a:buChar char="ü"/>
+            </a:pPr>
+            <a:r>
+              <a:rPr lang="en-IN" sz="2000" dirty="0" smtClean="0"/>
+              <a:t>Company will loose talented people if they don’t understand war for talent rules - Pay for performance rules</a:t>
+            </a:r>
+          </a:p>
+          <a:p>
+            <a:pPr lvl="2">
+              <a:buNone/>
+            </a:pPr>
+            <a:endParaRPr lang="en-US" sz="1700" dirty="0" smtClean="0"/>
+          </a:p>
+          <a:p>
+            <a:pPr>
+              <a:buFont typeface="Wingdings" pitchFamily="2" charset="2"/>
+              <a:buChar char="ü"/>
+            </a:pPr>
+            <a:endParaRPr lang="en-US" sz="2000" dirty="0"/>
+          </a:p>
+          <a:p>
+            <a:pPr>
+              <a:buFont typeface="Wingdings" pitchFamily="2" charset="2"/>
+              <a:buChar char="ü"/>
+            </a:pPr>
+            <a:endParaRPr lang="en-US" sz="2000" dirty="0"/>
+          </a:p>
+        </p:txBody>
+      </p:sp>
+    </p:spTree>
+  </p:cSld>
+  <p:clrMapOvr>
+    <a:masterClrMapping/>
+  </p:clrMapOvr>
+  <p:transition spd="slow">
+    <p:wedge/>
+  </p:transition>
+  <p:timing>
+    <p:tnLst>
+      <p:par>
+        <p:cTn id="1" dur="indefinite" restart="never" nodeType="tmRoot">
+          <p:childTnLst>
+            <p:seq concurrent="1" nextAc="seek">
+              <p:cTn id="2" dur="indefinite" nodeType="mainSeq">
+                <p:childTnLst>
+                  <p:par>
+                    <p:cTn id="3" fill="hold">
+                      <p:stCondLst>
+                        <p:cond delay="indefinite"/>
+                      </p:stCondLst>
+                      <p:childTnLst>
+                        <p:par>
+                          <p:cTn id="4" fill="hold">
+                            <p:stCondLst>
+                              <p:cond delay="0"/>
+                            </p:stCondLst>
+                            <p:childTnLst>
+                              <p:par>
+                                <p:cTn id="5" presetID="3" presetClass="entr" presetSubtype="10" fill="hold" nodeType="clickEffect">
+                                  <p:stCondLst>
+                                    <p:cond delay="0"/>
+                                  </p:stCondLst>
+                                  <p:childTnLst>
+                                    <p:set>
+                                      <p:cBhvr>
+                                        <p:cTn id="6" dur="1" fill="hold">
+                                          <p:stCondLst>
+                                            <p:cond delay="0"/>
+                                          </p:stCondLst>
+                                        </p:cTn>
+                                        <p:tgtEl>
+                                          <p:spTgt spid="4">
+                                            <p:txEl>
+                                              <p:pRg st="0" end="0"/>
+                                            </p:txEl>
+                                          </p:spTgt>
+                                        </p:tgtEl>
+                                        <p:attrNameLst>
+                                          <p:attrName>style.visibility</p:attrName>
+                                        </p:attrNameLst>
+                                      </p:cBhvr>
+                                      <p:to>
+                                        <p:strVal val="visible"/>
+                                      </p:to>
+                                    </p:set>
+                                    <p:animEffect transition="in" filter="blinds(horizontal)">
+                                      <p:cBhvr>
+                                        <p:cTn id="7" dur="500"/>
+                                        <p:tgtEl>
+                                          <p:spTgt spid="4">
+                                            <p:txEl>
+                                              <p:pRg st="0" end="0"/>
+                                            </p:txEl>
+                                          </p:spTgt>
+                                        </p:tgtEl>
+                                      </p:cBhvr>
+                                    </p:animEffect>
+                                  </p:childTnLst>
+                                </p:cTn>
+                              </p:par>
+                            </p:childTnLst>
+                          </p:cTn>
+                        </p:par>
+                      </p:childTnLst>
+                    </p:cTn>
+                  </p:par>
+                  <p:par>
+                    <p:cTn id="8" fill="hold">
+                      <p:stCondLst>
+                        <p:cond delay="indefinite"/>
+                      </p:stCondLst>
+                      <p:childTnLst>
+                        <p:par>
+                          <p:cTn id="9" fill="hold">
+                            <p:stCondLst>
+                              <p:cond delay="0"/>
+                            </p:stCondLst>
+                            <p:childTnLst>
+                              <p:par>
+                                <p:cTn id="10" presetID="3" presetClass="entr" presetSubtype="10" fill="hold" nodeType="clickEffect">
+                                  <p:stCondLst>
+                                    <p:cond delay="0"/>
+                                  </p:stCondLst>
+                                  <p:childTnLst>
+                                    <p:set>
+                                      <p:cBhvr>
+                                        <p:cTn id="11" dur="1" fill="hold">
+                                          <p:stCondLst>
+                                            <p:cond delay="0"/>
+                                          </p:stCondLst>
+                                        </p:cTn>
+                                        <p:tgtEl>
+                                          <p:spTgt spid="4">
+                                            <p:txEl>
+                                              <p:pRg st="1" end="1"/>
+                                            </p:txEl>
+                                          </p:spTgt>
+                                        </p:tgtEl>
+                                        <p:attrNameLst>
+                                          <p:attrName>style.visibility</p:attrName>
+                                        </p:attrNameLst>
+                                      </p:cBhvr>
+                                      <p:to>
+                                        <p:strVal val="visible"/>
+                                      </p:to>
+                                    </p:set>
+                                    <p:animEffect transition="in" filter="blinds(horizontal)">
+                                      <p:cBhvr>
+                                        <p:cTn id="12" dur="500"/>
+                                        <p:tgtEl>
+                                          <p:spTgt spid="4">
+                                            <p:txEl>
+                                              <p:pRg st="1" end="1"/>
+                                            </p:txEl>
+                                          </p:spTgt>
+                                        </p:tgtEl>
+                                      </p:cBhvr>
+                                    </p:animEffect>
+                                  </p:childTnLst>
+                                </p:cTn>
+                              </p:par>
+                            </p:childTnLst>
+                          </p:cTn>
+                        </p:par>
+                      </p:childTnLst>
+                    </p:cTn>
+                  </p:par>
+                  <p:par>
+                    <p:cTn id="13" fill="hold">
+                      <p:stCondLst>
+                        <p:cond delay="indefinite"/>
+                      </p:stCondLst>
+                      <p:childTnLst>
+                        <p:par>
+                          <p:cTn id="14" fill="hold">
+                            <p:stCondLst>
+                              <p:cond delay="0"/>
+                            </p:stCondLst>
+                            <p:childTnLst>
+                              <p:par>
+                                <p:cTn id="15" presetID="3" presetClass="entr" presetSubtype="10" fill="hold" nodeType="clickEffect">
+                                  <p:stCondLst>
+                                    <p:cond delay="0"/>
+                                  </p:stCondLst>
+                                  <p:childTnLst>
+                                    <p:set>
+                                      <p:cBhvr>
+                                        <p:cTn id="16" dur="1" fill="hold">
+                                          <p:stCondLst>
+                                            <p:cond delay="0"/>
+                                          </p:stCondLst>
+                                        </p:cTn>
+                                        <p:tgtEl>
+                                          <p:spTgt spid="4">
+                                            <p:txEl>
+                                              <p:pRg st="2" end="2"/>
+                                            </p:txEl>
+                                          </p:spTgt>
+                                        </p:tgtEl>
+                                        <p:attrNameLst>
+                                          <p:attrName>style.visibility</p:attrName>
+                                        </p:attrNameLst>
+                                      </p:cBhvr>
+                                      <p:to>
+                                        <p:strVal val="visible"/>
+                                      </p:to>
+                                    </p:set>
+                                    <p:animEffect transition="in" filter="blinds(horizontal)">
+                                      <p:cBhvr>
+                                        <p:cTn id="17" dur="500"/>
+                                        <p:tgtEl>
+                                          <p:spTgt spid="4">
+                                            <p:txEl>
+                                              <p:pRg st="2" end="2"/>
+                                            </p:txEl>
+                                          </p:spTgt>
+                                        </p:tgtEl>
+                                      </p:cBhvr>
+                                    </p:animEffect>
+                                  </p:childTnLst>
+                                </p:cTn>
+                              </p:par>
+                            </p:childTnLst>
+                          </p:cTn>
+                        </p:par>
+                      </p:childTnLst>
+                    </p:cTn>
+                  </p:par>
+                </p:childTnLst>
+              </p:cTn>
+              <p:prevCondLst>
+                <p:cond evt="onPrev" delay="0">
+                  <p:tgtEl>
+                    <p:sldTgt/>
+                  </p:tgtEl>
+                </p:cond>
+              </p:prevCondLst>
+              <p:nextCondLst>
+                <p:cond evt="onNext" delay="0">
+                  <p:tgtEl>
+                    <p:sldTgt/>
+                  </p:tgtEl>
+                </p:cond>
+              </p:nextCondLst>
+            </p:seq>
+          </p:childTnLst>
+        </p:cTn>
+      </p:par>
+    </p:tnLst>
+  </p:timing>
+</p:sld>
+</file>
+
+<file path=ppt/slides/slide5.xml><?xml version="1.0" encoding="utf-8"?>
+<p:sld xmlns:a="http://schemas.openxmlformats.org/drawingml/2006/main" xmlns:r="http://schemas.openxmlformats.org/officeDocument/2006/relationships" xmlns:p="http://schemas.openxmlformats.org/presentationml/2006/main">
+  <p:cSld>
+    <p:spTree>
+      <p:nvGrpSpPr>
+        <p:cNvPr id="1" name=""/>
+        <p:cNvGrpSpPr/>
+        <p:nvPr/>
+      </p:nvGrpSpPr>
+      <p:grpSpPr>
+        <a:xfrm>
+          <a:off x="0" y="0"/>
+          <a:ext cx="0" cy="0"/>
+          <a:chOff x="0" y="0"/>
+          <a:chExt cx="0" cy="0"/>
+        </a:xfrm>
+      </p:grpSpPr>
+      <p:sp>
+        <p:nvSpPr>
+          <p:cNvPr id="25602" name="Rectangle 2"/>
+          <p:cNvSpPr>
+            <a:spLocks noGrp="1" noChangeArrowheads="1"/>
+          </p:cNvSpPr>
+          <p:nvPr>
+            <p:ph type="title"/>
+          </p:nvPr>
+        </p:nvSpPr>
+        <p:spPr/>
+        <p:txBody>
+          <a:bodyPr>
+            <a:normAutofit/>
+          </a:bodyPr>
+          <a:lstStyle/>
+          <a:p>
+            <a:r>
+              <a:rPr lang="en-US" sz="2000" b="1" dirty="0" smtClean="0"/>
               <a:t>Performance review is a way to improve employee performance - Myth</a:t>
             </a:r>
             <a:endParaRPr lang="en-US" sz="2000" b="1" dirty="0"/>
@@ -13130,7 +13641,7 @@
         </p:nvGraphicFramePr>
         <p:xfrm>
           <a:off x="838200" y="3200400"/>
-          <a:ext cx="7543800" cy="3415142"/>
+          <a:ext cx="7543800" cy="3628502"/>
         </p:xfrm>
         <a:graphic>
           <a:graphicData uri="http://schemas.openxmlformats.org/drawingml/2006/table">
@@ -13682,7 +14193,7 @@
 </p:sld>
 </file>
 
-<file path=ppt/slides/slide5.xml><?xml version="1.0" encoding="utf-8"?>
+<file path=ppt/slides/slide6.xml><?xml version="1.0" encoding="utf-8"?>
 <p:sld xmlns:a="http://schemas.openxmlformats.org/drawingml/2006/main" xmlns:r="http://schemas.openxmlformats.org/officeDocument/2006/relationships" xmlns:p="http://schemas.openxmlformats.org/presentationml/2006/main">
   <p:cSld>
     <p:spTree>
@@ -14112,636 +14623,6 @@
                                           <p:spTgt spid="4">
                                             <p:txEl>
                                               <p:pRg st="4" end="4"/>
-                                            </p:txEl>
-                                          </p:spTgt>
-                                        </p:tgtEl>
-                                      </p:cBhvr>
-                                    </p:animEffect>
-                                  </p:childTnLst>
-                                </p:cTn>
-                              </p:par>
-                            </p:childTnLst>
-                          </p:cTn>
-                        </p:par>
-                      </p:childTnLst>
-                    </p:cTn>
-                  </p:par>
-                </p:childTnLst>
-              </p:cTn>
-              <p:prevCondLst>
-                <p:cond evt="onPrev" delay="0">
-                  <p:tgtEl>
-                    <p:sldTgt/>
-                  </p:tgtEl>
-                </p:cond>
-              </p:prevCondLst>
-              <p:nextCondLst>
-                <p:cond evt="onNext" delay="0">
-                  <p:tgtEl>
-                    <p:sldTgt/>
-                  </p:tgtEl>
-                </p:cond>
-              </p:nextCondLst>
-            </p:seq>
-          </p:childTnLst>
-        </p:cTn>
-      </p:par>
-    </p:tnLst>
-  </p:timing>
-</p:sld>
-</file>
-
-<file path=ppt/slides/slide6.xml><?xml version="1.0" encoding="utf-8"?>
-<p:sld xmlns:a="http://schemas.openxmlformats.org/drawingml/2006/main" xmlns:r="http://schemas.openxmlformats.org/officeDocument/2006/relationships" xmlns:p="http://schemas.openxmlformats.org/presentationml/2006/main">
-  <p:cSld>
-    <p:spTree>
-      <p:nvGrpSpPr>
-        <p:cNvPr id="1" name=""/>
-        <p:cNvGrpSpPr/>
-        <p:nvPr/>
-      </p:nvGrpSpPr>
-      <p:grpSpPr>
-        <a:xfrm>
-          <a:off x="0" y="0"/>
-          <a:ext cx="0" cy="0"/>
-          <a:chOff x="0" y="0"/>
-          <a:chExt cx="0" cy="0"/>
-        </a:xfrm>
-      </p:grpSpPr>
-      <p:sp>
-        <p:nvSpPr>
-          <p:cNvPr id="25602" name="Rectangle 2"/>
-          <p:cNvSpPr>
-            <a:spLocks noGrp="1" noChangeArrowheads="1"/>
-          </p:cNvSpPr>
-          <p:nvPr>
-            <p:ph type="title"/>
-          </p:nvPr>
-        </p:nvSpPr>
-        <p:spPr/>
-        <p:txBody>
-          <a:bodyPr>
-            <a:normAutofit/>
-          </a:bodyPr>
-          <a:lstStyle/>
-          <a:p>
-            <a:r>
-              <a:rPr lang="en-US" sz="2000" b="1" dirty="0" smtClean="0"/>
-              <a:t>If performance is not improved then why performance reviews ?</a:t>
-            </a:r>
-            <a:endParaRPr lang="en-US" sz="2000" b="1" dirty="0"/>
-          </a:p>
-        </p:txBody>
-      </p:sp>
-      <p:sp>
-        <p:nvSpPr>
-          <p:cNvPr id="4" name="Rectangle 3"/>
-          <p:cNvSpPr>
-            <a:spLocks noGrp="1" noChangeArrowheads="1"/>
-          </p:cNvSpPr>
-          <p:nvPr>
-            <p:ph sz="quarter" idx="1"/>
-          </p:nvPr>
-        </p:nvSpPr>
-        <p:spPr>
-          <a:xfrm>
-            <a:off x="612648" y="1600200"/>
-            <a:ext cx="7693152" cy="5029200"/>
-          </a:xfrm>
-        </p:spPr>
-        <p:txBody>
-          <a:bodyPr>
-            <a:noAutofit/>
-          </a:bodyPr>
-          <a:lstStyle/>
-          <a:p>
-            <a:pPr>
-              <a:buFont typeface="Wingdings" pitchFamily="2" charset="2"/>
-              <a:buChar char="ü"/>
-            </a:pPr>
-            <a:r>
-              <a:rPr lang="en-US" sz="2000" dirty="0" smtClean="0"/>
-              <a:t>To obey workforce rule – Eliminating poor performers</a:t>
-            </a:r>
-          </a:p>
-          <a:p>
-            <a:pPr>
-              <a:buFont typeface="Wingdings" pitchFamily="2" charset="2"/>
-              <a:buChar char="ü"/>
-            </a:pPr>
-            <a:r>
-              <a:rPr lang="en-US" sz="2000" dirty="0" smtClean="0"/>
-              <a:t>Distributing salary (Obeying pay for performance rule)</a:t>
-            </a:r>
-          </a:p>
-          <a:p>
-            <a:pPr>
-              <a:buFont typeface="Wingdings" pitchFamily="2" charset="2"/>
-              <a:buChar char="ü"/>
-            </a:pPr>
-            <a:r>
-              <a:rPr lang="en-US" sz="2000" dirty="0" smtClean="0"/>
-              <a:t>Can we do this without appraisal system ?</a:t>
-            </a:r>
-          </a:p>
-          <a:p>
-            <a:pPr>
-              <a:buFont typeface="Wingdings" pitchFamily="2" charset="2"/>
-              <a:buChar char="ü"/>
-            </a:pPr>
-            <a:endParaRPr lang="en-US" sz="2000" dirty="0" smtClean="0"/>
-          </a:p>
-          <a:p>
-            <a:pPr>
-              <a:buFont typeface="Wingdings" pitchFamily="2" charset="2"/>
-              <a:buChar char="ü"/>
-            </a:pPr>
-            <a:r>
-              <a:rPr lang="en-US" sz="2000" b="1" dirty="0" smtClean="0"/>
-              <a:t>Conclusion :</a:t>
-            </a:r>
-          </a:p>
-          <a:p>
-            <a:pPr lvl="1">
-              <a:buFont typeface="Wingdings" pitchFamily="2" charset="2"/>
-              <a:buChar char="ü"/>
-            </a:pPr>
-            <a:r>
-              <a:rPr lang="en-US" sz="1700" dirty="0" smtClean="0"/>
-              <a:t>Performance review will not increase performance of an employee . If you want to increase performance focus on Feedback cycles</a:t>
-            </a:r>
-          </a:p>
-          <a:p>
-            <a:pPr lvl="1">
-              <a:buFont typeface="Wingdings" pitchFamily="2" charset="2"/>
-              <a:buChar char="ü"/>
-            </a:pPr>
-            <a:r>
-              <a:rPr lang="en-US" sz="1700" dirty="0" smtClean="0"/>
-              <a:t>Performance reviews are still required to eliminate poor performers and distribute salary</a:t>
-            </a:r>
-          </a:p>
-          <a:p>
-            <a:pPr lvl="1">
-              <a:buFont typeface="Wingdings" pitchFamily="2" charset="2"/>
-              <a:buChar char="ü"/>
-            </a:pPr>
-            <a:r>
-              <a:rPr lang="en-US" sz="1700" dirty="0" smtClean="0"/>
-              <a:t>Focus on eliminating emotional pain associated with performance review (Rating and Salary)</a:t>
-            </a:r>
-          </a:p>
-          <a:p>
-            <a:pPr lvl="1">
-              <a:buFont typeface="Wingdings" pitchFamily="2" charset="2"/>
-              <a:buChar char="ü"/>
-            </a:pPr>
-            <a:endParaRPr lang="en-US" sz="1700" dirty="0" smtClean="0"/>
-          </a:p>
-          <a:p>
-            <a:pPr lvl="1">
-              <a:buNone/>
-            </a:pPr>
-            <a:endParaRPr lang="en-US" sz="2000" dirty="0"/>
-          </a:p>
-          <a:p>
-            <a:pPr>
-              <a:buFont typeface="Wingdings" pitchFamily="2" charset="2"/>
-              <a:buChar char="ü"/>
-            </a:pPr>
-            <a:endParaRPr lang="en-US" sz="2000" dirty="0"/>
-          </a:p>
-        </p:txBody>
-      </p:sp>
-    </p:spTree>
-  </p:cSld>
-  <p:clrMapOvr>
-    <a:masterClrMapping/>
-  </p:clrMapOvr>
-  <p:transition spd="slow">
-    <p:wedge/>
-  </p:transition>
-  <p:timing>
-    <p:tnLst>
-      <p:par>
-        <p:cTn id="1" dur="indefinite" restart="never" nodeType="tmRoot">
-          <p:childTnLst>
-            <p:seq concurrent="1" nextAc="seek">
-              <p:cTn id="2" dur="indefinite" nodeType="mainSeq">
-                <p:childTnLst>
-                  <p:par>
-                    <p:cTn id="3" fill="hold">
-                      <p:stCondLst>
-                        <p:cond delay="indefinite"/>
-                      </p:stCondLst>
-                      <p:childTnLst>
-                        <p:par>
-                          <p:cTn id="4" fill="hold">
-                            <p:stCondLst>
-                              <p:cond delay="0"/>
-                            </p:stCondLst>
-                            <p:childTnLst>
-                              <p:par>
-                                <p:cTn id="5" presetID="3" presetClass="entr" presetSubtype="10" fill="hold" nodeType="clickEffect">
-                                  <p:stCondLst>
-                                    <p:cond delay="0"/>
-                                  </p:stCondLst>
-                                  <p:childTnLst>
-                                    <p:set>
-                                      <p:cBhvr>
-                                        <p:cTn id="6" dur="1" fill="hold">
-                                          <p:stCondLst>
-                                            <p:cond delay="0"/>
-                                          </p:stCondLst>
-                                        </p:cTn>
-                                        <p:tgtEl>
-                                          <p:spTgt spid="4">
-                                            <p:txEl>
-                                              <p:pRg st="0" end="0"/>
-                                            </p:txEl>
-                                          </p:spTgt>
-                                        </p:tgtEl>
-                                        <p:attrNameLst>
-                                          <p:attrName>style.visibility</p:attrName>
-                                        </p:attrNameLst>
-                                      </p:cBhvr>
-                                      <p:to>
-                                        <p:strVal val="visible"/>
-                                      </p:to>
-                                    </p:set>
-                                    <p:animEffect transition="in" filter="blinds(horizontal)">
-                                      <p:cBhvr>
-                                        <p:cTn id="7" dur="500"/>
-                                        <p:tgtEl>
-                                          <p:spTgt spid="4">
-                                            <p:txEl>
-                                              <p:pRg st="0" end="0"/>
-                                            </p:txEl>
-                                          </p:spTgt>
-                                        </p:tgtEl>
-                                      </p:cBhvr>
-                                    </p:animEffect>
-                                  </p:childTnLst>
-                                </p:cTn>
-                              </p:par>
-                            </p:childTnLst>
-                          </p:cTn>
-                        </p:par>
-                      </p:childTnLst>
-                    </p:cTn>
-                  </p:par>
-                  <p:par>
-                    <p:cTn id="8" fill="hold">
-                      <p:stCondLst>
-                        <p:cond delay="indefinite"/>
-                      </p:stCondLst>
-                      <p:childTnLst>
-                        <p:par>
-                          <p:cTn id="9" fill="hold">
-                            <p:stCondLst>
-                              <p:cond delay="0"/>
-                            </p:stCondLst>
-                            <p:childTnLst>
-                              <p:par>
-                                <p:cTn id="10" presetID="3" presetClass="entr" presetSubtype="10" fill="hold" nodeType="clickEffect">
-                                  <p:stCondLst>
-                                    <p:cond delay="0"/>
-                                  </p:stCondLst>
-                                  <p:childTnLst>
-                                    <p:set>
-                                      <p:cBhvr>
-                                        <p:cTn id="11" dur="1" fill="hold">
-                                          <p:stCondLst>
-                                            <p:cond delay="0"/>
-                                          </p:stCondLst>
-                                        </p:cTn>
-                                        <p:tgtEl>
-                                          <p:spTgt spid="4">
-                                            <p:txEl>
-                                              <p:pRg st="1" end="1"/>
-                                            </p:txEl>
-                                          </p:spTgt>
-                                        </p:tgtEl>
-                                        <p:attrNameLst>
-                                          <p:attrName>style.visibility</p:attrName>
-                                        </p:attrNameLst>
-                                      </p:cBhvr>
-                                      <p:to>
-                                        <p:strVal val="visible"/>
-                                      </p:to>
-                                    </p:set>
-                                    <p:animEffect transition="in" filter="blinds(horizontal)">
-                                      <p:cBhvr>
-                                        <p:cTn id="12" dur="500"/>
-                                        <p:tgtEl>
-                                          <p:spTgt spid="4">
-                                            <p:txEl>
-                                              <p:pRg st="1" end="1"/>
-                                            </p:txEl>
-                                          </p:spTgt>
-                                        </p:tgtEl>
-                                      </p:cBhvr>
-                                    </p:animEffect>
-                                  </p:childTnLst>
-                                </p:cTn>
-                              </p:par>
-                            </p:childTnLst>
-                          </p:cTn>
-                        </p:par>
-                      </p:childTnLst>
-                    </p:cTn>
-                  </p:par>
-                  <p:par>
-                    <p:cTn id="13" fill="hold">
-                      <p:stCondLst>
-                        <p:cond delay="indefinite"/>
-                      </p:stCondLst>
-                      <p:childTnLst>
-                        <p:par>
-                          <p:cTn id="14" fill="hold">
-                            <p:stCondLst>
-                              <p:cond delay="0"/>
-                            </p:stCondLst>
-                            <p:childTnLst>
-                              <p:par>
-                                <p:cTn id="15" presetID="3" presetClass="entr" presetSubtype="10" fill="hold" nodeType="clickEffect">
-                                  <p:stCondLst>
-                                    <p:cond delay="0"/>
-                                  </p:stCondLst>
-                                  <p:childTnLst>
-                                    <p:set>
-                                      <p:cBhvr>
-                                        <p:cTn id="16" dur="1" fill="hold">
-                                          <p:stCondLst>
-                                            <p:cond delay="0"/>
-                                          </p:stCondLst>
-                                        </p:cTn>
-                                        <p:tgtEl>
-                                          <p:spTgt spid="4">
-                                            <p:txEl>
-                                              <p:pRg st="2" end="2"/>
-                                            </p:txEl>
-                                          </p:spTgt>
-                                        </p:tgtEl>
-                                        <p:attrNameLst>
-                                          <p:attrName>style.visibility</p:attrName>
-                                        </p:attrNameLst>
-                                      </p:cBhvr>
-                                      <p:to>
-                                        <p:strVal val="visible"/>
-                                      </p:to>
-                                    </p:set>
-                                    <p:animEffect transition="in" filter="blinds(horizontal)">
-                                      <p:cBhvr>
-                                        <p:cTn id="17" dur="500"/>
-                                        <p:tgtEl>
-                                          <p:spTgt spid="4">
-                                            <p:txEl>
-                                              <p:pRg st="2" end="2"/>
-                                            </p:txEl>
-                                          </p:spTgt>
-                                        </p:tgtEl>
-                                      </p:cBhvr>
-                                    </p:animEffect>
-                                  </p:childTnLst>
-                                </p:cTn>
-                              </p:par>
-                            </p:childTnLst>
-                          </p:cTn>
-                        </p:par>
-                      </p:childTnLst>
-                    </p:cTn>
-                  </p:par>
-                  <p:par>
-                    <p:cTn id="18" fill="hold">
-                      <p:stCondLst>
-                        <p:cond delay="indefinite"/>
-                      </p:stCondLst>
-                      <p:childTnLst>
-                        <p:par>
-                          <p:cTn id="19" fill="hold">
-                            <p:stCondLst>
-                              <p:cond delay="0"/>
-                            </p:stCondLst>
-                            <p:childTnLst>
-                              <p:par>
-                                <p:cTn id="20" presetID="3" presetClass="entr" presetSubtype="10" fill="hold" nodeType="clickEffect">
-                                  <p:stCondLst>
-                                    <p:cond delay="0"/>
-                                  </p:stCondLst>
-                                  <p:childTnLst>
-                                    <p:set>
-                                      <p:cBhvr>
-                                        <p:cTn id="21" dur="1" fill="hold">
-                                          <p:stCondLst>
-                                            <p:cond delay="0"/>
-                                          </p:stCondLst>
-                                        </p:cTn>
-                                        <p:tgtEl>
-                                          <p:spTgt spid="4">
-                                            <p:txEl>
-                                              <p:pRg st="4" end="4"/>
-                                            </p:txEl>
-                                          </p:spTgt>
-                                        </p:tgtEl>
-                                        <p:attrNameLst>
-                                          <p:attrName>style.visibility</p:attrName>
-                                        </p:attrNameLst>
-                                      </p:cBhvr>
-                                      <p:to>
-                                        <p:strVal val="visible"/>
-                                      </p:to>
-                                    </p:set>
-                                    <p:animEffect transition="in" filter="blinds(horizontal)">
-                                      <p:cBhvr>
-                                        <p:cTn id="22" dur="500"/>
-                                        <p:tgtEl>
-                                          <p:spTgt spid="4">
-                                            <p:txEl>
-                                              <p:pRg st="4" end="4"/>
-                                            </p:txEl>
-                                          </p:spTgt>
-                                        </p:tgtEl>
-                                      </p:cBhvr>
-                                    </p:animEffect>
-                                  </p:childTnLst>
-                                </p:cTn>
-                              </p:par>
-                            </p:childTnLst>
-                          </p:cTn>
-                        </p:par>
-                      </p:childTnLst>
-                    </p:cTn>
-                  </p:par>
-                  <p:par>
-                    <p:cTn id="23" fill="hold">
-                      <p:stCondLst>
-                        <p:cond delay="indefinite"/>
-                      </p:stCondLst>
-                      <p:childTnLst>
-                        <p:par>
-                          <p:cTn id="24" fill="hold">
-                            <p:stCondLst>
-                              <p:cond delay="0"/>
-                            </p:stCondLst>
-                            <p:childTnLst>
-                              <p:par>
-                                <p:cTn id="25" presetID="3" presetClass="entr" presetSubtype="10" fill="hold" nodeType="clickEffect">
-                                  <p:stCondLst>
-                                    <p:cond delay="0"/>
-                                  </p:stCondLst>
-                                  <p:childTnLst>
-                                    <p:set>
-                                      <p:cBhvr>
-                                        <p:cTn id="26" dur="1" fill="hold">
-                                          <p:stCondLst>
-                                            <p:cond delay="0"/>
-                                          </p:stCondLst>
-                                        </p:cTn>
-                                        <p:tgtEl>
-                                          <p:spTgt spid="4">
-                                            <p:txEl>
-                                              <p:pRg st="5" end="5"/>
-                                            </p:txEl>
-                                          </p:spTgt>
-                                        </p:tgtEl>
-                                        <p:attrNameLst>
-                                          <p:attrName>style.visibility</p:attrName>
-                                        </p:attrNameLst>
-                                      </p:cBhvr>
-                                      <p:to>
-                                        <p:strVal val="visible"/>
-                                      </p:to>
-                                    </p:set>
-                                    <p:animEffect transition="in" filter="blinds(horizontal)">
-                                      <p:cBhvr>
-                                        <p:cTn id="27" dur="500"/>
-                                        <p:tgtEl>
-                                          <p:spTgt spid="4">
-                                            <p:txEl>
-                                              <p:pRg st="5" end="5"/>
-                                            </p:txEl>
-                                          </p:spTgt>
-                                        </p:tgtEl>
-                                      </p:cBhvr>
-                                    </p:animEffect>
-                                  </p:childTnLst>
-                                </p:cTn>
-                              </p:par>
-                            </p:childTnLst>
-                          </p:cTn>
-                        </p:par>
-                      </p:childTnLst>
-                    </p:cTn>
-                  </p:par>
-                  <p:par>
-                    <p:cTn id="28" fill="hold">
-                      <p:stCondLst>
-                        <p:cond delay="indefinite"/>
-                      </p:stCondLst>
-                      <p:childTnLst>
-                        <p:par>
-                          <p:cTn id="29" fill="hold">
-                            <p:stCondLst>
-                              <p:cond delay="0"/>
-                            </p:stCondLst>
-                            <p:childTnLst>
-                              <p:par>
-                                <p:cTn id="30" presetID="3" presetClass="entr" presetSubtype="10" fill="hold" nodeType="clickEffect">
-                                  <p:stCondLst>
-                                    <p:cond delay="0"/>
-                                  </p:stCondLst>
-                                  <p:childTnLst>
-                                    <p:set>
-                                      <p:cBhvr>
-                                        <p:cTn id="31" dur="1" fill="hold">
-                                          <p:stCondLst>
-                                            <p:cond delay="0"/>
-                                          </p:stCondLst>
-                                        </p:cTn>
-                                        <p:tgtEl>
-                                          <p:spTgt spid="4">
-                                            <p:txEl>
-                                              <p:pRg st="6" end="6"/>
-                                            </p:txEl>
-                                          </p:spTgt>
-                                        </p:tgtEl>
-                                        <p:attrNameLst>
-                                          <p:attrName>style.visibility</p:attrName>
-                                        </p:attrNameLst>
-                                      </p:cBhvr>
-                                      <p:to>
-                                        <p:strVal val="visible"/>
-                                      </p:to>
-                                    </p:set>
-                                    <p:animEffect transition="in" filter="blinds(horizontal)">
-                                      <p:cBhvr>
-                                        <p:cTn id="32" dur="500"/>
-                                        <p:tgtEl>
-                                          <p:spTgt spid="4">
-                                            <p:txEl>
-                                              <p:pRg st="6" end="6"/>
-                                            </p:txEl>
-                                          </p:spTgt>
-                                        </p:tgtEl>
-                                      </p:cBhvr>
-                                    </p:animEffect>
-                                  </p:childTnLst>
-                                </p:cTn>
-                              </p:par>
-                            </p:childTnLst>
-                          </p:cTn>
-                        </p:par>
-                      </p:childTnLst>
-                    </p:cTn>
-                  </p:par>
-                  <p:par>
-                    <p:cTn id="33" fill="hold">
-                      <p:stCondLst>
-                        <p:cond delay="indefinite"/>
-                      </p:stCondLst>
-                      <p:childTnLst>
-                        <p:par>
-                          <p:cTn id="34" fill="hold">
-                            <p:stCondLst>
-                              <p:cond delay="0"/>
-                            </p:stCondLst>
-                            <p:childTnLst>
-                              <p:par>
-                                <p:cTn id="35" presetID="3" presetClass="entr" presetSubtype="10" fill="hold" nodeType="clickEffect">
-                                  <p:stCondLst>
-                                    <p:cond delay="0"/>
-                                  </p:stCondLst>
-                                  <p:childTnLst>
-                                    <p:set>
-                                      <p:cBhvr>
-                                        <p:cTn id="36" dur="1" fill="hold">
-                                          <p:stCondLst>
-                                            <p:cond delay="0"/>
-                                          </p:stCondLst>
-                                        </p:cTn>
-                                        <p:tgtEl>
-                                          <p:spTgt spid="4">
-                                            <p:txEl>
-                                              <p:pRg st="7" end="7"/>
-                                            </p:txEl>
-                                          </p:spTgt>
-                                        </p:tgtEl>
-                                        <p:attrNameLst>
-                                          <p:attrName>style.visibility</p:attrName>
-                                        </p:attrNameLst>
-                                      </p:cBhvr>
-                                      <p:to>
-                                        <p:strVal val="visible"/>
-                                      </p:to>
-                                    </p:set>
-                                    <p:animEffect transition="in" filter="blinds(horizontal)">
-                                      <p:cBhvr>
-                                        <p:cTn id="37" dur="500"/>
-                                        <p:tgtEl>
-                                          <p:spTgt spid="4">
-                                            <p:txEl>
-                                              <p:pRg st="7" end="7"/>
                                             </p:txEl>
                                           </p:spTgt>
                                         </p:tgtEl>
@@ -14817,7 +14698,7 @@
           <a:p>
             <a:r>
               <a:rPr lang="en-US" sz="2000" b="1" dirty="0" smtClean="0"/>
-              <a:t>Emotional pain with performance review</a:t>
+              <a:t>If performance is not improved then why performance reviews ?</a:t>
             </a:r>
             <a:endParaRPr lang="en-US" sz="2000" b="1" dirty="0"/>
           </a:p>
@@ -14851,7 +14732,7 @@
             </a:pPr>
             <a:r>
               <a:rPr lang="en-US" sz="2000" dirty="0" smtClean="0"/>
-              <a:t>Biggest debate is always between ME &amp; EE . In all other cases we don’t have any issues</a:t>
+              <a:t>To obey workforce rule – Eliminating poor performers</a:t>
             </a:r>
           </a:p>
           <a:p>
@@ -14861,7 +14742,34 @@
             </a:pPr>
             <a:r>
               <a:rPr lang="en-US" sz="2000" dirty="0" smtClean="0"/>
-              <a:t>Why there is always a debate between ME &amp; EE</a:t>
+              <a:t>Distributing salary (Obeying pay for performance rule)</a:t>
+            </a:r>
+          </a:p>
+          <a:p>
+            <a:pPr>
+              <a:buFont typeface="Wingdings" pitchFamily="2" charset="2"/>
+              <a:buChar char="ü"/>
+            </a:pPr>
+            <a:r>
+              <a:rPr lang="en-US" sz="2000" dirty="0" smtClean="0"/>
+              <a:t>Can we do this without appraisal system ?</a:t>
+            </a:r>
+          </a:p>
+          <a:p>
+            <a:pPr>
+              <a:buFont typeface="Wingdings" pitchFamily="2" charset="2"/>
+              <a:buChar char="ü"/>
+            </a:pPr>
+            <a:endParaRPr lang="en-US" sz="2000" dirty="0" smtClean="0"/>
+          </a:p>
+          <a:p>
+            <a:pPr>
+              <a:buFont typeface="Wingdings" pitchFamily="2" charset="2"/>
+              <a:buChar char="ü"/>
+            </a:pPr>
+            <a:r>
+              <a:rPr lang="en-US" sz="2000" b="1" dirty="0" smtClean="0"/>
+              <a:t>Conclusion :</a:t>
             </a:r>
           </a:p>
           <a:p>
@@ -14871,7 +14779,7 @@
             </a:pPr>
             <a:r>
               <a:rPr lang="en-US" sz="1700" dirty="0" smtClean="0"/>
-              <a:t>Are managers incompetent ?</a:t>
+              <a:t>Performance review will not increase performance of an employee . If you want to increase performance focus on Feedback cycles</a:t>
             </a:r>
           </a:p>
           <a:p>
@@ -14881,7 +14789,7 @@
             </a:pPr>
             <a:r>
               <a:rPr lang="en-US" sz="1700" dirty="0" smtClean="0"/>
-              <a:t>Are we failing because we don’t have tools to measure ?</a:t>
+              <a:t>Performance reviews are still required to eliminate poor performers and distribute salary</a:t>
             </a:r>
           </a:p>
           <a:p>
@@ -14891,7 +14799,7 @@
             </a:pPr>
             <a:r>
               <a:rPr lang="en-US" sz="1700" dirty="0" smtClean="0"/>
-              <a:t>Reality : Research has shown that there is nothing like ME &amp; EE in work force . It is only a myth that we have ME and EE workers in work environment .</a:t>
+              <a:t>Focus on eliminating emotional pain associated with performance review (Rating and Salary)</a:t>
             </a:r>
           </a:p>
           <a:p>
@@ -14899,22 +14807,18 @@
               <a:buFont typeface="Wingdings" pitchFamily="2" charset="2"/>
               <a:buChar char="ü"/>
             </a:pPr>
-            <a:r>
-              <a:rPr lang="en-US" sz="1700" dirty="0" smtClean="0"/>
-              <a:t>Let us do a deep dive into understanding types of performers in work force before we start categorizing them into buckets</a:t>
-            </a:r>
-            <a:endParaRPr lang="en-US" sz="1600" dirty="0" smtClean="0"/>
-          </a:p>
-          <a:p>
-            <a:pPr lvl="2">
+            <a:endParaRPr lang="en-US" sz="1700" dirty="0" smtClean="0"/>
+          </a:p>
+          <a:p>
+            <a:pPr lvl="1">
+              <a:buNone/>
+            </a:pPr>
+            <a:endParaRPr lang="en-US" sz="2000" dirty="0"/>
+          </a:p>
+          <a:p>
+            <a:pPr>
               <a:buFont typeface="Wingdings" pitchFamily="2" charset="2"/>
               <a:buChar char="ü"/>
-            </a:pPr>
-            <a:endParaRPr lang="en-US" sz="1600" dirty="0" smtClean="0"/>
-          </a:p>
-          <a:p>
-            <a:pPr lvl="2">
-              <a:buNone/>
             </a:pPr>
             <a:endParaRPr lang="en-US" sz="2000" dirty="0"/>
           </a:p>
@@ -15147,7 +15051,7 @@
                                         <p:tgtEl>
                                           <p:spTgt spid="4">
                                             <p:txEl>
-                                              <p:pRg st="3" end="3"/>
+                                              <p:pRg st="4" end="4"/>
                                             </p:txEl>
                                           </p:spTgt>
                                         </p:tgtEl>
@@ -15165,7 +15069,7 @@
                                         <p:tgtEl>
                                           <p:spTgt spid="4">
                                             <p:txEl>
-                                              <p:pRg st="3" end="3"/>
+                                              <p:pRg st="4" end="4"/>
                                             </p:txEl>
                                           </p:spTgt>
                                         </p:tgtEl>
@@ -15208,7 +15112,7 @@
                                         <p:tgtEl>
                                           <p:spTgt spid="4">
                                             <p:txEl>
-                                              <p:pRg st="4" end="4"/>
+                                              <p:pRg st="5" end="5"/>
                                             </p:txEl>
                                           </p:spTgt>
                                         </p:tgtEl>
@@ -15226,7 +15130,7 @@
                                         <p:tgtEl>
                                           <p:spTgt spid="4">
                                             <p:txEl>
-                                              <p:pRg st="4" end="4"/>
+                                              <p:pRg st="5" end="5"/>
                                             </p:txEl>
                                           </p:spTgt>
                                         </p:tgtEl>
@@ -15269,7 +15173,7 @@
                                         <p:tgtEl>
                                           <p:spTgt spid="4">
                                             <p:txEl>
-                                              <p:pRg st="5" end="5"/>
+                                              <p:pRg st="6" end="6"/>
                                             </p:txEl>
                                           </p:spTgt>
                                         </p:tgtEl>
@@ -15287,7 +15191,68 @@
                                         <p:tgtEl>
                                           <p:spTgt spid="4">
                                             <p:txEl>
-                                              <p:pRg st="5" end="5"/>
+                                              <p:pRg st="6" end="6"/>
+                                            </p:txEl>
+                                          </p:spTgt>
+                                        </p:tgtEl>
+                                      </p:cBhvr>
+                                    </p:animEffect>
+                                  </p:childTnLst>
+                                </p:cTn>
+                              </p:par>
+                            </p:childTnLst>
+                          </p:cTn>
+                        </p:par>
+                      </p:childTnLst>
+                    </p:cTn>
+                  </p:par>
+                  <p:par>
+                    <p:cTn id="33" fill="hold">
+                      <p:stCondLst>
+                        <p:cond delay="indefinite"/>
+                      </p:stCondLst>
+                      <p:childTnLst>
+                        <p:par>
+                          <p:cTn id="34" fill="hold">
+                            <p:stCondLst>
+                              <p:cond delay="0"/>
+                            </p:stCondLst>
+                            <p:childTnLst>
+                              <p:par>
+                                <p:cTn id="35" presetID="3" presetClass="entr" presetSubtype="10" fill="hold" nodeType="clickEffect">
+                                  <p:stCondLst>
+                                    <p:cond delay="0"/>
+                                  </p:stCondLst>
+                                  <p:childTnLst>
+                                    <p:set>
+                                      <p:cBhvr>
+                                        <p:cTn id="36" dur="1" fill="hold">
+                                          <p:stCondLst>
+                                            <p:cond delay="0"/>
+                                          </p:stCondLst>
+                                        </p:cTn>
+                                        <p:tgtEl>
+                                          <p:spTgt spid="4">
+                                            <p:txEl>
+                                              <p:pRg st="7" end="7"/>
+                                            </p:txEl>
+                                          </p:spTgt>
+                                        </p:tgtEl>
+                                        <p:attrNameLst>
+                                          <p:attrName>style.visibility</p:attrName>
+                                        </p:attrNameLst>
+                                      </p:cBhvr>
+                                      <p:to>
+                                        <p:strVal val="visible"/>
+                                      </p:to>
+                                    </p:set>
+                                    <p:animEffect transition="in" filter="blinds(horizontal)">
+                                      <p:cBhvr>
+                                        <p:cTn id="37" dur="500"/>
+                                        <p:tgtEl>
+                                          <p:spTgt spid="4">
+                                            <p:txEl>
+                                              <p:pRg st="7" end="7"/>
                                             </p:txEl>
                                           </p:spTgt>
                                         </p:tgtEl>
@@ -15909,7 +15874,7 @@
           <a:p>
             <a:r>
               <a:rPr lang="en-US" sz="2000" b="1" dirty="0" smtClean="0"/>
-              <a:t>Types of performers in work force</a:t>
+              <a:t>Emotional pain with performance review</a:t>
             </a:r>
             <a:endParaRPr lang="en-US" sz="2000" b="1" dirty="0"/>
           </a:p>
@@ -15943,7 +15908,7 @@
             </a:pPr>
             <a:r>
               <a:rPr lang="en-US" sz="2000" dirty="0" smtClean="0"/>
-              <a:t>Myth : Performance follows bell curve – EX , EE , ME , MME , DE </a:t>
+              <a:t>Biggest debate is always between ME &amp; EE . In all other cases we don’t have any issues</a:t>
             </a:r>
           </a:p>
           <a:p>
@@ -15953,24 +15918,48 @@
             </a:pPr>
             <a:r>
               <a:rPr lang="en-US" sz="2000" dirty="0" smtClean="0"/>
-              <a:t>Research : There are only three types of performers – Hyper performers , Good Performers and Poor performers . This is called power law curve . </a:t>
-            </a:r>
-          </a:p>
-          <a:p>
-            <a:pPr>
+              <a:t>Why there is always a debate between ME &amp; EE</a:t>
+            </a:r>
+          </a:p>
+          <a:p>
+            <a:pPr lvl="1">
               <a:buFont typeface="Wingdings" pitchFamily="2" charset="2"/>
               <a:buChar char="ü"/>
             </a:pPr>
             <a:r>
-              <a:rPr lang="en-US" sz="2000" dirty="0" smtClean="0"/>
-              <a:t>Let us do a deep dive on power law curve and then evaluate prokarma workforce against it. </a:t>
-            </a:r>
-          </a:p>
-          <a:p>
-            <a:pPr>
+              <a:rPr lang="en-US" sz="1700" dirty="0" smtClean="0"/>
+              <a:t>Are managers incompetent ?</a:t>
+            </a:r>
+          </a:p>
+          <a:p>
+            <a:pPr lvl="1">
               <a:buFont typeface="Wingdings" pitchFamily="2" charset="2"/>
               <a:buChar char="ü"/>
             </a:pPr>
+            <a:r>
+              <a:rPr lang="en-US" sz="1700" dirty="0" smtClean="0"/>
+              <a:t>Are we failing because we don’t have tools to measure ?</a:t>
+            </a:r>
+          </a:p>
+          <a:p>
+            <a:pPr lvl="1">
+              <a:buFont typeface="Wingdings" pitchFamily="2" charset="2"/>
+              <a:buChar char="ü"/>
+            </a:pPr>
+            <a:r>
+              <a:rPr lang="en-US" sz="1700" dirty="0" smtClean="0"/>
+              <a:t>Reality : Research has shown that there is nothing like ME &amp; EE in work force . It is only a myth that we have ME and EE workers in work environment .</a:t>
+            </a:r>
+          </a:p>
+          <a:p>
+            <a:pPr lvl="1">
+              <a:buFont typeface="Wingdings" pitchFamily="2" charset="2"/>
+              <a:buChar char="ü"/>
+            </a:pPr>
+            <a:r>
+              <a:rPr lang="en-US" sz="1700" dirty="0" smtClean="0"/>
+              <a:t>Let us do a deep dive into understanding types of performers in work force before we start categorizing them into buckets</a:t>
+            </a:r>
             <a:endParaRPr lang="en-US" sz="1600" dirty="0" smtClean="0"/>
           </a:p>
           <a:p>
@@ -16173,6 +16162,189 @@
                                           <p:spTgt spid="4">
                                             <p:txEl>
                                               <p:pRg st="2" end="2"/>
+                                            </p:txEl>
+                                          </p:spTgt>
+                                        </p:tgtEl>
+                                      </p:cBhvr>
+                                    </p:animEffect>
+                                  </p:childTnLst>
+                                </p:cTn>
+                              </p:par>
+                            </p:childTnLst>
+                          </p:cTn>
+                        </p:par>
+                      </p:childTnLst>
+                    </p:cTn>
+                  </p:par>
+                  <p:par>
+                    <p:cTn id="18" fill="hold">
+                      <p:stCondLst>
+                        <p:cond delay="indefinite"/>
+                      </p:stCondLst>
+                      <p:childTnLst>
+                        <p:par>
+                          <p:cTn id="19" fill="hold">
+                            <p:stCondLst>
+                              <p:cond delay="0"/>
+                            </p:stCondLst>
+                            <p:childTnLst>
+                              <p:par>
+                                <p:cTn id="20" presetID="3" presetClass="entr" presetSubtype="10" fill="hold" nodeType="clickEffect">
+                                  <p:stCondLst>
+                                    <p:cond delay="0"/>
+                                  </p:stCondLst>
+                                  <p:childTnLst>
+                                    <p:set>
+                                      <p:cBhvr>
+                                        <p:cTn id="21" dur="1" fill="hold">
+                                          <p:stCondLst>
+                                            <p:cond delay="0"/>
+                                          </p:stCondLst>
+                                        </p:cTn>
+                                        <p:tgtEl>
+                                          <p:spTgt spid="4">
+                                            <p:txEl>
+                                              <p:pRg st="3" end="3"/>
+                                            </p:txEl>
+                                          </p:spTgt>
+                                        </p:tgtEl>
+                                        <p:attrNameLst>
+                                          <p:attrName>style.visibility</p:attrName>
+                                        </p:attrNameLst>
+                                      </p:cBhvr>
+                                      <p:to>
+                                        <p:strVal val="visible"/>
+                                      </p:to>
+                                    </p:set>
+                                    <p:animEffect transition="in" filter="blinds(horizontal)">
+                                      <p:cBhvr>
+                                        <p:cTn id="22" dur="500"/>
+                                        <p:tgtEl>
+                                          <p:spTgt spid="4">
+                                            <p:txEl>
+                                              <p:pRg st="3" end="3"/>
+                                            </p:txEl>
+                                          </p:spTgt>
+                                        </p:tgtEl>
+                                      </p:cBhvr>
+                                    </p:animEffect>
+                                  </p:childTnLst>
+                                </p:cTn>
+                              </p:par>
+                            </p:childTnLst>
+                          </p:cTn>
+                        </p:par>
+                      </p:childTnLst>
+                    </p:cTn>
+                  </p:par>
+                  <p:par>
+                    <p:cTn id="23" fill="hold">
+                      <p:stCondLst>
+                        <p:cond delay="indefinite"/>
+                      </p:stCondLst>
+                      <p:childTnLst>
+                        <p:par>
+                          <p:cTn id="24" fill="hold">
+                            <p:stCondLst>
+                              <p:cond delay="0"/>
+                            </p:stCondLst>
+                            <p:childTnLst>
+                              <p:par>
+                                <p:cTn id="25" presetID="3" presetClass="entr" presetSubtype="10" fill="hold" nodeType="clickEffect">
+                                  <p:stCondLst>
+                                    <p:cond delay="0"/>
+                                  </p:stCondLst>
+                                  <p:childTnLst>
+                                    <p:set>
+                                      <p:cBhvr>
+                                        <p:cTn id="26" dur="1" fill="hold">
+                                          <p:stCondLst>
+                                            <p:cond delay="0"/>
+                                          </p:stCondLst>
+                                        </p:cTn>
+                                        <p:tgtEl>
+                                          <p:spTgt spid="4">
+                                            <p:txEl>
+                                              <p:pRg st="4" end="4"/>
+                                            </p:txEl>
+                                          </p:spTgt>
+                                        </p:tgtEl>
+                                        <p:attrNameLst>
+                                          <p:attrName>style.visibility</p:attrName>
+                                        </p:attrNameLst>
+                                      </p:cBhvr>
+                                      <p:to>
+                                        <p:strVal val="visible"/>
+                                      </p:to>
+                                    </p:set>
+                                    <p:animEffect transition="in" filter="blinds(horizontal)">
+                                      <p:cBhvr>
+                                        <p:cTn id="27" dur="500"/>
+                                        <p:tgtEl>
+                                          <p:spTgt spid="4">
+                                            <p:txEl>
+                                              <p:pRg st="4" end="4"/>
+                                            </p:txEl>
+                                          </p:spTgt>
+                                        </p:tgtEl>
+                                      </p:cBhvr>
+                                    </p:animEffect>
+                                  </p:childTnLst>
+                                </p:cTn>
+                              </p:par>
+                            </p:childTnLst>
+                          </p:cTn>
+                        </p:par>
+                      </p:childTnLst>
+                    </p:cTn>
+                  </p:par>
+                  <p:par>
+                    <p:cTn id="28" fill="hold">
+                      <p:stCondLst>
+                        <p:cond delay="indefinite"/>
+                      </p:stCondLst>
+                      <p:childTnLst>
+                        <p:par>
+                          <p:cTn id="29" fill="hold">
+                            <p:stCondLst>
+                              <p:cond delay="0"/>
+                            </p:stCondLst>
+                            <p:childTnLst>
+                              <p:par>
+                                <p:cTn id="30" presetID="3" presetClass="entr" presetSubtype="10" fill="hold" nodeType="clickEffect">
+                                  <p:stCondLst>
+                                    <p:cond delay="0"/>
+                                  </p:stCondLst>
+                                  <p:childTnLst>
+                                    <p:set>
+                                      <p:cBhvr>
+                                        <p:cTn id="31" dur="1" fill="hold">
+                                          <p:stCondLst>
+                                            <p:cond delay="0"/>
+                                          </p:stCondLst>
+                                        </p:cTn>
+                                        <p:tgtEl>
+                                          <p:spTgt spid="4">
+                                            <p:txEl>
+                                              <p:pRg st="5" end="5"/>
+                                            </p:txEl>
+                                          </p:spTgt>
+                                        </p:tgtEl>
+                                        <p:attrNameLst>
+                                          <p:attrName>style.visibility</p:attrName>
+                                        </p:attrNameLst>
+                                      </p:cBhvr>
+                                      <p:to>
+                                        <p:strVal val="visible"/>
+                                      </p:to>
+                                    </p:set>
+                                    <p:animEffect transition="in" filter="blinds(horizontal)">
+                                      <p:cBhvr>
+                                        <p:cTn id="32" dur="500"/>
+                                        <p:tgtEl>
+                                          <p:spTgt spid="4">
+                                            <p:txEl>
+                                              <p:pRg st="5" end="5"/>
                                             </p:txEl>
                                           </p:spTgt>
                                         </p:tgtEl>
@@ -16988,12 +17160,9 @@
 </file>
 
 <file path=customXml/item1.xml><?xml version="1.0" encoding="utf-8"?>
-<?mso-contentType ?>
-<FormTemplates xmlns="http://schemas.microsoft.com/sharepoint/v3/contenttype/forms">
-  <Display>DocumentLibraryForm</Display>
-  <Edit>DocumentLibraryForm</Edit>
-  <New>DocumentLibraryForm</New>
-</FormTemplates>
+<p:properties xmlns:p="http://schemas.microsoft.com/office/2006/metadata/properties" xmlns:xsi="http://www.w3.org/2001/XMLSchema-instance" xmlns:pc="http://schemas.microsoft.com/office/infopath/2007/PartnerControls">
+  <documentManagement/>
+</p:properties>
 </file>
 
 <file path=customXml/item2.xml><?xml version="1.0" encoding="utf-8"?>
@@ -17137,15 +17306,19 @@
 </file>
 
 <file path=customXml/item3.xml><?xml version="1.0" encoding="utf-8"?>
-<p:properties xmlns:p="http://schemas.microsoft.com/office/2006/metadata/properties" xmlns:xsi="http://www.w3.org/2001/XMLSchema-instance" xmlns:pc="http://schemas.microsoft.com/office/infopath/2007/PartnerControls">
-  <documentManagement/>
-</p:properties>
+<?mso-contentType ?>
+<FormTemplates xmlns="http://schemas.microsoft.com/sharepoint/v3/contenttype/forms">
+  <Display>DocumentLibraryForm</Display>
+  <Edit>DocumentLibraryForm</Edit>
+  <New>DocumentLibraryForm</New>
+</FormTemplates>
 </file>
 
 <file path=customXml/itemProps1.xml><?xml version="1.0" encoding="utf-8"?>
-<ds:datastoreItem xmlns:ds="http://schemas.openxmlformats.org/officeDocument/2006/customXml" ds:itemID="{F7CCFA03-50CA-476E-8B8B-49D774F043AB}">
+<ds:datastoreItem xmlns:ds="http://schemas.openxmlformats.org/officeDocument/2006/customXml" ds:itemID="{1DA5CB71-27A8-4F27-B3EF-0B7C3FFAE0B8}">
   <ds:schemaRefs>
-    <ds:schemaRef ds:uri="http://schemas.microsoft.com/sharepoint/v3/contenttype/forms"/>
+    <ds:schemaRef ds:uri="http://schemas.microsoft.com/office/2006/metadata/properties"/>
+    <ds:schemaRef ds:uri="http://schemas.microsoft.com/office/infopath/2007/PartnerControls"/>
   </ds:schemaRefs>
 </ds:datastoreItem>
 </file>
@@ -17169,10 +17342,9 @@
 </file>
 
 <file path=customXml/itemProps3.xml><?xml version="1.0" encoding="utf-8"?>
-<ds:datastoreItem xmlns:ds="http://schemas.openxmlformats.org/officeDocument/2006/customXml" ds:itemID="{1DA5CB71-27A8-4F27-B3EF-0B7C3FFAE0B8}">
+<ds:datastoreItem xmlns:ds="http://schemas.openxmlformats.org/officeDocument/2006/customXml" ds:itemID="{F7CCFA03-50CA-476E-8B8B-49D774F043AB}">
   <ds:schemaRefs>
-    <ds:schemaRef ds:uri="http://schemas.microsoft.com/office/2006/metadata/properties"/>
-    <ds:schemaRef ds:uri="http://schemas.microsoft.com/office/infopath/2007/PartnerControls"/>
+    <ds:schemaRef ds:uri="http://schemas.microsoft.com/sharepoint/v3/contenttype/forms"/>
   </ds:schemaRefs>
 </ds:datastoreItem>
 </file>
--- a/Prokarma/Performance Appraisals.pptx
+++ b/Prokarma/Performance Appraisals.pptx
@@ -10944,7 +10944,32 @@
             </a:pPr>
             <a:r>
               <a:rPr lang="en-IN" sz="1700" dirty="0" smtClean="0"/>
-              <a:t>There is only single rule - </a:t>
+              <a:t>Conventional thinking : I will generate a score based on employee performance and based on his performance and based on that I will distribute salary – If you follow this you will close this business in 1 year</a:t>
+            </a:r>
+          </a:p>
+          <a:p>
+            <a:pPr>
+              <a:buFont typeface="Wingdings" pitchFamily="2" charset="2"/>
+              <a:buChar char="ü"/>
+            </a:pPr>
+            <a:r>
+              <a:rPr lang="en-IN" sz="1700" dirty="0" smtClean="0"/>
+              <a:t>Understand work performance rules – Power Law</a:t>
+            </a:r>
+            <a:endParaRPr lang="en-IN" sz="1700" dirty="0" smtClean="0"/>
+          </a:p>
+          <a:p>
+            <a:pPr>
+              <a:buFont typeface="Wingdings" pitchFamily="2" charset="2"/>
+              <a:buChar char="ü"/>
+            </a:pPr>
+            <a:r>
+              <a:rPr lang="en-IN" sz="1700" dirty="0" smtClean="0"/>
+              <a:t>There </a:t>
+            </a:r>
+            <a:r>
+              <a:rPr lang="en-IN" sz="1700" dirty="0" smtClean="0"/>
+              <a:t>is only single rule - </a:t>
             </a:r>
             <a:r>
               <a:rPr lang="en-IN" sz="1800" dirty="0" smtClean="0"/>
@@ -11013,11 +11038,7 @@
             </a:pPr>
             <a:r>
               <a:rPr lang="en-IN" sz="1400" dirty="0" smtClean="0"/>
-              <a:t>Good performers – Pay them but don’t overpay a single person in that </a:t>
-            </a:r>
-            <a:r>
-              <a:rPr lang="en-IN" sz="1400" dirty="0" smtClean="0"/>
-              <a:t>group</a:t>
+              <a:t>Good performers – Pay them but don’t overpay a single person in that group</a:t>
             </a:r>
           </a:p>
           <a:p>
@@ -11029,7 +11050,6 @@
               <a:rPr lang="en-IN" sz="1400" dirty="0" smtClean="0"/>
               <a:t>Poor performers - </a:t>
             </a:r>
-            <a:endParaRPr lang="en-IN" sz="1400" dirty="0" smtClean="0"/>
           </a:p>
           <a:p>
             <a:pPr lvl="1">
@@ -11494,6 +11514,128 @@
                                           <p:spTgt spid="4">
                                             <p:txEl>
                                               <p:pRg st="7" end="7"/>
+                                            </p:txEl>
+                                          </p:spTgt>
+                                        </p:tgtEl>
+                                      </p:cBhvr>
+                                    </p:animEffect>
+                                  </p:childTnLst>
+                                </p:cTn>
+                              </p:par>
+                            </p:childTnLst>
+                          </p:cTn>
+                        </p:par>
+                      </p:childTnLst>
+                    </p:cTn>
+                  </p:par>
+                  <p:par>
+                    <p:cTn id="38" fill="hold">
+                      <p:stCondLst>
+                        <p:cond delay="indefinite"/>
+                      </p:stCondLst>
+                      <p:childTnLst>
+                        <p:par>
+                          <p:cTn id="39" fill="hold">
+                            <p:stCondLst>
+                              <p:cond delay="0"/>
+                            </p:stCondLst>
+                            <p:childTnLst>
+                              <p:par>
+                                <p:cTn id="40" presetID="3" presetClass="entr" presetSubtype="10" fill="hold" nodeType="clickEffect">
+                                  <p:stCondLst>
+                                    <p:cond delay="0"/>
+                                  </p:stCondLst>
+                                  <p:childTnLst>
+                                    <p:set>
+                                      <p:cBhvr>
+                                        <p:cTn id="41" dur="1" fill="hold">
+                                          <p:stCondLst>
+                                            <p:cond delay="0"/>
+                                          </p:stCondLst>
+                                        </p:cTn>
+                                        <p:tgtEl>
+                                          <p:spTgt spid="4">
+                                            <p:txEl>
+                                              <p:pRg st="8" end="8"/>
+                                            </p:txEl>
+                                          </p:spTgt>
+                                        </p:tgtEl>
+                                        <p:attrNameLst>
+                                          <p:attrName>style.visibility</p:attrName>
+                                        </p:attrNameLst>
+                                      </p:cBhvr>
+                                      <p:to>
+                                        <p:strVal val="visible"/>
+                                      </p:to>
+                                    </p:set>
+                                    <p:animEffect transition="in" filter="blinds(horizontal)">
+                                      <p:cBhvr>
+                                        <p:cTn id="42" dur="500"/>
+                                        <p:tgtEl>
+                                          <p:spTgt spid="4">
+                                            <p:txEl>
+                                              <p:pRg st="8" end="8"/>
+                                            </p:txEl>
+                                          </p:spTgt>
+                                        </p:tgtEl>
+                                      </p:cBhvr>
+                                    </p:animEffect>
+                                  </p:childTnLst>
+                                </p:cTn>
+                              </p:par>
+                            </p:childTnLst>
+                          </p:cTn>
+                        </p:par>
+                      </p:childTnLst>
+                    </p:cTn>
+                  </p:par>
+                  <p:par>
+                    <p:cTn id="43" fill="hold">
+                      <p:stCondLst>
+                        <p:cond delay="indefinite"/>
+                      </p:stCondLst>
+                      <p:childTnLst>
+                        <p:par>
+                          <p:cTn id="44" fill="hold">
+                            <p:stCondLst>
+                              <p:cond delay="0"/>
+                            </p:stCondLst>
+                            <p:childTnLst>
+                              <p:par>
+                                <p:cTn id="45" presetID="3" presetClass="entr" presetSubtype="10" fill="hold" nodeType="clickEffect">
+                                  <p:stCondLst>
+                                    <p:cond delay="0"/>
+                                  </p:stCondLst>
+                                  <p:childTnLst>
+                                    <p:set>
+                                      <p:cBhvr>
+                                        <p:cTn id="46" dur="1" fill="hold">
+                                          <p:stCondLst>
+                                            <p:cond delay="0"/>
+                                          </p:stCondLst>
+                                        </p:cTn>
+                                        <p:tgtEl>
+                                          <p:spTgt spid="4">
+                                            <p:txEl>
+                                              <p:pRg st="9" end="9"/>
+                                            </p:txEl>
+                                          </p:spTgt>
+                                        </p:tgtEl>
+                                        <p:attrNameLst>
+                                          <p:attrName>style.visibility</p:attrName>
+                                        </p:attrNameLst>
+                                      </p:cBhvr>
+                                      <p:to>
+                                        <p:strVal val="visible"/>
+                                      </p:to>
+                                    </p:set>
+                                    <p:animEffect transition="in" filter="blinds(horizontal)">
+                                      <p:cBhvr>
+                                        <p:cTn id="47" dur="500"/>
+                                        <p:tgtEl>
+                                          <p:spTgt spid="4">
+                                            <p:txEl>
+                                              <p:pRg st="9" end="9"/>
                                             </p:txEl>
                                           </p:spTgt>
                                         </p:tgtEl>
@@ -11605,7 +11747,6 @@
               <a:rPr lang="en-US" sz="2000" dirty="0" smtClean="0"/>
               <a:t>Performance reviews </a:t>
             </a:r>
-            <a:endParaRPr lang="en-US" sz="2000" dirty="0" smtClean="0"/>
           </a:p>
           <a:p>
             <a:pPr lvl="1">
@@ -12023,11 +12164,7 @@
             </a:pPr>
             <a:r>
               <a:rPr lang="en-US" sz="2000" dirty="0" smtClean="0"/>
-              <a:t>Performance review – Issues and </a:t>
-            </a:r>
-            <a:r>
-              <a:rPr lang="en-US" sz="2000" dirty="0" smtClean="0"/>
-              <a:t>what can be done</a:t>
+              <a:t>Performance review – Issues and what can be done</a:t>
             </a:r>
           </a:p>
           <a:p>
@@ -12039,7 +12176,6 @@
               <a:rPr lang="en-US" sz="2000" dirty="0" smtClean="0"/>
               <a:t>I am going to share expert voice on performance reviews and decision will be made by you</a:t>
             </a:r>
-            <a:endParaRPr lang="en-US" sz="2000" dirty="0" smtClean="0"/>
           </a:p>
           <a:p>
             <a:pPr>
@@ -12292,38 +12428,23 @@
             </a:r>
             <a:r>
               <a:rPr lang="en-IN" sz="1050" b="1" dirty="0" smtClean="0"/>
-              <a:t> </a:t>
-            </a:r>
-            <a:r>
-              <a:rPr lang="en-IN" sz="1050" b="1" dirty="0" smtClean="0"/>
-              <a:t> (</a:t>
+              <a:t>  (</a:t>
             </a:r>
             <a:r>
               <a:rPr lang="en-US" sz="1050" dirty="0" smtClean="0"/>
-              <a:t>Laszlo Bock is the Senior Vice President of People Operations at Google, Inc, where he has worked since </a:t>
-            </a:r>
-            <a:r>
-              <a:rPr lang="en-US" sz="1050" dirty="0" smtClean="0"/>
-              <a:t>2006 </a:t>
+              <a:t>Laszlo Bock is the Senior Vice President of People Operations at Google, Inc, where he has worked since 2006 </a:t>
             </a:r>
             <a:r>
               <a:rPr lang="en-IN" sz="1050" b="1" dirty="0" smtClean="0"/>
               <a:t>)</a:t>
             </a:r>
-            <a:endParaRPr lang="en-IN" sz="1050" b="1" dirty="0" smtClean="0"/>
           </a:p>
           <a:p>
             <a:r>
               <a:rPr lang="en-IN" sz="1050" b="1" dirty="0" smtClean="0">
                 <a:hlinkClick r:id="rId3"/>
               </a:rPr>
-              <a:t>OOPS! 13 Management Practices That Waste Time &amp; Money (and what to do instead</a:t>
-            </a:r>
-            <a:r>
-              <a:rPr lang="en-IN" sz="1050" b="1" dirty="0" smtClean="0">
-                <a:hlinkClick r:id="rId3"/>
-              </a:rPr>
-              <a:t>)</a:t>
+              <a:t>OOPS! 13 Management Practices That Waste Time &amp; Money (and what to do instead)</a:t>
             </a:r>
             <a:endParaRPr lang="en-IN" sz="1050" dirty="0" smtClean="0"/>
           </a:p>
@@ -12332,13 +12453,7 @@
               <a:rPr lang="en-IN" sz="1050" b="1" dirty="0" smtClean="0">
                 <a:hlinkClick r:id="rId4"/>
               </a:rPr>
-              <a:t>The New One Minute </a:t>
-            </a:r>
-            <a:r>
-              <a:rPr lang="en-IN" sz="1050" b="1" dirty="0" smtClean="0">
-                <a:hlinkClick r:id="rId4"/>
-              </a:rPr>
-              <a:t>Manager</a:t>
+              <a:t>The New One Minute Manager</a:t>
             </a:r>
             <a:r>
               <a:rPr lang="en-IN" sz="1050" b="1" dirty="0" smtClean="0"/>
@@ -12373,28 +12488,22 @@
               <a:t>Hard Facts Dangerous Half-Truths , and Total Nonsense : Profiting from </a:t>
             </a:r>
             <a:r>
-              <a:rPr lang="en-US" sz="1050" b="1" dirty="0" err="1" smtClean="0">
-                <a:hlinkClick r:id="rId6"/>
-              </a:rPr>
-              <a:t>evidenmanagement</a:t>
-            </a:r>
-            <a:r>
               <a:rPr lang="en-US" sz="1050" b="1" dirty="0" smtClean="0">
                 <a:hlinkClick r:id="rId6"/>
               </a:rPr>
-              <a:t> - Jeffrey </a:t>
-            </a:r>
-            <a:r>
-              <a:rPr lang="en-US" sz="1050" b="1" dirty="0" err="1" smtClean="0">
-                <a:hlinkClick r:id="rId6"/>
-              </a:rPr>
-              <a:t>Pfefferce</a:t>
+              <a:t>evidence based management </a:t>
             </a:r>
             <a:r>
               <a:rPr lang="en-US" sz="1050" b="1" dirty="0" smtClean="0">
                 <a:hlinkClick r:id="rId6"/>
               </a:rPr>
-              <a:t> based</a:t>
+              <a:t>- Jeffrey </a:t>
+            </a:r>
+            <a:r>
+              <a:rPr lang="en-US" sz="1050" b="1" dirty="0" smtClean="0">
+                <a:hlinkClick r:id="rId6"/>
+              </a:rPr>
+              <a:t>P</a:t>
             </a:r>
             <a:endParaRPr lang="en-US" sz="1050" b="1" dirty="0" smtClean="0"/>
           </a:p>
@@ -12459,6 +12568,13 @@
             <a:r>
               <a:rPr lang="en-IN" sz="1050" b="1" dirty="0" smtClean="0"/>
               <a:t> </a:t>
+            </a:r>
+            <a:endParaRPr lang="en-IN" sz="1050" b="1" dirty="0" smtClean="0"/>
+          </a:p>
+          <a:p>
+            <a:r>
+              <a:rPr lang="en-US" sz="1050" b="1" smtClean="0"/>
+              <a:t>http://www.yourparttimehrmanager.com/the-bell-curve-vs-the-power-law-curve/</a:t>
             </a:r>
             <a:endParaRPr lang="en-US" sz="1050" b="1" dirty="0"/>
           </a:p>
@@ -12935,7 +13051,7 @@
                                         <p:tgtEl>
                                           <p:spTgt spid="4">
                                             <p:txEl>
-                                              <p:pRg st="3" end="3"/>
+                                              <p:pRg st="11" end="11"/>
                                             </p:txEl>
                                           </p:spTgt>
                                         </p:tgtEl>
@@ -12953,7 +13069,7 @@
                                         <p:tgtEl>
                                           <p:spTgt spid="4">
                                             <p:txEl>
-                                              <p:pRg st="3" end="3"/>
+                                              <p:pRg st="11" end="11"/>
                                             </p:txEl>
                                           </p:spTgt>
                                         </p:tgtEl>
@@ -12996,7 +13112,7 @@
                                         <p:tgtEl>
                                           <p:spTgt spid="4">
                                             <p:txEl>
-                                              <p:pRg st="4" end="4"/>
+                                              <p:pRg st="3" end="3"/>
                                             </p:txEl>
                                           </p:spTgt>
                                         </p:tgtEl>
@@ -13014,7 +13130,7 @@
                                         <p:tgtEl>
                                           <p:spTgt spid="4">
                                             <p:txEl>
-                                              <p:pRg st="4" end="4"/>
+                                              <p:pRg st="3" end="3"/>
                                             </p:txEl>
                                           </p:spTgt>
                                         </p:tgtEl>
@@ -13057,7 +13173,7 @@
                                         <p:tgtEl>
                                           <p:spTgt spid="4">
                                             <p:txEl>
-                                              <p:pRg st="5" end="5"/>
+                                              <p:pRg st="4" end="4"/>
                                             </p:txEl>
                                           </p:spTgt>
                                         </p:tgtEl>
@@ -13075,7 +13191,7 @@
                                         <p:tgtEl>
                                           <p:spTgt spid="4">
                                             <p:txEl>
-                                              <p:pRg st="5" end="5"/>
+                                              <p:pRg st="4" end="4"/>
                                             </p:txEl>
                                           </p:spTgt>
                                         </p:tgtEl>
@@ -13118,7 +13234,7 @@
                                         <p:tgtEl>
                                           <p:spTgt spid="4">
                                             <p:txEl>
-                                              <p:pRg st="1" end="1"/>
+                                              <p:pRg st="5" end="5"/>
                                             </p:txEl>
                                           </p:spTgt>
                                         </p:tgtEl>
@@ -13133,6 +13249,67 @@
                                     <p:animEffect transition="in" filter="blinds(horizontal)">
                                       <p:cBhvr>
                                         <p:cTn id="57" dur="500"/>
+                                        <p:tgtEl>
+                                          <p:spTgt spid="4">
+                                            <p:txEl>
+                                              <p:pRg st="5" end="5"/>
+                                            </p:txEl>
+                                          </p:spTgt>
+                                        </p:tgtEl>
+                                      </p:cBhvr>
+                                    </p:animEffect>
+                                  </p:childTnLst>
+                                </p:cTn>
+                              </p:par>
+                            </p:childTnLst>
+                          </p:cTn>
+                        </p:par>
+                      </p:childTnLst>
+                    </p:cTn>
+                  </p:par>
+                  <p:par>
+                    <p:cTn id="58" fill="hold">
+                      <p:stCondLst>
+                        <p:cond delay="indefinite"/>
+                      </p:stCondLst>
+                      <p:childTnLst>
+                        <p:par>
+                          <p:cTn id="59" fill="hold">
+                            <p:stCondLst>
+                              <p:cond delay="0"/>
+                            </p:stCondLst>
+                            <p:childTnLst>
+                              <p:par>
+                                <p:cTn id="60" presetID="3" presetClass="entr" presetSubtype="10" fill="hold" nodeType="clickEffect">
+                                  <p:stCondLst>
+                                    <p:cond delay="0"/>
+                                  </p:stCondLst>
+                                  <p:childTnLst>
+                                    <p:set>
+                                      <p:cBhvr>
+                                        <p:cTn id="61" dur="1" fill="hold">
+                                          <p:stCondLst>
+                                            <p:cond delay="0"/>
+                                          </p:stCondLst>
+                                        </p:cTn>
+                                        <p:tgtEl>
+                                          <p:spTgt spid="4">
+                                            <p:txEl>
+                                              <p:pRg st="1" end="1"/>
+                                            </p:txEl>
+                                          </p:spTgt>
+                                        </p:tgtEl>
+                                        <p:attrNameLst>
+                                          <p:attrName>style.visibility</p:attrName>
+                                        </p:attrNameLst>
+                                      </p:cBhvr>
+                                      <p:to>
+                                        <p:strVal val="visible"/>
+                                      </p:to>
+                                    </p:set>
+                                    <p:animEffect transition="in" filter="blinds(horizontal)">
+                                      <p:cBhvr>
+                                        <p:cTn id="62" dur="500"/>
                                         <p:tgtEl>
                                           <p:spTgt spid="4">
                                             <p:txEl>
@@ -17160,9 +17337,12 @@
 </file>
 
 <file path=customXml/item1.xml><?xml version="1.0" encoding="utf-8"?>
-<p:properties xmlns:p="http://schemas.microsoft.com/office/2006/metadata/properties" xmlns:xsi="http://www.w3.org/2001/XMLSchema-instance" xmlns:pc="http://schemas.microsoft.com/office/infopath/2007/PartnerControls">
-  <documentManagement/>
-</p:properties>
+<?mso-contentType ?>
+<FormTemplates xmlns="http://schemas.microsoft.com/sharepoint/v3/contenttype/forms">
+  <Display>DocumentLibraryForm</Display>
+  <Edit>DocumentLibraryForm</Edit>
+  <New>DocumentLibraryForm</New>
+</FormTemplates>
 </file>
 
 <file path=customXml/item2.xml><?xml version="1.0" encoding="utf-8"?>
@@ -17306,19 +17486,15 @@
 </file>
 
 <file path=customXml/item3.xml><?xml version="1.0" encoding="utf-8"?>
-<?mso-contentType ?>
-<FormTemplates xmlns="http://schemas.microsoft.com/sharepoint/v3/contenttype/forms">
-  <Display>DocumentLibraryForm</Display>
-  <Edit>DocumentLibraryForm</Edit>
-  <New>DocumentLibraryForm</New>
-</FormTemplates>
+<p:properties xmlns:p="http://schemas.microsoft.com/office/2006/metadata/properties" xmlns:xsi="http://www.w3.org/2001/XMLSchema-instance" xmlns:pc="http://schemas.microsoft.com/office/infopath/2007/PartnerControls">
+  <documentManagement/>
+</p:properties>
 </file>
 
 <file path=customXml/itemProps1.xml><?xml version="1.0" encoding="utf-8"?>
-<ds:datastoreItem xmlns:ds="http://schemas.openxmlformats.org/officeDocument/2006/customXml" ds:itemID="{1DA5CB71-27A8-4F27-B3EF-0B7C3FFAE0B8}">
+<ds:datastoreItem xmlns:ds="http://schemas.openxmlformats.org/officeDocument/2006/customXml" ds:itemID="{F7CCFA03-50CA-476E-8B8B-49D774F043AB}">
   <ds:schemaRefs>
-    <ds:schemaRef ds:uri="http://schemas.microsoft.com/office/2006/metadata/properties"/>
-    <ds:schemaRef ds:uri="http://schemas.microsoft.com/office/infopath/2007/PartnerControls"/>
+    <ds:schemaRef ds:uri="http://schemas.microsoft.com/sharepoint/v3/contenttype/forms"/>
   </ds:schemaRefs>
 </ds:datastoreItem>
 </file>
@@ -17342,9 +17518,10 @@
 </file>
 
 <file path=customXml/itemProps3.xml><?xml version="1.0" encoding="utf-8"?>
-<ds:datastoreItem xmlns:ds="http://schemas.openxmlformats.org/officeDocument/2006/customXml" ds:itemID="{F7CCFA03-50CA-476E-8B8B-49D774F043AB}">
+<ds:datastoreItem xmlns:ds="http://schemas.openxmlformats.org/officeDocument/2006/customXml" ds:itemID="{1DA5CB71-27A8-4F27-B3EF-0B7C3FFAE0B8}">
   <ds:schemaRefs>
-    <ds:schemaRef ds:uri="http://schemas.microsoft.com/sharepoint/v3/contenttype/forms"/>
+    <ds:schemaRef ds:uri="http://schemas.microsoft.com/office/2006/metadata/properties"/>
+    <ds:schemaRef ds:uri="http://schemas.microsoft.com/office/infopath/2007/PartnerControls"/>
   </ds:schemaRefs>
 </ds:datastoreItem>
 </file>
--- a/Prokarma/Performance Appraisals.pptx
+++ b/Prokarma/Performance Appraisals.pptx
@@ -10956,7 +10956,6 @@
               <a:rPr lang="en-IN" sz="1700" dirty="0" smtClean="0"/>
               <a:t>Understand work performance rules – Power Law</a:t>
             </a:r>
-            <a:endParaRPr lang="en-IN" sz="1700" dirty="0" smtClean="0"/>
           </a:p>
           <a:p>
             <a:pPr>
@@ -10965,11 +10964,7 @@
             </a:pPr>
             <a:r>
               <a:rPr lang="en-IN" sz="1700" dirty="0" smtClean="0"/>
-              <a:t>There </a:t>
-            </a:r>
-            <a:r>
-              <a:rPr lang="en-IN" sz="1700" dirty="0" smtClean="0"/>
-              <a:t>is only single rule - </a:t>
+              <a:t>There is only single rule - </a:t>
             </a:r>
             <a:r>
               <a:rPr lang="en-IN" sz="1800" dirty="0" smtClean="0"/>
@@ -12485,25 +12480,7 @@
               <a:rPr lang="en-US" sz="1050" b="1" dirty="0" smtClean="0">
                 <a:hlinkClick r:id="rId6"/>
               </a:rPr>
-              <a:t>Hard Facts Dangerous Half-Truths , and Total Nonsense : Profiting from </a:t>
-            </a:r>
-            <a:r>
-              <a:rPr lang="en-US" sz="1050" b="1" dirty="0" smtClean="0">
-                <a:hlinkClick r:id="rId6"/>
-              </a:rPr>
-              <a:t>evidence based management </a:t>
-            </a:r>
-            <a:r>
-              <a:rPr lang="en-US" sz="1050" b="1" dirty="0" smtClean="0">
-                <a:hlinkClick r:id="rId6"/>
-              </a:rPr>
-              <a:t>- Jeffrey </a:t>
-            </a:r>
-            <a:r>
-              <a:rPr lang="en-US" sz="1050" b="1" dirty="0" smtClean="0">
-                <a:hlinkClick r:id="rId6"/>
-              </a:rPr>
-              <a:t>P</a:t>
+              <a:t>Hard Facts Dangerous Half-Truths , and Total Nonsense : Profiting from evidence based management - Jeffrey P</a:t>
             </a:r>
             <a:endParaRPr lang="en-US" sz="1050" b="1" dirty="0" smtClean="0"/>
           </a:p>
@@ -12569,7 +12546,6 @@
               <a:rPr lang="en-IN" sz="1050" b="1" dirty="0" smtClean="0"/>
               <a:t> </a:t>
             </a:r>
-            <a:endParaRPr lang="en-IN" sz="1050" b="1" dirty="0" smtClean="0"/>
           </a:p>
           <a:p>
             <a:r>
@@ -13818,7 +13794,7 @@
         </p:nvGraphicFramePr>
         <p:xfrm>
           <a:off x="838200" y="3200400"/>
-          <a:ext cx="7543800" cy="3628502"/>
+          <a:ext cx="7543800" cy="3415142"/>
         </p:xfrm>
         <a:graphic>
           <a:graphicData uri="http://schemas.openxmlformats.org/drawingml/2006/table">
@@ -14480,7 +14456,11 @@
             </a:pPr>
             <a:r>
               <a:rPr lang="en-US" sz="1700" dirty="0" smtClean="0"/>
-              <a:t>Focus more on reducing the emotional pain that is associated with performance reviews (Emotional pain is always between ME and EE)</a:t>
+              <a:t>Focus more on reducing the emotional pain that is associated with performance reviews (Emotional pain is always between ME and </a:t>
+            </a:r>
+            <a:r>
+              <a:rPr lang="en-US" sz="1700" dirty="0" smtClean="0"/>
+              <a:t>EE ) . Ranking always creates emotional pain and a demotivating factor in work environment.</a:t>
             </a:r>
             <a:endParaRPr lang="en-US" sz="2000" dirty="0"/>
           </a:p>
@@ -17337,12 +17317,9 @@
 </file>
 
 <file path=customXml/item1.xml><?xml version="1.0" encoding="utf-8"?>
-<?mso-contentType ?>
-<FormTemplates xmlns="http://schemas.microsoft.com/sharepoint/v3/contenttype/forms">
-  <Display>DocumentLibraryForm</Display>
-  <Edit>DocumentLibraryForm</Edit>
-  <New>DocumentLibraryForm</New>
-</FormTemplates>
+<p:properties xmlns:p="http://schemas.microsoft.com/office/2006/metadata/properties" xmlns:xsi="http://www.w3.org/2001/XMLSchema-instance" xmlns:pc="http://schemas.microsoft.com/office/infopath/2007/PartnerControls">
+  <documentManagement/>
+</p:properties>
 </file>
 
 <file path=customXml/item2.xml><?xml version="1.0" encoding="utf-8"?>
@@ -17486,15 +17463,19 @@
 </file>
 
 <file path=customXml/item3.xml><?xml version="1.0" encoding="utf-8"?>
-<p:properties xmlns:p="http://schemas.microsoft.com/office/2006/metadata/properties" xmlns:xsi="http://www.w3.org/2001/XMLSchema-instance" xmlns:pc="http://schemas.microsoft.com/office/infopath/2007/PartnerControls">
-  <documentManagement/>
-</p:properties>
+<?mso-contentType ?>
+<FormTemplates xmlns="http://schemas.microsoft.com/sharepoint/v3/contenttype/forms">
+  <Display>DocumentLibraryForm</Display>
+  <Edit>DocumentLibraryForm</Edit>
+  <New>DocumentLibraryForm</New>
+</FormTemplates>
 </file>
 
 <file path=customXml/itemProps1.xml><?xml version="1.0" encoding="utf-8"?>
-<ds:datastoreItem xmlns:ds="http://schemas.openxmlformats.org/officeDocument/2006/customXml" ds:itemID="{F7CCFA03-50CA-476E-8B8B-49D774F043AB}">
+<ds:datastoreItem xmlns:ds="http://schemas.openxmlformats.org/officeDocument/2006/customXml" ds:itemID="{1DA5CB71-27A8-4F27-B3EF-0B7C3FFAE0B8}">
   <ds:schemaRefs>
-    <ds:schemaRef ds:uri="http://schemas.microsoft.com/sharepoint/v3/contenttype/forms"/>
+    <ds:schemaRef ds:uri="http://schemas.microsoft.com/office/2006/metadata/properties"/>
+    <ds:schemaRef ds:uri="http://schemas.microsoft.com/office/infopath/2007/PartnerControls"/>
   </ds:schemaRefs>
 </ds:datastoreItem>
 </file>
@@ -17518,10 +17499,9 @@
 </file>
 
 <file path=customXml/itemProps3.xml><?xml version="1.0" encoding="utf-8"?>
-<ds:datastoreItem xmlns:ds="http://schemas.openxmlformats.org/officeDocument/2006/customXml" ds:itemID="{1DA5CB71-27A8-4F27-B3EF-0B7C3FFAE0B8}">
+<ds:datastoreItem xmlns:ds="http://schemas.openxmlformats.org/officeDocument/2006/customXml" ds:itemID="{F7CCFA03-50CA-476E-8B8B-49D774F043AB}">
   <ds:schemaRefs>
-    <ds:schemaRef ds:uri="http://schemas.microsoft.com/office/2006/metadata/properties"/>
-    <ds:schemaRef ds:uri="http://schemas.microsoft.com/office/infopath/2007/PartnerControls"/>
+    <ds:schemaRef ds:uri="http://schemas.microsoft.com/sharepoint/v3/contenttype/forms"/>
   </ds:schemaRefs>
 </ds:datastoreItem>
 </file>
--- a/Prokarma/Performance Appraisals.pptx
+++ b/Prokarma/Performance Appraisals.pptx
@@ -12159,7 +12159,7 @@
             </a:pPr>
             <a:r>
               <a:rPr lang="en-US" sz="2000" dirty="0" smtClean="0"/>
-              <a:t>Performance review – Issues and what can be done</a:t>
+              <a:t>Performance reviews – Myths &amp; Issues</a:t>
             </a:r>
           </a:p>
           <a:p>
@@ -12169,8 +12169,37 @@
             </a:pPr>
             <a:r>
               <a:rPr lang="en-US" sz="2000" dirty="0" smtClean="0"/>
-              <a:t>I am going to share expert voice on performance reviews and decision will be made by you</a:t>
-            </a:r>
+              <a:t>Workforce performance patterns – Myth </a:t>
+            </a:r>
+            <a:r>
+              <a:rPr lang="en-US" sz="2000" smtClean="0"/>
+              <a:t>&amp; Realities</a:t>
+            </a:r>
+            <a:endParaRPr lang="en-US" sz="2000" dirty="0" smtClean="0"/>
+          </a:p>
+          <a:p>
+            <a:pPr>
+              <a:buFont typeface="Wingdings" pitchFamily="2" charset="2"/>
+              <a:buChar char="ü"/>
+            </a:pPr>
+            <a:r>
+              <a:rPr lang="en-US" sz="2000" dirty="0" smtClean="0"/>
+              <a:t>Pay for performance – What is it &amp; How do you do that</a:t>
+            </a:r>
+          </a:p>
+          <a:p>
+            <a:pPr>
+              <a:buFont typeface="Wingdings" pitchFamily="2" charset="2"/>
+              <a:buChar char="ü"/>
+            </a:pPr>
+            <a:endParaRPr lang="en-US" sz="2000" dirty="0" smtClean="0"/>
+          </a:p>
+          <a:p>
+            <a:pPr>
+              <a:buFont typeface="Wingdings" pitchFamily="2" charset="2"/>
+              <a:buChar char="ü"/>
+            </a:pPr>
+            <a:endParaRPr lang="en-US" sz="2000" dirty="0" smtClean="0"/>
           </a:p>
           <a:p>
             <a:pPr>
@@ -12312,6 +12341,67 @@
                                           <p:spTgt spid="25603">
                                             <p:txEl>
                                               <p:pRg st="1" end="1"/>
+                                            </p:txEl>
+                                          </p:spTgt>
+                                        </p:tgtEl>
+                                      </p:cBhvr>
+                                    </p:animEffect>
+                                  </p:childTnLst>
+                                </p:cTn>
+                              </p:par>
+                            </p:childTnLst>
+                          </p:cTn>
+                        </p:par>
+                      </p:childTnLst>
+                    </p:cTn>
+                  </p:par>
+                  <p:par>
+                    <p:cTn id="13" fill="hold">
+                      <p:stCondLst>
+                        <p:cond delay="indefinite"/>
+                      </p:stCondLst>
+                      <p:childTnLst>
+                        <p:par>
+                          <p:cTn id="14" fill="hold">
+                            <p:stCondLst>
+                              <p:cond delay="0"/>
+                            </p:stCondLst>
+                            <p:childTnLst>
+                              <p:par>
+                                <p:cTn id="15" presetID="3" presetClass="entr" presetSubtype="10" fill="hold" nodeType="clickEffect">
+                                  <p:stCondLst>
+                                    <p:cond delay="0"/>
+                                  </p:stCondLst>
+                                  <p:childTnLst>
+                                    <p:set>
+                                      <p:cBhvr>
+                                        <p:cTn id="16" dur="1" fill="hold">
+                                          <p:stCondLst>
+                                            <p:cond delay="0"/>
+                                          </p:stCondLst>
+                                        </p:cTn>
+                                        <p:tgtEl>
+                                          <p:spTgt spid="25603">
+                                            <p:txEl>
+                                              <p:pRg st="2" end="2"/>
+                                            </p:txEl>
+                                          </p:spTgt>
+                                        </p:tgtEl>
+                                        <p:attrNameLst>
+                                          <p:attrName>style.visibility</p:attrName>
+                                        </p:attrNameLst>
+                                      </p:cBhvr>
+                                      <p:to>
+                                        <p:strVal val="visible"/>
+                                      </p:to>
+                                    </p:set>
+                                    <p:animEffect transition="in" filter="blinds(horizontal)">
+                                      <p:cBhvr>
+                                        <p:cTn id="17" dur="500"/>
+                                        <p:tgtEl>
+                                          <p:spTgt spid="25603">
+                                            <p:txEl>
+                                              <p:pRg st="2" end="2"/>
                                             </p:txEl>
                                           </p:spTgt>
                                         </p:tgtEl>
@@ -12461,17 +12551,13 @@
               <a:rPr lang="en-IN" sz="1050" b="1" dirty="0" smtClean="0">
                 <a:hlinkClick r:id="rId5"/>
               </a:rPr>
-              <a:t>The Best Place to Work: The Art and Science of Creating an </a:t>
+              <a:t>The Best Place to Work: The Art and Science of Creating an Extraordinary </a:t>
             </a:r>
             <a:r>
               <a:rPr lang="en-IN" sz="1050" b="1" dirty="0" err="1" smtClean="0">
                 <a:hlinkClick r:id="rId5"/>
               </a:rPr>
-              <a:t>ExtraordinaWorkplacery</a:t>
-            </a:r>
-            <a:r>
-              <a:rPr lang="en-IN" sz="1050" b="1" dirty="0" smtClean="0"/>
-              <a:t> </a:t>
+              <a:t>Workplacery</a:t>
             </a:r>
             <a:endParaRPr lang="en-IN" sz="1050" dirty="0" smtClean="0"/>
           </a:p>
@@ -12549,9 +12635,35 @@
           </a:p>
           <a:p>
             <a:r>
-              <a:rPr lang="en-US" sz="1050" b="1" smtClean="0"/>
+              <a:rPr lang="en-US" sz="1050" b="1" dirty="0" smtClean="0">
+                <a:hlinkClick r:id="rId12"/>
+              </a:rPr>
               <a:t>http://www.yourparttimehrmanager.com/the-bell-curve-vs-the-power-law-curve/</a:t>
             </a:r>
+            <a:endParaRPr lang="en-US" sz="1050" b="1" dirty="0" smtClean="0"/>
+          </a:p>
+          <a:p>
+            <a:r>
+              <a:rPr lang="en-US" sz="1050" b="1" dirty="0" smtClean="0">
+                <a:hlinkClick r:id="rId13"/>
+              </a:rPr>
+              <a:t>https://www.linkedin.com/pulse/20140215200145-131079-the-myth-of-the-bell-curve</a:t>
+            </a:r>
+            <a:endParaRPr lang="en-US" sz="1050" b="1" dirty="0" smtClean="0"/>
+          </a:p>
+          <a:p>
+            <a:r>
+              <a:rPr lang="en-US" sz="1050" b="1" dirty="0" smtClean="0">
+                <a:hlinkClick r:id="rId14"/>
+              </a:rPr>
+              <a:t>https://www.linkedin.com/pulse/20131102214028-131079-are-performance-appraisals-doomed</a:t>
+            </a:r>
+            <a:endParaRPr lang="en-US" sz="1050" b="1" dirty="0" smtClean="0"/>
+          </a:p>
+          <a:p>
+            <a:endParaRPr lang="en-US" sz="1050" b="1" dirty="0" smtClean="0"/>
+          </a:p>
+          <a:p>
             <a:endParaRPr lang="en-US" sz="1050" b="1" dirty="0"/>
           </a:p>
         </p:txBody>
@@ -13088,7 +13200,7 @@
                                         <p:tgtEl>
                                           <p:spTgt spid="4">
                                             <p:txEl>
-                                              <p:pRg st="3" end="3"/>
+                                              <p:pRg st="12" end="12"/>
                                             </p:txEl>
                                           </p:spTgt>
                                         </p:tgtEl>
@@ -13106,7 +13218,7 @@
                                         <p:tgtEl>
                                           <p:spTgt spid="4">
                                             <p:txEl>
-                                              <p:pRg st="3" end="3"/>
+                                              <p:pRg st="12" end="12"/>
                                             </p:txEl>
                                           </p:spTgt>
                                         </p:tgtEl>
@@ -13149,7 +13261,7 @@
                                         <p:tgtEl>
                                           <p:spTgt spid="4">
                                             <p:txEl>
-                                              <p:pRg st="4" end="4"/>
+                                              <p:pRg st="13" end="13"/>
                                             </p:txEl>
                                           </p:spTgt>
                                         </p:tgtEl>
@@ -13167,7 +13279,7 @@
                                         <p:tgtEl>
                                           <p:spTgt spid="4">
                                             <p:txEl>
-                                              <p:pRg st="4" end="4"/>
+                                              <p:pRg st="13" end="13"/>
                                             </p:txEl>
                                           </p:spTgt>
                                         </p:tgtEl>
@@ -13210,7 +13322,7 @@
                                         <p:tgtEl>
                                           <p:spTgt spid="4">
                                             <p:txEl>
-                                              <p:pRg st="5" end="5"/>
+                                              <p:pRg st="3" end="3"/>
                                             </p:txEl>
                                           </p:spTgt>
                                         </p:tgtEl>
@@ -13228,7 +13340,7 @@
                                         <p:tgtEl>
                                           <p:spTgt spid="4">
                                             <p:txEl>
-                                              <p:pRg st="5" end="5"/>
+                                              <p:pRg st="3" end="3"/>
                                             </p:txEl>
                                           </p:spTgt>
                                         </p:tgtEl>
@@ -13271,7 +13383,7 @@
                                         <p:tgtEl>
                                           <p:spTgt spid="4">
                                             <p:txEl>
-                                              <p:pRg st="1" end="1"/>
+                                              <p:pRg st="4" end="4"/>
                                             </p:txEl>
                                           </p:spTgt>
                                         </p:tgtEl>
@@ -13286,6 +13398,128 @@
                                     <p:animEffect transition="in" filter="blinds(horizontal)">
                                       <p:cBhvr>
                                         <p:cTn id="62" dur="500"/>
+                                        <p:tgtEl>
+                                          <p:spTgt spid="4">
+                                            <p:txEl>
+                                              <p:pRg st="4" end="4"/>
+                                            </p:txEl>
+                                          </p:spTgt>
+                                        </p:tgtEl>
+                                      </p:cBhvr>
+                                    </p:animEffect>
+                                  </p:childTnLst>
+                                </p:cTn>
+                              </p:par>
+                            </p:childTnLst>
+                          </p:cTn>
+                        </p:par>
+                      </p:childTnLst>
+                    </p:cTn>
+                  </p:par>
+                  <p:par>
+                    <p:cTn id="63" fill="hold">
+                      <p:stCondLst>
+                        <p:cond delay="indefinite"/>
+                      </p:stCondLst>
+                      <p:childTnLst>
+                        <p:par>
+                          <p:cTn id="64" fill="hold">
+                            <p:stCondLst>
+                              <p:cond delay="0"/>
+                            </p:stCondLst>
+                            <p:childTnLst>
+                              <p:par>
+                                <p:cTn id="65" presetID="3" presetClass="entr" presetSubtype="10" fill="hold" nodeType="clickEffect">
+                                  <p:stCondLst>
+                                    <p:cond delay="0"/>
+                                  </p:stCondLst>
+                                  <p:childTnLst>
+                                    <p:set>
+                                      <p:cBhvr>
+                                        <p:cTn id="66" dur="1" fill="hold">
+                                          <p:stCondLst>
+                                            <p:cond delay="0"/>
+                                          </p:stCondLst>
+                                        </p:cTn>
+                                        <p:tgtEl>
+                                          <p:spTgt spid="4">
+                                            <p:txEl>
+                                              <p:pRg st="5" end="5"/>
+                                            </p:txEl>
+                                          </p:spTgt>
+                                        </p:tgtEl>
+                                        <p:attrNameLst>
+                                          <p:attrName>style.visibility</p:attrName>
+                                        </p:attrNameLst>
+                                      </p:cBhvr>
+                                      <p:to>
+                                        <p:strVal val="visible"/>
+                                      </p:to>
+                                    </p:set>
+                                    <p:animEffect transition="in" filter="blinds(horizontal)">
+                                      <p:cBhvr>
+                                        <p:cTn id="67" dur="500"/>
+                                        <p:tgtEl>
+                                          <p:spTgt spid="4">
+                                            <p:txEl>
+                                              <p:pRg st="5" end="5"/>
+                                            </p:txEl>
+                                          </p:spTgt>
+                                        </p:tgtEl>
+                                      </p:cBhvr>
+                                    </p:animEffect>
+                                  </p:childTnLst>
+                                </p:cTn>
+                              </p:par>
+                            </p:childTnLst>
+                          </p:cTn>
+                        </p:par>
+                      </p:childTnLst>
+                    </p:cTn>
+                  </p:par>
+                  <p:par>
+                    <p:cTn id="68" fill="hold">
+                      <p:stCondLst>
+                        <p:cond delay="indefinite"/>
+                      </p:stCondLst>
+                      <p:childTnLst>
+                        <p:par>
+                          <p:cTn id="69" fill="hold">
+                            <p:stCondLst>
+                              <p:cond delay="0"/>
+                            </p:stCondLst>
+                            <p:childTnLst>
+                              <p:par>
+                                <p:cTn id="70" presetID="3" presetClass="entr" presetSubtype="10" fill="hold" nodeType="clickEffect">
+                                  <p:stCondLst>
+                                    <p:cond delay="0"/>
+                                  </p:stCondLst>
+                                  <p:childTnLst>
+                                    <p:set>
+                                      <p:cBhvr>
+                                        <p:cTn id="71" dur="1" fill="hold">
+                                          <p:stCondLst>
+                                            <p:cond delay="0"/>
+                                          </p:stCondLst>
+                                        </p:cTn>
+                                        <p:tgtEl>
+                                          <p:spTgt spid="4">
+                                            <p:txEl>
+                                              <p:pRg st="1" end="1"/>
+                                            </p:txEl>
+                                          </p:spTgt>
+                                        </p:tgtEl>
+                                        <p:attrNameLst>
+                                          <p:attrName>style.visibility</p:attrName>
+                                        </p:attrNameLst>
+                                      </p:cBhvr>
+                                      <p:to>
+                                        <p:strVal val="visible"/>
+                                      </p:to>
+                                    </p:set>
+                                    <p:animEffect transition="in" filter="blinds(horizontal)">
+                                      <p:cBhvr>
+                                        <p:cTn id="72" dur="500"/>
                                         <p:tgtEl>
                                           <p:spTgt spid="4">
                                             <p:txEl>
@@ -13794,7 +14028,7 @@
         </p:nvGraphicFramePr>
         <p:xfrm>
           <a:off x="838200" y="3200400"/>
-          <a:ext cx="7543800" cy="3415142"/>
+          <a:ext cx="7543800" cy="3628502"/>
         </p:xfrm>
         <a:graphic>
           <a:graphicData uri="http://schemas.openxmlformats.org/drawingml/2006/table">
@@ -14456,11 +14690,7 @@
             </a:pPr>
             <a:r>
               <a:rPr lang="en-US" sz="1700" dirty="0" smtClean="0"/>
-              <a:t>Focus more on reducing the emotional pain that is associated with performance reviews (Emotional pain is always between ME and </a:t>
-            </a:r>
-            <a:r>
-              <a:rPr lang="en-US" sz="1700" dirty="0" smtClean="0"/>
-              <a:t>EE ) . Ranking always creates emotional pain and a demotivating factor in work environment.</a:t>
+              <a:t>Focus more on reducing the emotional pain that is associated with performance reviews (Emotional pain is always between ME and EE ) . Ranking always creates emotional pain and a demotivating factor in work environment.</a:t>
             </a:r>
             <a:endParaRPr lang="en-US" sz="2000" dirty="0"/>
           </a:p>
@@ -17317,9 +17547,12 @@
 </file>
 
 <file path=customXml/item1.xml><?xml version="1.0" encoding="utf-8"?>
-<p:properties xmlns:p="http://schemas.microsoft.com/office/2006/metadata/properties" xmlns:xsi="http://www.w3.org/2001/XMLSchema-instance" xmlns:pc="http://schemas.microsoft.com/office/infopath/2007/PartnerControls">
-  <documentManagement/>
-</p:properties>
+<?mso-contentType ?>
+<FormTemplates xmlns="http://schemas.microsoft.com/sharepoint/v3/contenttype/forms">
+  <Display>DocumentLibraryForm</Display>
+  <Edit>DocumentLibraryForm</Edit>
+  <New>DocumentLibraryForm</New>
+</FormTemplates>
 </file>
 
 <file path=customXml/item2.xml><?xml version="1.0" encoding="utf-8"?>
@@ -17463,19 +17696,15 @@
 </file>
 
 <file path=customXml/item3.xml><?xml version="1.0" encoding="utf-8"?>
-<?mso-contentType ?>
-<FormTemplates xmlns="http://schemas.microsoft.com/sharepoint/v3/contenttype/forms">
-  <Display>DocumentLibraryForm</Display>
-  <Edit>DocumentLibraryForm</Edit>
-  <New>DocumentLibraryForm</New>
-</FormTemplates>
+<p:properties xmlns:p="http://schemas.microsoft.com/office/2006/metadata/properties" xmlns:xsi="http://www.w3.org/2001/XMLSchema-instance" xmlns:pc="http://schemas.microsoft.com/office/infopath/2007/PartnerControls">
+  <documentManagement/>
+</p:properties>
 </file>
 
 <file path=customXml/itemProps1.xml><?xml version="1.0" encoding="utf-8"?>
-<ds:datastoreItem xmlns:ds="http://schemas.openxmlformats.org/officeDocument/2006/customXml" ds:itemID="{1DA5CB71-27A8-4F27-B3EF-0B7C3FFAE0B8}">
+<ds:datastoreItem xmlns:ds="http://schemas.openxmlformats.org/officeDocument/2006/customXml" ds:itemID="{F7CCFA03-50CA-476E-8B8B-49D774F043AB}">
   <ds:schemaRefs>
-    <ds:schemaRef ds:uri="http://schemas.microsoft.com/office/2006/metadata/properties"/>
-    <ds:schemaRef ds:uri="http://schemas.microsoft.com/office/infopath/2007/PartnerControls"/>
+    <ds:schemaRef ds:uri="http://schemas.microsoft.com/sharepoint/v3/contenttype/forms"/>
   </ds:schemaRefs>
 </ds:datastoreItem>
 </file>
@@ -17499,9 +17728,10 @@
 </file>
 
 <file path=customXml/itemProps3.xml><?xml version="1.0" encoding="utf-8"?>
-<ds:datastoreItem xmlns:ds="http://schemas.openxmlformats.org/officeDocument/2006/customXml" ds:itemID="{F7CCFA03-50CA-476E-8B8B-49D774F043AB}">
+<ds:datastoreItem xmlns:ds="http://schemas.openxmlformats.org/officeDocument/2006/customXml" ds:itemID="{1DA5CB71-27A8-4F27-B3EF-0B7C3FFAE0B8}">
   <ds:schemaRefs>
-    <ds:schemaRef ds:uri="http://schemas.microsoft.com/sharepoint/v3/contenttype/forms"/>
+    <ds:schemaRef ds:uri="http://schemas.microsoft.com/office/2006/metadata/properties"/>
+    <ds:schemaRef ds:uri="http://schemas.microsoft.com/office/infopath/2007/PartnerControls"/>
   </ds:schemaRefs>
 </ds:datastoreItem>
 </file>
--- a/Prokarma/Performance Appraisals.pptx
+++ b/Prokarma/Performance Appraisals.pptx
@@ -14024,11 +14024,17 @@
           <p:cNvGraphicFramePr>
             <a:graphicFrameLocks noGrp="1"/>
           </p:cNvGraphicFramePr>
-          <p:nvPr/>
+          <p:nvPr>
+            <p:extLst>
+              <p:ext uri="{D42A27DB-BD31-4B8C-83A1-F6EECF244321}">
+                <p14:modId xmlns:p14="http://schemas.microsoft.com/office/powerpoint/2010/main" val="2979404346"/>
+              </p:ext>
+            </p:extLst>
+          </p:nvPr>
         </p:nvGraphicFramePr>
         <p:xfrm>
-          <a:off x="838200" y="3200400"/>
-          <a:ext cx="7543800" cy="3628502"/>
+          <a:off x="533400" y="3276600"/>
+          <a:ext cx="7543800" cy="3415142"/>
         </p:xfrm>
         <a:graphic>
           <a:graphicData uri="http://schemas.openxmlformats.org/drawingml/2006/table">
@@ -17547,12 +17553,9 @@
 </file>
 
 <file path=customXml/item1.xml><?xml version="1.0" encoding="utf-8"?>
-<?mso-contentType ?>
-<FormTemplates xmlns="http://schemas.microsoft.com/sharepoint/v3/contenttype/forms">
-  <Display>DocumentLibraryForm</Display>
-  <Edit>DocumentLibraryForm</Edit>
-  <New>DocumentLibraryForm</New>
-</FormTemplates>
+<p:properties xmlns:p="http://schemas.microsoft.com/office/2006/metadata/properties" xmlns:xsi="http://www.w3.org/2001/XMLSchema-instance" xmlns:pc="http://schemas.microsoft.com/office/infopath/2007/PartnerControls">
+  <documentManagement/>
+</p:properties>
 </file>
 
 <file path=customXml/item2.xml><?xml version="1.0" encoding="utf-8"?>
@@ -17696,15 +17699,19 @@
 </file>
 
 <file path=customXml/item3.xml><?xml version="1.0" encoding="utf-8"?>
-<p:properties xmlns:p="http://schemas.microsoft.com/office/2006/metadata/properties" xmlns:xsi="http://www.w3.org/2001/XMLSchema-instance" xmlns:pc="http://schemas.microsoft.com/office/infopath/2007/PartnerControls">
-  <documentManagement/>
-</p:properties>
+<?mso-contentType ?>
+<FormTemplates xmlns="http://schemas.microsoft.com/sharepoint/v3/contenttype/forms">
+  <Display>DocumentLibraryForm</Display>
+  <Edit>DocumentLibraryForm</Edit>
+  <New>DocumentLibraryForm</New>
+</FormTemplates>
 </file>
 
 <file path=customXml/itemProps1.xml><?xml version="1.0" encoding="utf-8"?>
-<ds:datastoreItem xmlns:ds="http://schemas.openxmlformats.org/officeDocument/2006/customXml" ds:itemID="{F7CCFA03-50CA-476E-8B8B-49D774F043AB}">
+<ds:datastoreItem xmlns:ds="http://schemas.openxmlformats.org/officeDocument/2006/customXml" ds:itemID="{1DA5CB71-27A8-4F27-B3EF-0B7C3FFAE0B8}">
   <ds:schemaRefs>
-    <ds:schemaRef ds:uri="http://schemas.microsoft.com/sharepoint/v3/contenttype/forms"/>
+    <ds:schemaRef ds:uri="http://schemas.microsoft.com/office/2006/metadata/properties"/>
+    <ds:schemaRef ds:uri="http://schemas.microsoft.com/office/infopath/2007/PartnerControls"/>
   </ds:schemaRefs>
 </ds:datastoreItem>
 </file>
@@ -17728,10 +17735,9 @@
 </file>
 
 <file path=customXml/itemProps3.xml><?xml version="1.0" encoding="utf-8"?>
-<ds:datastoreItem xmlns:ds="http://schemas.openxmlformats.org/officeDocument/2006/customXml" ds:itemID="{1DA5CB71-27A8-4F27-B3EF-0B7C3FFAE0B8}">
+<ds:datastoreItem xmlns:ds="http://schemas.openxmlformats.org/officeDocument/2006/customXml" ds:itemID="{F7CCFA03-50CA-476E-8B8B-49D774F043AB}">
   <ds:schemaRefs>
-    <ds:schemaRef ds:uri="http://schemas.microsoft.com/office/2006/metadata/properties"/>
-    <ds:schemaRef ds:uri="http://schemas.microsoft.com/office/infopath/2007/PartnerControls"/>
+    <ds:schemaRef ds:uri="http://schemas.microsoft.com/sharepoint/v3/contenttype/forms"/>
   </ds:schemaRefs>
 </ds:datastoreItem>
 </file>